--- a/project4/presentation/mo601-project4-alberto-presentation.pptx
+++ b/project4/presentation/mo601-project4-alberto-presentation.pptx
@@ -5,20 +5,27 @@
     <p:sldMasterId id="2147483696" r:id="rId1"/>
   </p:sldMasterIdLst>
   <p:notesMasterIdLst>
-    <p:notesMasterId r:id="rId13"/>
+    <p:notesMasterId r:id="rId20"/>
   </p:notesMasterIdLst>
   <p:sldIdLst>
     <p:sldId id="256" r:id="rId2"/>
-    <p:sldId id="257" r:id="rId3"/>
-    <p:sldId id="258" r:id="rId4"/>
-    <p:sldId id="259" r:id="rId5"/>
-    <p:sldId id="260" r:id="rId6"/>
-    <p:sldId id="261" r:id="rId7"/>
-    <p:sldId id="262" r:id="rId8"/>
-    <p:sldId id="263" r:id="rId9"/>
-    <p:sldId id="264" r:id="rId10"/>
-    <p:sldId id="265" r:id="rId11"/>
-    <p:sldId id="266" r:id="rId12"/>
+    <p:sldId id="258" r:id="rId3"/>
+    <p:sldId id="260" r:id="rId4"/>
+    <p:sldId id="261" r:id="rId5"/>
+    <p:sldId id="267" r:id="rId6"/>
+    <p:sldId id="268" r:id="rId7"/>
+    <p:sldId id="276" r:id="rId8"/>
+    <p:sldId id="269" r:id="rId9"/>
+    <p:sldId id="277" r:id="rId10"/>
+    <p:sldId id="281" r:id="rId11"/>
+    <p:sldId id="282" r:id="rId12"/>
+    <p:sldId id="278" r:id="rId13"/>
+    <p:sldId id="279" r:id="rId14"/>
+    <p:sldId id="283" r:id="rId15"/>
+    <p:sldId id="280" r:id="rId16"/>
+    <p:sldId id="284" r:id="rId17"/>
+    <p:sldId id="275" r:id="rId18"/>
+    <p:sldId id="266" r:id="rId19"/>
   </p:sldIdLst>
   <p:sldSz cx="9144000" cy="6858000" type="screen4x3"/>
   <p:notesSz cx="6858000" cy="9144000"/>
@@ -203,7 +210,7 @@
           <a:p>
             <a:fld id="{E771654B-E985-4110-8EBB-9CB056F26E1B}" type="datetimeFigureOut">
               <a:rPr lang="en-US" smtClean="0"/>
-              <a:t>10/30/2016</a:t>
+              <a:t>12/11/2016</a:t>
             </a:fld>
             <a:endParaRPr lang="en-US"/>
           </a:p>
@@ -749,7 +756,7 @@
           <a:p>
             <a:fld id="{308D1603-D567-4364-910E-A79863575DF4}" type="datetime1">
               <a:rPr lang="en-US" smtClean="0"/>
-              <a:t>10/30/2016</a:t>
+              <a:t>12/11/2016</a:t>
             </a:fld>
             <a:endParaRPr lang="en-US"/>
           </a:p>
@@ -925,7 +932,7 @@
           <a:p>
             <a:fld id="{A2210B84-10CB-4FF4-B5C9-971958A374FD}" type="datetime1">
               <a:rPr lang="en-US" smtClean="0"/>
-              <a:t>10/30/2016</a:t>
+              <a:t>12/11/2016</a:t>
             </a:fld>
             <a:endParaRPr lang="en-US"/>
           </a:p>
@@ -1104,7 +1111,7 @@
           <a:p>
             <a:fld id="{9286BB15-16AB-40CA-AE06-474564F349B0}" type="datetime1">
               <a:rPr lang="en-US" smtClean="0"/>
-              <a:t>10/30/2016</a:t>
+              <a:t>12/11/2016</a:t>
             </a:fld>
             <a:endParaRPr lang="en-US"/>
           </a:p>
@@ -1273,7 +1280,7 @@
           <a:p>
             <a:fld id="{DD407E00-27F0-4C14-AF3C-5C31E771A60D}" type="datetime1">
               <a:rPr lang="en-US" smtClean="0"/>
-              <a:t>10/30/2016</a:t>
+              <a:t>12/11/2016</a:t>
             </a:fld>
             <a:endParaRPr lang="en-US"/>
           </a:p>
@@ -1525,7 +1532,7 @@
           <a:p>
             <a:fld id="{A480A881-79AE-4138-9912-DA5192D14CA4}" type="datetime1">
               <a:rPr lang="en-US" smtClean="0"/>
-              <a:t>10/30/2016</a:t>
+              <a:t>12/11/2016</a:t>
             </a:fld>
             <a:endParaRPr lang="en-US"/>
           </a:p>
@@ -1812,7 +1819,7 @@
           <a:p>
             <a:fld id="{B3EF1AB7-ED0C-45BB-B552-7DD97E5F0C0B}" type="datetime1">
               <a:rPr lang="en-US" smtClean="0"/>
-              <a:t>10/30/2016</a:t>
+              <a:t>12/11/2016</a:t>
             </a:fld>
             <a:endParaRPr lang="en-US"/>
           </a:p>
@@ -2252,7 +2259,7 @@
           <a:p>
             <a:fld id="{67010A43-EBED-4E51-9D48-170506FD3527}" type="datetime1">
               <a:rPr lang="en-US" smtClean="0"/>
-              <a:t>10/30/2016</a:t>
+              <a:t>12/11/2016</a:t>
             </a:fld>
             <a:endParaRPr lang="en-US"/>
           </a:p>
@@ -2369,7 +2376,7 @@
           <a:p>
             <a:fld id="{99FADA0C-96E9-4E1A-9FF7-FA34DC16D55E}" type="datetime1">
               <a:rPr lang="en-US" smtClean="0"/>
-              <a:t>10/30/2016</a:t>
+              <a:t>12/11/2016</a:t>
             </a:fld>
             <a:endParaRPr lang="en-US"/>
           </a:p>
@@ -2463,7 +2470,7 @@
           <a:p>
             <a:fld id="{BC26555E-9594-464C-BBE5-23ABE63B1BBF}" type="datetime1">
               <a:rPr lang="en-US" smtClean="0"/>
-              <a:t>10/30/2016</a:t>
+              <a:t>12/11/2016</a:t>
             </a:fld>
             <a:endParaRPr lang="en-US"/>
           </a:p>
@@ -2656,7 +2663,7 @@
           <a:p>
             <a:fld id="{EA7C7787-1E2F-43C6-AC6E-693198243FE4}" type="datetime1">
               <a:rPr lang="en-US" smtClean="0"/>
-              <a:t>10/30/2016</a:t>
+              <a:t>12/11/2016</a:t>
             </a:fld>
             <a:endParaRPr lang="en-US"/>
           </a:p>
@@ -2978,7 +2985,7 @@
           <a:p>
             <a:fld id="{B542387A-7B59-4CF5-B182-0F8F7C25CEB1}" type="datetime1">
               <a:rPr lang="en-US" smtClean="0"/>
-              <a:t>10/30/2016</a:t>
+              <a:t>12/11/2016</a:t>
             </a:fld>
             <a:endParaRPr lang="en-US"/>
           </a:p>
@@ -3365,7 +3372,7 @@
           <a:p>
             <a:fld id="{6DED9E4F-545F-464A-83A0-01AE51D7F3C2}" type="datetime1">
               <a:rPr lang="en-US" smtClean="0"/>
-              <a:t>10/30/2016</a:t>
+              <a:t>12/11/2016</a:t>
             </a:fld>
             <a:endParaRPr lang="en-US" dirty="0"/>
           </a:p>
@@ -3722,7 +3729,11 @@
             </a:r>
             <a:r>
               <a:rPr lang="en-US" sz="4400" b="1" dirty="0"/>
-              <a:t>3</a:t>
+              <a:t>4</a:t>
+            </a:r>
+            <a:r>
+              <a:rPr lang="en-US" sz="4400" b="1" dirty="0"/>
+              <a:t/>
             </a:r>
             <a:br>
               <a:rPr lang="en-US" sz="4400" b="1" dirty="0"/>
@@ -3746,7 +3757,6 @@
               <a:rPr lang="en-US" sz="4000" dirty="0"/>
               <a:t>Instruction Semantics from Code Generators</a:t>
             </a:r>
-            <a:endParaRPr lang="en-US" sz="4000" dirty="0"/>
           </a:p>
         </p:txBody>
       </p:sp>
@@ -3774,11 +3784,7 @@
           <a:p>
             <a:r>
               <a:rPr lang="en-US" dirty="0" smtClean="0"/>
-              <a:t>093311 </a:t>
-            </a:r>
-            <a:r>
-              <a:rPr lang="en-US" dirty="0" smtClean="0"/>
-              <a:t>– Alberto </a:t>
+              <a:t>093311 – Alberto </a:t>
             </a:r>
             <a:r>
               <a:rPr lang="en-US" dirty="0" err="1" smtClean="0"/>
@@ -3831,7 +3837,7 @@
           <a:p>
             <a:fld id="{2320172C-69BD-4809-BEA3-6CBA1FDCE115}" type="datetime1">
               <a:rPr lang="en-US" smtClean="0"/>
-              <a:t>10/30/2016</a:t>
+              <a:t>12/11/2016</a:t>
             </a:fld>
             <a:endParaRPr lang="en-US"/>
           </a:p>
@@ -3913,45 +3919,53 @@
           <a:lstStyle/>
           <a:p>
             <a:r>
+              <a:rPr lang="en-US" dirty="0"/>
+              <a:t>LISC Evaluation</a:t>
+            </a:r>
+            <a:br>
+              <a:rPr lang="en-US" dirty="0"/>
+            </a:br>
+            <a:r>
               <a:rPr lang="en-US" dirty="0" smtClean="0"/>
-              <a:t>Project 4</a:t>
-            </a:r>
-            <a:br>
+              <a:t>Completeness Discussion</a:t>
+            </a:r>
+            <a:endParaRPr lang="en-US" dirty="0"/>
+          </a:p>
+        </p:txBody>
+      </p:sp>
+      <p:sp>
+        <p:nvSpPr>
+          <p:cNvPr id="3" name="Content Placeholder 2"/>
+          <p:cNvSpPr>
+            <a:spLocks noGrp="1"/>
+          </p:cNvSpPr>
+          <p:nvPr>
+            <p:ph idx="1"/>
+          </p:nvPr>
+        </p:nvSpPr>
+        <p:spPr/>
+        <p:txBody>
+          <a:bodyPr/>
+          <a:lstStyle/>
+          <a:p>
+            <a:r>
               <a:rPr lang="en-US" dirty="0" smtClean="0"/>
-            </a:br>
+              <a:t>Huge difference between Original and New results, even in comparable experiments</a:t>
+            </a:r>
+          </a:p>
+          <a:p>
+            <a:pPr lvl="1"/>
             <a:r>
               <a:rPr lang="en-US" dirty="0" smtClean="0"/>
-              <a:t>Possible Ideas</a:t>
-            </a:r>
-            <a:endParaRPr lang="en-US" dirty="0"/>
-          </a:p>
-        </p:txBody>
-      </p:sp>
-      <p:sp>
-        <p:nvSpPr>
-          <p:cNvPr id="3" name="Content Placeholder 2"/>
-          <p:cNvSpPr>
-            <a:spLocks noGrp="1"/>
-          </p:cNvSpPr>
-          <p:nvPr>
-            <p:ph idx="1"/>
-          </p:nvPr>
-        </p:nvSpPr>
-        <p:spPr/>
-        <p:txBody>
-          <a:bodyPr/>
-          <a:lstStyle/>
-          <a:p>
+              <a:t>Over 10 </a:t>
+            </a:r>
+            <a:r>
+              <a:rPr lang="en-US" dirty="0" err="1" smtClean="0"/>
+              <a:t>percentual</a:t>
+            </a:r>
             <a:r>
               <a:rPr lang="en-US" dirty="0" smtClean="0"/>
-              <a:t>New check of architecture neutrality</a:t>
-            </a:r>
-          </a:p>
-          <a:p>
-            <a:pPr lvl="1"/>
-            <a:r>
-              <a:rPr lang="en-US" dirty="0" smtClean="0"/>
-              <a:t>Generate language model for a non-supported architecture</a:t>
+              <a:t> points in some cases</a:t>
             </a:r>
           </a:p>
           <a:p>
@@ -3961,33 +3975,43 @@
           <a:p>
             <a:r>
               <a:rPr lang="en-US" dirty="0" smtClean="0"/>
-              <a:t>Alternative machine learning technique</a:t>
-            </a:r>
-          </a:p>
-          <a:p>
-            <a:pPr lvl="1"/>
+              <a:t>New methodology is more ‘fair’, by not excluding duplicates</a:t>
+            </a:r>
+          </a:p>
+          <a:p>
+            <a:endParaRPr lang="en-US" dirty="0"/>
+          </a:p>
+          <a:p>
             <a:r>
               <a:rPr lang="en-US" dirty="0" smtClean="0"/>
-              <a:t>Can a different approach to training and testing be employed?</a:t>
-            </a:r>
-          </a:p>
-          <a:p>
-            <a:pPr lvl="1"/>
+              <a:t>Most complementary </a:t>
+            </a:r>
+            <a:r>
+              <a:rPr lang="en-US" dirty="0" err="1" smtClean="0"/>
+              <a:t>automatas</a:t>
+            </a:r>
+            <a:r>
+              <a:rPr lang="en-US" dirty="0" smtClean="0"/>
+              <a:t> do not change the final results at all</a:t>
+            </a:r>
+          </a:p>
+          <a:p>
             <a:endParaRPr lang="en-US" dirty="0"/>
           </a:p>
           <a:p>
             <a:r>
+              <a:rPr lang="en-US" i="1" dirty="0" err="1" smtClean="0"/>
+              <a:t>Ldconfig</a:t>
+            </a:r>
+            <a:r>
+              <a:rPr lang="en-US" i="1" dirty="0" smtClean="0"/>
+              <a:t> </a:t>
+            </a:r>
+            <a:r>
               <a:rPr lang="en-US" dirty="0" smtClean="0"/>
-              <a:t>Evaluation Flaws</a:t>
-            </a:r>
-          </a:p>
-          <a:p>
-            <a:pPr lvl="1"/>
-            <a:r>
-              <a:rPr lang="en-US" dirty="0" smtClean="0"/>
-              <a:t>Is there some aspect of current evaluation that fails to cover possible scenarios?</a:t>
-            </a:r>
-            <a:endParaRPr lang="en-US" dirty="0"/>
+              <a:t>results were very low.</a:t>
+            </a:r>
+            <a:endParaRPr lang="en-US" i="1" dirty="0" smtClean="0"/>
           </a:p>
         </p:txBody>
       </p:sp>
@@ -4008,7 +4032,7 @@
           <a:p>
             <a:fld id="{DD407E00-27F0-4C14-AF3C-5C31E771A60D}" type="datetime1">
               <a:rPr lang="en-US" smtClean="0"/>
-              <a:t>10/30/2016</a:t>
+              <a:t>12/11/2016</a:t>
             </a:fld>
             <a:endParaRPr lang="en-US"/>
           </a:p>
@@ -4063,7 +4087,7 @@
     </p:spTree>
     <p:extLst>
       <p:ext uri="{BB962C8B-B14F-4D97-AF65-F5344CB8AC3E}">
-        <p14:creationId xmlns:p14="http://schemas.microsoft.com/office/powerpoint/2010/main" val="1305600150"/>
+        <p14:creationId xmlns:p14="http://schemas.microsoft.com/office/powerpoint/2010/main" val="3327888979"/>
       </p:ext>
     </p:extLst>
   </p:cSld>
@@ -4092,6 +4116,1270 @@
       </p:grpSpPr>
       <p:sp>
         <p:nvSpPr>
+          <p:cNvPr id="2" name="Title 1"/>
+          <p:cNvSpPr>
+            <a:spLocks noGrp="1"/>
+          </p:cNvSpPr>
+          <p:nvPr>
+            <p:ph type="title"/>
+          </p:nvPr>
+        </p:nvSpPr>
+        <p:spPr/>
+        <p:txBody>
+          <a:bodyPr/>
+          <a:lstStyle/>
+          <a:p>
+            <a:r>
+              <a:rPr lang="en-US" dirty="0"/>
+              <a:t>LISC </a:t>
+            </a:r>
+            <a:r>
+              <a:rPr lang="en-US" dirty="0" smtClean="0"/>
+              <a:t>Evaluation</a:t>
+            </a:r>
+            <a:br>
+              <a:rPr lang="en-US" dirty="0" smtClean="0"/>
+            </a:br>
+            <a:r>
+              <a:rPr lang="en-US" dirty="0" smtClean="0"/>
+              <a:t>Performance Evaluation</a:t>
+            </a:r>
+            <a:endParaRPr lang="en-US" dirty="0"/>
+          </a:p>
+        </p:txBody>
+      </p:sp>
+      <p:sp>
+        <p:nvSpPr>
+          <p:cNvPr id="3" name="Content Placeholder 2"/>
+          <p:cNvSpPr>
+            <a:spLocks noGrp="1"/>
+          </p:cNvSpPr>
+          <p:nvPr>
+            <p:ph idx="1"/>
+          </p:nvPr>
+        </p:nvSpPr>
+        <p:spPr/>
+        <p:txBody>
+          <a:bodyPr/>
+          <a:lstStyle/>
+          <a:p>
+            <a:r>
+              <a:rPr lang="en-US" dirty="0" smtClean="0"/>
+              <a:t>Performance reporting in the original paper was lacking</a:t>
+            </a:r>
+          </a:p>
+          <a:p>
+            <a:pPr lvl="1"/>
+            <a:r>
+              <a:rPr lang="en-US" dirty="0" smtClean="0"/>
+              <a:t>Only graphically reports automata creation time</a:t>
+            </a:r>
+          </a:p>
+          <a:p>
+            <a:pPr lvl="1"/>
+            <a:endParaRPr lang="en-US" dirty="0"/>
+          </a:p>
+          <a:p>
+            <a:r>
+              <a:rPr lang="en-US" dirty="0" smtClean="0"/>
+              <a:t>Biggest burden in performance is binary lifting</a:t>
+            </a:r>
+          </a:p>
+          <a:p>
+            <a:pPr lvl="1"/>
+            <a:r>
+              <a:rPr lang="en-US" dirty="0" smtClean="0"/>
+              <a:t>Liner algorithm with program size</a:t>
+            </a:r>
+          </a:p>
+          <a:p>
+            <a:pPr lvl="1"/>
+            <a:r>
+              <a:rPr lang="en-US" dirty="0" smtClean="0"/>
+              <a:t>The authors argue 8h total to lift around 38M instructions, a fifth of which is to dump programs</a:t>
+            </a:r>
+          </a:p>
+          <a:p>
+            <a:pPr lvl="1"/>
+            <a:r>
+              <a:rPr lang="en-US" dirty="0" smtClean="0"/>
+              <a:t>Very different results observed in practice</a:t>
+            </a:r>
+          </a:p>
+          <a:p>
+            <a:pPr lvl="1"/>
+            <a:endParaRPr lang="en-US" dirty="0"/>
+          </a:p>
+          <a:p>
+            <a:r>
+              <a:rPr lang="en-US" dirty="0" smtClean="0"/>
+              <a:t>Significantly smaller number of instructions took around 13h only to lift</a:t>
+            </a:r>
+            <a:endParaRPr lang="en-US" dirty="0"/>
+          </a:p>
+        </p:txBody>
+      </p:sp>
+      <p:sp>
+        <p:nvSpPr>
+          <p:cNvPr id="4" name="Date Placeholder 3"/>
+          <p:cNvSpPr>
+            <a:spLocks noGrp="1"/>
+          </p:cNvSpPr>
+          <p:nvPr>
+            <p:ph type="dt" sz="half" idx="10"/>
+          </p:nvPr>
+        </p:nvSpPr>
+        <p:spPr/>
+        <p:txBody>
+          <a:bodyPr/>
+          <a:lstStyle/>
+          <a:p>
+            <a:fld id="{DD407E00-27F0-4C14-AF3C-5C31E771A60D}" type="datetime1">
+              <a:rPr lang="en-US" smtClean="0"/>
+              <a:t>12/11/2016</a:t>
+            </a:fld>
+            <a:endParaRPr lang="en-US"/>
+          </a:p>
+        </p:txBody>
+      </p:sp>
+      <p:sp>
+        <p:nvSpPr>
+          <p:cNvPr id="5" name="Footer Placeholder 4"/>
+          <p:cNvSpPr>
+            <a:spLocks noGrp="1"/>
+          </p:cNvSpPr>
+          <p:nvPr>
+            <p:ph type="ftr" sz="quarter" idx="11"/>
+          </p:nvPr>
+        </p:nvSpPr>
+        <p:spPr/>
+        <p:txBody>
+          <a:bodyPr/>
+          <a:lstStyle/>
+          <a:p>
+            <a:r>
+              <a:rPr lang="en-US" smtClean="0"/>
+              <a:t>MO601 - Computer Architecture II</a:t>
+            </a:r>
+            <a:endParaRPr lang="en-US"/>
+          </a:p>
+        </p:txBody>
+      </p:sp>
+      <p:sp>
+        <p:nvSpPr>
+          <p:cNvPr id="6" name="Slide Number Placeholder 5"/>
+          <p:cNvSpPr>
+            <a:spLocks noGrp="1"/>
+          </p:cNvSpPr>
+          <p:nvPr>
+            <p:ph type="sldNum" sz="quarter" idx="12"/>
+          </p:nvPr>
+        </p:nvSpPr>
+        <p:spPr/>
+        <p:txBody>
+          <a:bodyPr/>
+          <a:lstStyle/>
+          <a:p>
+            <a:fld id="{8AD61BBD-45EF-42F9-AAAB-584D7D8CC33E}" type="slidenum">
+              <a:rPr lang="en-US" smtClean="0"/>
+              <a:t>11</a:t>
+            </a:fld>
+            <a:endParaRPr lang="en-US"/>
+          </a:p>
+        </p:txBody>
+      </p:sp>
+    </p:spTree>
+    <p:extLst>
+      <p:ext uri="{BB962C8B-B14F-4D97-AF65-F5344CB8AC3E}">
+        <p14:creationId xmlns:p14="http://schemas.microsoft.com/office/powerpoint/2010/main" val="72093717"/>
+      </p:ext>
+    </p:extLst>
+  </p:cSld>
+  <p:clrMapOvr>
+    <a:masterClrMapping/>
+  </p:clrMapOvr>
+</p:sld>
+</file>
+
+<file path=ppt/slides/slide12.xml><?xml version="1.0" encoding="utf-8"?>
+<p:sld xmlns:a="http://schemas.openxmlformats.org/drawingml/2006/main" xmlns:r="http://schemas.openxmlformats.org/officeDocument/2006/relationships" xmlns:p="http://schemas.openxmlformats.org/presentationml/2006/main">
+  <p:cSld>
+    <p:spTree>
+      <p:nvGrpSpPr>
+        <p:cNvPr id="1" name=""/>
+        <p:cNvGrpSpPr/>
+        <p:nvPr/>
+      </p:nvGrpSpPr>
+      <p:grpSpPr>
+        <a:xfrm>
+          <a:off x="0" y="0"/>
+          <a:ext cx="0" cy="0"/>
+          <a:chOff x="0" y="0"/>
+          <a:chExt cx="0" cy="0"/>
+        </a:xfrm>
+      </p:grpSpPr>
+      <p:sp>
+        <p:nvSpPr>
+          <p:cNvPr id="2" name="Title 1"/>
+          <p:cNvSpPr>
+            <a:spLocks noGrp="1"/>
+          </p:cNvSpPr>
+          <p:nvPr>
+            <p:ph type="title"/>
+          </p:nvPr>
+        </p:nvSpPr>
+        <p:spPr/>
+        <p:txBody>
+          <a:bodyPr/>
+          <a:lstStyle/>
+          <a:p>
+            <a:r>
+              <a:rPr lang="en-US" dirty="0"/>
+              <a:t>LISC Evaluation</a:t>
+            </a:r>
+            <a:br>
+              <a:rPr lang="en-US" dirty="0"/>
+            </a:br>
+            <a:r>
+              <a:rPr lang="en-US" dirty="0" smtClean="0"/>
+              <a:t>Executable dumping</a:t>
+            </a:r>
+            <a:endParaRPr lang="en-US" dirty="0"/>
+          </a:p>
+        </p:txBody>
+      </p:sp>
+      <p:pic>
+        <p:nvPicPr>
+          <p:cNvPr id="7" name="Content Placeholder 6"/>
+          <p:cNvPicPr>
+            <a:picLocks noGrp="1" noChangeAspect="1"/>
+          </p:cNvPicPr>
+          <p:nvPr>
+            <p:ph idx="1"/>
+          </p:nvPr>
+        </p:nvPicPr>
+        <p:blipFill>
+          <a:blip r:embed="rId2">
+            <a:extLst>
+              <a:ext uri="{28A0092B-C50C-407E-A947-70E740481C1C}">
+                <a14:useLocalDpi xmlns:a14="http://schemas.microsoft.com/office/drawing/2010/main" val="0"/>
+              </a:ext>
+            </a:extLst>
+          </a:blip>
+          <a:stretch>
+            <a:fillRect/>
+          </a:stretch>
+        </p:blipFill>
+        <p:spPr>
+          <a:xfrm>
+            <a:off x="457200" y="1672167"/>
+            <a:ext cx="7620000" cy="4656666"/>
+          </a:xfrm>
+        </p:spPr>
+      </p:pic>
+      <p:sp>
+        <p:nvSpPr>
+          <p:cNvPr id="4" name="Date Placeholder 3"/>
+          <p:cNvSpPr>
+            <a:spLocks noGrp="1"/>
+          </p:cNvSpPr>
+          <p:nvPr>
+            <p:ph type="dt" sz="half" idx="10"/>
+          </p:nvPr>
+        </p:nvSpPr>
+        <p:spPr/>
+        <p:txBody>
+          <a:bodyPr/>
+          <a:lstStyle/>
+          <a:p>
+            <a:fld id="{DD407E00-27F0-4C14-AF3C-5C31E771A60D}" type="datetime1">
+              <a:rPr lang="en-US" smtClean="0"/>
+              <a:t>12/11/2016</a:t>
+            </a:fld>
+            <a:endParaRPr lang="en-US"/>
+          </a:p>
+        </p:txBody>
+      </p:sp>
+      <p:sp>
+        <p:nvSpPr>
+          <p:cNvPr id="5" name="Footer Placeholder 4"/>
+          <p:cNvSpPr>
+            <a:spLocks noGrp="1"/>
+          </p:cNvSpPr>
+          <p:nvPr>
+            <p:ph type="ftr" sz="quarter" idx="11"/>
+          </p:nvPr>
+        </p:nvSpPr>
+        <p:spPr/>
+        <p:txBody>
+          <a:bodyPr/>
+          <a:lstStyle/>
+          <a:p>
+            <a:r>
+              <a:rPr lang="en-US" smtClean="0"/>
+              <a:t>MO601 - Computer Architecture II</a:t>
+            </a:r>
+            <a:endParaRPr lang="en-US"/>
+          </a:p>
+        </p:txBody>
+      </p:sp>
+      <p:sp>
+        <p:nvSpPr>
+          <p:cNvPr id="6" name="Slide Number Placeholder 5"/>
+          <p:cNvSpPr>
+            <a:spLocks noGrp="1"/>
+          </p:cNvSpPr>
+          <p:nvPr>
+            <p:ph type="sldNum" sz="quarter" idx="12"/>
+          </p:nvPr>
+        </p:nvSpPr>
+        <p:spPr/>
+        <p:txBody>
+          <a:bodyPr/>
+          <a:lstStyle/>
+          <a:p>
+            <a:fld id="{8AD61BBD-45EF-42F9-AAAB-584D7D8CC33E}" type="slidenum">
+              <a:rPr lang="en-US" smtClean="0"/>
+              <a:t>12</a:t>
+            </a:fld>
+            <a:endParaRPr lang="en-US"/>
+          </a:p>
+        </p:txBody>
+      </p:sp>
+    </p:spTree>
+    <p:extLst>
+      <p:ext uri="{BB962C8B-B14F-4D97-AF65-F5344CB8AC3E}">
+        <p14:creationId xmlns:p14="http://schemas.microsoft.com/office/powerpoint/2010/main" val="1589626031"/>
+      </p:ext>
+    </p:extLst>
+  </p:cSld>
+  <p:clrMapOvr>
+    <a:masterClrMapping/>
+  </p:clrMapOvr>
+</p:sld>
+</file>
+
+<file path=ppt/slides/slide13.xml><?xml version="1.0" encoding="utf-8"?>
+<p:sld xmlns:a="http://schemas.openxmlformats.org/drawingml/2006/main" xmlns:r="http://schemas.openxmlformats.org/officeDocument/2006/relationships" xmlns:p="http://schemas.openxmlformats.org/presentationml/2006/main">
+  <p:cSld>
+    <p:spTree>
+      <p:nvGrpSpPr>
+        <p:cNvPr id="1" name=""/>
+        <p:cNvGrpSpPr/>
+        <p:nvPr/>
+      </p:nvGrpSpPr>
+      <p:grpSpPr>
+        <a:xfrm>
+          <a:off x="0" y="0"/>
+          <a:ext cx="0" cy="0"/>
+          <a:chOff x="0" y="0"/>
+          <a:chExt cx="0" cy="0"/>
+        </a:xfrm>
+      </p:grpSpPr>
+      <p:sp>
+        <p:nvSpPr>
+          <p:cNvPr id="2" name="Title 1"/>
+          <p:cNvSpPr>
+            <a:spLocks noGrp="1"/>
+          </p:cNvSpPr>
+          <p:nvPr>
+            <p:ph type="title"/>
+          </p:nvPr>
+        </p:nvSpPr>
+        <p:spPr/>
+        <p:txBody>
+          <a:bodyPr/>
+          <a:lstStyle/>
+          <a:p>
+            <a:r>
+              <a:rPr lang="en-US" dirty="0"/>
+              <a:t>LISC Evaluation</a:t>
+            </a:r>
+            <a:br>
+              <a:rPr lang="en-US" dirty="0"/>
+            </a:br>
+            <a:r>
+              <a:rPr lang="en-US" dirty="0" smtClean="0"/>
+              <a:t>Lifting Time Growth</a:t>
+            </a:r>
+            <a:endParaRPr lang="en-US" dirty="0"/>
+          </a:p>
+        </p:txBody>
+      </p:sp>
+      <p:pic>
+        <p:nvPicPr>
+          <p:cNvPr id="7" name="Content Placeholder 6"/>
+          <p:cNvPicPr>
+            <a:picLocks noGrp="1" noChangeAspect="1"/>
+          </p:cNvPicPr>
+          <p:nvPr>
+            <p:ph idx="1"/>
+          </p:nvPr>
+        </p:nvPicPr>
+        <p:blipFill>
+          <a:blip r:embed="rId2">
+            <a:extLst>
+              <a:ext uri="{28A0092B-C50C-407E-A947-70E740481C1C}">
+                <a14:useLocalDpi xmlns:a14="http://schemas.microsoft.com/office/drawing/2010/main" val="0"/>
+              </a:ext>
+            </a:extLst>
+          </a:blip>
+          <a:stretch>
+            <a:fillRect/>
+          </a:stretch>
+        </p:blipFill>
+        <p:spPr>
+          <a:xfrm>
+            <a:off x="457200" y="1686278"/>
+            <a:ext cx="7620000" cy="4628444"/>
+          </a:xfrm>
+        </p:spPr>
+      </p:pic>
+      <p:sp>
+        <p:nvSpPr>
+          <p:cNvPr id="4" name="Date Placeholder 3"/>
+          <p:cNvSpPr>
+            <a:spLocks noGrp="1"/>
+          </p:cNvSpPr>
+          <p:nvPr>
+            <p:ph type="dt" sz="half" idx="10"/>
+          </p:nvPr>
+        </p:nvSpPr>
+        <p:spPr/>
+        <p:txBody>
+          <a:bodyPr/>
+          <a:lstStyle/>
+          <a:p>
+            <a:fld id="{DD407E00-27F0-4C14-AF3C-5C31E771A60D}" type="datetime1">
+              <a:rPr lang="en-US" smtClean="0"/>
+              <a:t>12/11/2016</a:t>
+            </a:fld>
+            <a:endParaRPr lang="en-US"/>
+          </a:p>
+        </p:txBody>
+      </p:sp>
+      <p:sp>
+        <p:nvSpPr>
+          <p:cNvPr id="5" name="Footer Placeholder 4"/>
+          <p:cNvSpPr>
+            <a:spLocks noGrp="1"/>
+          </p:cNvSpPr>
+          <p:nvPr>
+            <p:ph type="ftr" sz="quarter" idx="11"/>
+          </p:nvPr>
+        </p:nvSpPr>
+        <p:spPr/>
+        <p:txBody>
+          <a:bodyPr/>
+          <a:lstStyle/>
+          <a:p>
+            <a:r>
+              <a:rPr lang="en-US" smtClean="0"/>
+              <a:t>MO601 - Computer Architecture II</a:t>
+            </a:r>
+            <a:endParaRPr lang="en-US"/>
+          </a:p>
+        </p:txBody>
+      </p:sp>
+      <p:sp>
+        <p:nvSpPr>
+          <p:cNvPr id="6" name="Slide Number Placeholder 5"/>
+          <p:cNvSpPr>
+            <a:spLocks noGrp="1"/>
+          </p:cNvSpPr>
+          <p:nvPr>
+            <p:ph type="sldNum" sz="quarter" idx="12"/>
+          </p:nvPr>
+        </p:nvSpPr>
+        <p:spPr/>
+        <p:txBody>
+          <a:bodyPr/>
+          <a:lstStyle/>
+          <a:p>
+            <a:fld id="{8AD61BBD-45EF-42F9-AAAB-584D7D8CC33E}" type="slidenum">
+              <a:rPr lang="en-US" smtClean="0"/>
+              <a:t>13</a:t>
+            </a:fld>
+            <a:endParaRPr lang="en-US"/>
+          </a:p>
+        </p:txBody>
+      </p:sp>
+    </p:spTree>
+    <p:extLst>
+      <p:ext uri="{BB962C8B-B14F-4D97-AF65-F5344CB8AC3E}">
+        <p14:creationId xmlns:p14="http://schemas.microsoft.com/office/powerpoint/2010/main" val="1215949659"/>
+      </p:ext>
+    </p:extLst>
+  </p:cSld>
+  <p:clrMapOvr>
+    <a:masterClrMapping/>
+  </p:clrMapOvr>
+</p:sld>
+</file>
+
+<file path=ppt/slides/slide14.xml><?xml version="1.0" encoding="utf-8"?>
+<p:sld xmlns:a="http://schemas.openxmlformats.org/drawingml/2006/main" xmlns:r="http://schemas.openxmlformats.org/officeDocument/2006/relationships" xmlns:p="http://schemas.openxmlformats.org/presentationml/2006/main">
+  <p:cSld>
+    <p:spTree>
+      <p:nvGrpSpPr>
+        <p:cNvPr id="1" name=""/>
+        <p:cNvGrpSpPr/>
+        <p:nvPr/>
+      </p:nvGrpSpPr>
+      <p:grpSpPr>
+        <a:xfrm>
+          <a:off x="0" y="0"/>
+          <a:ext cx="0" cy="0"/>
+          <a:chOff x="0" y="0"/>
+          <a:chExt cx="0" cy="0"/>
+        </a:xfrm>
+      </p:grpSpPr>
+      <p:sp>
+        <p:nvSpPr>
+          <p:cNvPr id="2" name="Title 1"/>
+          <p:cNvSpPr>
+            <a:spLocks noGrp="1"/>
+          </p:cNvSpPr>
+          <p:nvPr>
+            <p:ph type="title"/>
+          </p:nvPr>
+        </p:nvSpPr>
+        <p:spPr/>
+        <p:txBody>
+          <a:bodyPr/>
+          <a:lstStyle/>
+          <a:p>
+            <a:r>
+              <a:rPr lang="en-US" dirty="0"/>
+              <a:t>LISC </a:t>
+            </a:r>
+            <a:r>
+              <a:rPr lang="en-US" dirty="0" smtClean="0"/>
+              <a:t>Evaluation</a:t>
+            </a:r>
+            <a:br>
+              <a:rPr lang="en-US" dirty="0" smtClean="0"/>
+            </a:br>
+            <a:r>
+              <a:rPr lang="en-US" dirty="0" smtClean="0"/>
+              <a:t>Performance Evaluation</a:t>
+            </a:r>
+            <a:endParaRPr lang="en-US" dirty="0"/>
+          </a:p>
+        </p:txBody>
+      </p:sp>
+      <p:sp>
+        <p:nvSpPr>
+          <p:cNvPr id="3" name="Content Placeholder 2"/>
+          <p:cNvSpPr>
+            <a:spLocks noGrp="1"/>
+          </p:cNvSpPr>
+          <p:nvPr>
+            <p:ph idx="1"/>
+          </p:nvPr>
+        </p:nvSpPr>
+        <p:spPr/>
+        <p:txBody>
+          <a:bodyPr/>
+          <a:lstStyle/>
+          <a:p>
+            <a:r>
+              <a:rPr lang="en-US" dirty="0" smtClean="0"/>
+              <a:t>The authors argued linear growth, while I obtained a clear quadratic growth</a:t>
+            </a:r>
+          </a:p>
+          <a:p>
+            <a:pPr lvl="1"/>
+            <a:r>
+              <a:rPr lang="en-US" dirty="0" smtClean="0"/>
+              <a:t>Around 13 hours to lift around 900</a:t>
+            </a:r>
+          </a:p>
+          <a:p>
+            <a:endParaRPr lang="en-US" dirty="0"/>
+          </a:p>
+          <a:p>
+            <a:r>
+              <a:rPr lang="en-US" dirty="0" smtClean="0"/>
+              <a:t>Not all </a:t>
+            </a:r>
+            <a:r>
+              <a:rPr lang="en-US" dirty="0" err="1" smtClean="0"/>
+              <a:t>executables</a:t>
+            </a:r>
+            <a:r>
+              <a:rPr lang="en-US" dirty="0" smtClean="0"/>
+              <a:t> could be lifted in a feasible time</a:t>
+            </a:r>
+          </a:p>
+          <a:p>
+            <a:endParaRPr lang="en-US" dirty="0"/>
+          </a:p>
+          <a:p>
+            <a:r>
+              <a:rPr lang="en-US" i="1" dirty="0" err="1" smtClean="0"/>
+              <a:t>Ldconfig</a:t>
+            </a:r>
+            <a:r>
+              <a:rPr lang="en-US" dirty="0" smtClean="0"/>
+              <a:t> is the sole outlier</a:t>
+            </a:r>
+          </a:p>
+          <a:p>
+            <a:pPr lvl="1"/>
+            <a:r>
+              <a:rPr lang="en-US" dirty="0" smtClean="0"/>
+              <a:t>Also had the absolute worst lifting results</a:t>
+            </a:r>
+          </a:p>
+          <a:p>
+            <a:pPr lvl="1"/>
+            <a:r>
+              <a:rPr lang="en-US" dirty="0" smtClean="0"/>
+              <a:t>Although it has some particularities, like highest number of </a:t>
+            </a:r>
+            <a:r>
+              <a:rPr lang="en-US" dirty="0" err="1" smtClean="0"/>
+              <a:t>nops</a:t>
+            </a:r>
+            <a:r>
+              <a:rPr lang="en-US" dirty="0" smtClean="0"/>
+              <a:t>, no pattern could be found in its dump to explain this fact</a:t>
+            </a:r>
+            <a:endParaRPr lang="en-US" dirty="0"/>
+          </a:p>
+        </p:txBody>
+      </p:sp>
+      <p:sp>
+        <p:nvSpPr>
+          <p:cNvPr id="4" name="Date Placeholder 3"/>
+          <p:cNvSpPr>
+            <a:spLocks noGrp="1"/>
+          </p:cNvSpPr>
+          <p:nvPr>
+            <p:ph type="dt" sz="half" idx="10"/>
+          </p:nvPr>
+        </p:nvSpPr>
+        <p:spPr/>
+        <p:txBody>
+          <a:bodyPr/>
+          <a:lstStyle/>
+          <a:p>
+            <a:fld id="{DD407E00-27F0-4C14-AF3C-5C31E771A60D}" type="datetime1">
+              <a:rPr lang="en-US" smtClean="0"/>
+              <a:t>12/11/2016</a:t>
+            </a:fld>
+            <a:endParaRPr lang="en-US"/>
+          </a:p>
+        </p:txBody>
+      </p:sp>
+      <p:sp>
+        <p:nvSpPr>
+          <p:cNvPr id="5" name="Footer Placeholder 4"/>
+          <p:cNvSpPr>
+            <a:spLocks noGrp="1"/>
+          </p:cNvSpPr>
+          <p:nvPr>
+            <p:ph type="ftr" sz="quarter" idx="11"/>
+          </p:nvPr>
+        </p:nvSpPr>
+        <p:spPr/>
+        <p:txBody>
+          <a:bodyPr/>
+          <a:lstStyle/>
+          <a:p>
+            <a:r>
+              <a:rPr lang="en-US" smtClean="0"/>
+              <a:t>MO601 - Computer Architecture II</a:t>
+            </a:r>
+            <a:endParaRPr lang="en-US"/>
+          </a:p>
+        </p:txBody>
+      </p:sp>
+      <p:sp>
+        <p:nvSpPr>
+          <p:cNvPr id="6" name="Slide Number Placeholder 5"/>
+          <p:cNvSpPr>
+            <a:spLocks noGrp="1"/>
+          </p:cNvSpPr>
+          <p:nvPr>
+            <p:ph type="sldNum" sz="quarter" idx="12"/>
+          </p:nvPr>
+        </p:nvSpPr>
+        <p:spPr/>
+        <p:txBody>
+          <a:bodyPr/>
+          <a:lstStyle/>
+          <a:p>
+            <a:fld id="{8AD61BBD-45EF-42F9-AAAB-584D7D8CC33E}" type="slidenum">
+              <a:rPr lang="en-US" smtClean="0"/>
+              <a:t>14</a:t>
+            </a:fld>
+            <a:endParaRPr lang="en-US"/>
+          </a:p>
+        </p:txBody>
+      </p:sp>
+    </p:spTree>
+    <p:extLst>
+      <p:ext uri="{BB962C8B-B14F-4D97-AF65-F5344CB8AC3E}">
+        <p14:creationId xmlns:p14="http://schemas.microsoft.com/office/powerpoint/2010/main" val="1861561751"/>
+      </p:ext>
+    </p:extLst>
+  </p:cSld>
+  <p:clrMapOvr>
+    <a:masterClrMapping/>
+  </p:clrMapOvr>
+</p:sld>
+</file>
+
+<file path=ppt/slides/slide15.xml><?xml version="1.0" encoding="utf-8"?>
+<p:sld xmlns:a="http://schemas.openxmlformats.org/drawingml/2006/main" xmlns:r="http://schemas.openxmlformats.org/officeDocument/2006/relationships" xmlns:p="http://schemas.openxmlformats.org/presentationml/2006/main">
+  <p:cSld>
+    <p:spTree>
+      <p:nvGrpSpPr>
+        <p:cNvPr id="1" name=""/>
+        <p:cNvGrpSpPr/>
+        <p:nvPr/>
+      </p:nvGrpSpPr>
+      <p:grpSpPr>
+        <a:xfrm>
+          <a:off x="0" y="0"/>
+          <a:ext cx="0" cy="0"/>
+          <a:chOff x="0" y="0"/>
+          <a:chExt cx="0" cy="0"/>
+        </a:xfrm>
+      </p:grpSpPr>
+      <p:sp>
+        <p:nvSpPr>
+          <p:cNvPr id="2" name="Title 1"/>
+          <p:cNvSpPr>
+            <a:spLocks noGrp="1"/>
+          </p:cNvSpPr>
+          <p:nvPr>
+            <p:ph type="title"/>
+          </p:nvPr>
+        </p:nvSpPr>
+        <p:spPr/>
+        <p:txBody>
+          <a:bodyPr/>
+          <a:lstStyle/>
+          <a:p>
+            <a:r>
+              <a:rPr lang="en-US" dirty="0"/>
+              <a:t>LISC Evaluation</a:t>
+            </a:r>
+            <a:br>
+              <a:rPr lang="en-US" dirty="0"/>
+            </a:br>
+            <a:r>
+              <a:rPr lang="en-US" dirty="0" smtClean="0"/>
+              <a:t>Automata Impact on Performance</a:t>
+            </a:r>
+            <a:endParaRPr lang="en-US" dirty="0"/>
+          </a:p>
+        </p:txBody>
+      </p:sp>
+      <p:pic>
+        <p:nvPicPr>
+          <p:cNvPr id="7" name="Content Placeholder 6"/>
+          <p:cNvPicPr>
+            <a:picLocks noGrp="1" noChangeAspect="1"/>
+          </p:cNvPicPr>
+          <p:nvPr>
+            <p:ph idx="1"/>
+          </p:nvPr>
+        </p:nvPicPr>
+        <p:blipFill>
+          <a:blip r:embed="rId2">
+            <a:extLst>
+              <a:ext uri="{28A0092B-C50C-407E-A947-70E740481C1C}">
+                <a14:useLocalDpi xmlns:a14="http://schemas.microsoft.com/office/drawing/2010/main" val="0"/>
+              </a:ext>
+            </a:extLst>
+          </a:blip>
+          <a:stretch>
+            <a:fillRect/>
+          </a:stretch>
+        </p:blipFill>
+        <p:spPr>
+          <a:xfrm>
+            <a:off x="152400" y="1828800"/>
+            <a:ext cx="8229600" cy="4114800"/>
+          </a:xfrm>
+        </p:spPr>
+      </p:pic>
+      <p:sp>
+        <p:nvSpPr>
+          <p:cNvPr id="4" name="Date Placeholder 3"/>
+          <p:cNvSpPr>
+            <a:spLocks noGrp="1"/>
+          </p:cNvSpPr>
+          <p:nvPr>
+            <p:ph type="dt" sz="half" idx="10"/>
+          </p:nvPr>
+        </p:nvSpPr>
+        <p:spPr/>
+        <p:txBody>
+          <a:bodyPr/>
+          <a:lstStyle/>
+          <a:p>
+            <a:fld id="{DD407E00-27F0-4C14-AF3C-5C31E771A60D}" type="datetime1">
+              <a:rPr lang="en-US" smtClean="0"/>
+              <a:t>12/11/2016</a:t>
+            </a:fld>
+            <a:endParaRPr lang="en-US"/>
+          </a:p>
+        </p:txBody>
+      </p:sp>
+      <p:sp>
+        <p:nvSpPr>
+          <p:cNvPr id="5" name="Footer Placeholder 4"/>
+          <p:cNvSpPr>
+            <a:spLocks noGrp="1"/>
+          </p:cNvSpPr>
+          <p:nvPr>
+            <p:ph type="ftr" sz="quarter" idx="11"/>
+          </p:nvPr>
+        </p:nvSpPr>
+        <p:spPr/>
+        <p:txBody>
+          <a:bodyPr/>
+          <a:lstStyle/>
+          <a:p>
+            <a:r>
+              <a:rPr lang="en-US" smtClean="0"/>
+              <a:t>MO601 - Computer Architecture II</a:t>
+            </a:r>
+            <a:endParaRPr lang="en-US"/>
+          </a:p>
+        </p:txBody>
+      </p:sp>
+      <p:sp>
+        <p:nvSpPr>
+          <p:cNvPr id="6" name="Slide Number Placeholder 5"/>
+          <p:cNvSpPr>
+            <a:spLocks noGrp="1"/>
+          </p:cNvSpPr>
+          <p:nvPr>
+            <p:ph type="sldNum" sz="quarter" idx="12"/>
+          </p:nvPr>
+        </p:nvSpPr>
+        <p:spPr/>
+        <p:txBody>
+          <a:bodyPr/>
+          <a:lstStyle/>
+          <a:p>
+            <a:fld id="{8AD61BBD-45EF-42F9-AAAB-584D7D8CC33E}" type="slidenum">
+              <a:rPr lang="en-US" smtClean="0"/>
+              <a:t>15</a:t>
+            </a:fld>
+            <a:endParaRPr lang="en-US"/>
+          </a:p>
+        </p:txBody>
+      </p:sp>
+    </p:spTree>
+    <p:extLst>
+      <p:ext uri="{BB962C8B-B14F-4D97-AF65-F5344CB8AC3E}">
+        <p14:creationId xmlns:p14="http://schemas.microsoft.com/office/powerpoint/2010/main" val="848481221"/>
+      </p:ext>
+    </p:extLst>
+  </p:cSld>
+  <p:clrMapOvr>
+    <a:masterClrMapping/>
+  </p:clrMapOvr>
+</p:sld>
+</file>
+
+<file path=ppt/slides/slide16.xml><?xml version="1.0" encoding="utf-8"?>
+<p:sld xmlns:a="http://schemas.openxmlformats.org/drawingml/2006/main" xmlns:r="http://schemas.openxmlformats.org/officeDocument/2006/relationships" xmlns:p="http://schemas.openxmlformats.org/presentationml/2006/main">
+  <p:cSld>
+    <p:spTree>
+      <p:nvGrpSpPr>
+        <p:cNvPr id="1" name=""/>
+        <p:cNvGrpSpPr/>
+        <p:nvPr/>
+      </p:nvGrpSpPr>
+      <p:grpSpPr>
+        <a:xfrm>
+          <a:off x="0" y="0"/>
+          <a:ext cx="0" cy="0"/>
+          <a:chOff x="0" y="0"/>
+          <a:chExt cx="0" cy="0"/>
+        </a:xfrm>
+      </p:grpSpPr>
+      <p:sp>
+        <p:nvSpPr>
+          <p:cNvPr id="2" name="Title 1"/>
+          <p:cNvSpPr>
+            <a:spLocks noGrp="1"/>
+          </p:cNvSpPr>
+          <p:nvPr>
+            <p:ph type="title"/>
+          </p:nvPr>
+        </p:nvSpPr>
+        <p:spPr/>
+        <p:txBody>
+          <a:bodyPr/>
+          <a:lstStyle/>
+          <a:p>
+            <a:r>
+              <a:rPr lang="en-US" dirty="0"/>
+              <a:t>LISC </a:t>
+            </a:r>
+            <a:r>
+              <a:rPr lang="en-US" dirty="0" smtClean="0"/>
+              <a:t>Evaluation</a:t>
+            </a:r>
+            <a:br>
+              <a:rPr lang="en-US" dirty="0" smtClean="0"/>
+            </a:br>
+            <a:r>
+              <a:rPr lang="en-US" dirty="0" smtClean="0"/>
+              <a:t>Automata Impact on Performance</a:t>
+            </a:r>
+            <a:endParaRPr lang="en-US" dirty="0"/>
+          </a:p>
+        </p:txBody>
+      </p:sp>
+      <p:sp>
+        <p:nvSpPr>
+          <p:cNvPr id="3" name="Content Placeholder 2"/>
+          <p:cNvSpPr>
+            <a:spLocks noGrp="1"/>
+          </p:cNvSpPr>
+          <p:nvPr>
+            <p:ph idx="1"/>
+          </p:nvPr>
+        </p:nvSpPr>
+        <p:spPr/>
+        <p:txBody>
+          <a:bodyPr/>
+          <a:lstStyle/>
+          <a:p>
+            <a:r>
+              <a:rPr lang="en-US" dirty="0" smtClean="0"/>
+              <a:t>Another performance question not explored by the authors</a:t>
+            </a:r>
+          </a:p>
+          <a:p>
+            <a:endParaRPr lang="en-US" dirty="0"/>
+          </a:p>
+          <a:p>
+            <a:r>
+              <a:rPr lang="en-US" dirty="0" smtClean="0"/>
+              <a:t>Bigger </a:t>
+            </a:r>
+            <a:r>
+              <a:rPr lang="en-US" dirty="0" err="1" smtClean="0"/>
+              <a:t>automatas</a:t>
+            </a:r>
+            <a:r>
+              <a:rPr lang="en-US" dirty="0" smtClean="0"/>
+              <a:t> in some cases actually </a:t>
+            </a:r>
+            <a:r>
+              <a:rPr lang="en-US" i="1" dirty="0" smtClean="0"/>
+              <a:t>decrease </a:t>
+            </a:r>
+            <a:r>
+              <a:rPr lang="en-US" dirty="0" smtClean="0"/>
+              <a:t>the lifting time</a:t>
+            </a:r>
+          </a:p>
+          <a:p>
+            <a:endParaRPr lang="en-US" dirty="0"/>
+          </a:p>
+          <a:p>
+            <a:r>
+              <a:rPr lang="en-US" dirty="0" smtClean="0"/>
+              <a:t>Overall, all the results were very similar</a:t>
+            </a:r>
+            <a:endParaRPr lang="en-US" dirty="0"/>
+          </a:p>
+        </p:txBody>
+      </p:sp>
+      <p:sp>
+        <p:nvSpPr>
+          <p:cNvPr id="4" name="Date Placeholder 3"/>
+          <p:cNvSpPr>
+            <a:spLocks noGrp="1"/>
+          </p:cNvSpPr>
+          <p:nvPr>
+            <p:ph type="dt" sz="half" idx="10"/>
+          </p:nvPr>
+        </p:nvSpPr>
+        <p:spPr/>
+        <p:txBody>
+          <a:bodyPr/>
+          <a:lstStyle/>
+          <a:p>
+            <a:fld id="{DD407E00-27F0-4C14-AF3C-5C31E771A60D}" type="datetime1">
+              <a:rPr lang="en-US" smtClean="0"/>
+              <a:t>12/11/2016</a:t>
+            </a:fld>
+            <a:endParaRPr lang="en-US" dirty="0"/>
+          </a:p>
+        </p:txBody>
+      </p:sp>
+      <p:sp>
+        <p:nvSpPr>
+          <p:cNvPr id="5" name="Footer Placeholder 4"/>
+          <p:cNvSpPr>
+            <a:spLocks noGrp="1"/>
+          </p:cNvSpPr>
+          <p:nvPr>
+            <p:ph type="ftr" sz="quarter" idx="11"/>
+          </p:nvPr>
+        </p:nvSpPr>
+        <p:spPr/>
+        <p:txBody>
+          <a:bodyPr/>
+          <a:lstStyle/>
+          <a:p>
+            <a:r>
+              <a:rPr lang="en-US" smtClean="0"/>
+              <a:t>MO601 - Computer Architecture II</a:t>
+            </a:r>
+            <a:endParaRPr lang="en-US"/>
+          </a:p>
+        </p:txBody>
+      </p:sp>
+      <p:sp>
+        <p:nvSpPr>
+          <p:cNvPr id="6" name="Slide Number Placeholder 5"/>
+          <p:cNvSpPr>
+            <a:spLocks noGrp="1"/>
+          </p:cNvSpPr>
+          <p:nvPr>
+            <p:ph type="sldNum" sz="quarter" idx="12"/>
+          </p:nvPr>
+        </p:nvSpPr>
+        <p:spPr/>
+        <p:txBody>
+          <a:bodyPr/>
+          <a:lstStyle/>
+          <a:p>
+            <a:fld id="{8AD61BBD-45EF-42F9-AAAB-584D7D8CC33E}" type="slidenum">
+              <a:rPr lang="en-US" smtClean="0"/>
+              <a:t>16</a:t>
+            </a:fld>
+            <a:endParaRPr lang="en-US"/>
+          </a:p>
+        </p:txBody>
+      </p:sp>
+    </p:spTree>
+    <p:extLst>
+      <p:ext uri="{BB962C8B-B14F-4D97-AF65-F5344CB8AC3E}">
+        <p14:creationId xmlns:p14="http://schemas.microsoft.com/office/powerpoint/2010/main" val="1726304896"/>
+      </p:ext>
+    </p:extLst>
+  </p:cSld>
+  <p:clrMapOvr>
+    <a:masterClrMapping/>
+  </p:clrMapOvr>
+</p:sld>
+</file>
+
+<file path=ppt/slides/slide17.xml><?xml version="1.0" encoding="utf-8"?>
+<p:sld xmlns:a="http://schemas.openxmlformats.org/drawingml/2006/main" xmlns:r="http://schemas.openxmlformats.org/officeDocument/2006/relationships" xmlns:p="http://schemas.openxmlformats.org/presentationml/2006/main">
+  <p:cSld>
+    <p:spTree>
+      <p:nvGrpSpPr>
+        <p:cNvPr id="1" name=""/>
+        <p:cNvGrpSpPr/>
+        <p:nvPr/>
+      </p:nvGrpSpPr>
+      <p:grpSpPr>
+        <a:xfrm>
+          <a:off x="0" y="0"/>
+          <a:ext cx="0" cy="0"/>
+          <a:chOff x="0" y="0"/>
+          <a:chExt cx="0" cy="0"/>
+        </a:xfrm>
+      </p:grpSpPr>
+      <p:sp>
+        <p:nvSpPr>
+          <p:cNvPr id="2" name="Title 1"/>
+          <p:cNvSpPr>
+            <a:spLocks noGrp="1"/>
+          </p:cNvSpPr>
+          <p:nvPr>
+            <p:ph type="title"/>
+          </p:nvPr>
+        </p:nvSpPr>
+        <p:spPr/>
+        <p:txBody>
+          <a:bodyPr/>
+          <a:lstStyle/>
+          <a:p>
+            <a:r>
+              <a:rPr lang="en-US" dirty="0"/>
+              <a:t>LISC Evaluation</a:t>
+            </a:r>
+            <a:br>
+              <a:rPr lang="en-US" dirty="0"/>
+            </a:br>
+            <a:r>
+              <a:rPr lang="en-US" dirty="0" smtClean="0"/>
+              <a:t>Conclusions</a:t>
+            </a:r>
+            <a:endParaRPr lang="en-US" dirty="0"/>
+          </a:p>
+        </p:txBody>
+      </p:sp>
+      <p:sp>
+        <p:nvSpPr>
+          <p:cNvPr id="3" name="Content Placeholder 2"/>
+          <p:cNvSpPr>
+            <a:spLocks noGrp="1"/>
+          </p:cNvSpPr>
+          <p:nvPr>
+            <p:ph idx="1"/>
+          </p:nvPr>
+        </p:nvSpPr>
+        <p:spPr/>
+        <p:txBody>
+          <a:bodyPr/>
+          <a:lstStyle/>
+          <a:p>
+            <a:r>
+              <a:rPr lang="en-US" dirty="0" smtClean="0"/>
+              <a:t>The framework and instructions provided by the authors were not sufficient for complete reproduction of results</a:t>
+            </a:r>
+          </a:p>
+          <a:p>
+            <a:endParaRPr lang="en-US" dirty="0"/>
+          </a:p>
+          <a:p>
+            <a:r>
+              <a:rPr lang="en-US" dirty="0" smtClean="0"/>
+              <a:t>Several discrepancies between results reported in the paper and my own</a:t>
+            </a:r>
+          </a:p>
+          <a:p>
+            <a:endParaRPr lang="en-US" dirty="0"/>
+          </a:p>
+          <a:p>
+            <a:r>
+              <a:rPr lang="en-US" dirty="0" smtClean="0"/>
+              <a:t>Performance experiments reported are very incomplete</a:t>
+            </a:r>
+          </a:p>
+          <a:p>
+            <a:pPr lvl="1"/>
+            <a:r>
+              <a:rPr lang="en-US" dirty="0" smtClean="0"/>
+              <a:t>Focused on the aspect that is the least burden </a:t>
+            </a:r>
+            <a:r>
+              <a:rPr lang="en-US" smtClean="0"/>
+              <a:t>to time</a:t>
+            </a:r>
+            <a:endParaRPr lang="en-US" dirty="0"/>
+          </a:p>
+        </p:txBody>
+      </p:sp>
+      <p:sp>
+        <p:nvSpPr>
+          <p:cNvPr id="4" name="Date Placeholder 3"/>
+          <p:cNvSpPr>
+            <a:spLocks noGrp="1"/>
+          </p:cNvSpPr>
+          <p:nvPr>
+            <p:ph type="dt" sz="half" idx="10"/>
+          </p:nvPr>
+        </p:nvSpPr>
+        <p:spPr/>
+        <p:txBody>
+          <a:bodyPr/>
+          <a:lstStyle/>
+          <a:p>
+            <a:fld id="{DD407E00-27F0-4C14-AF3C-5C31E771A60D}" type="datetime1">
+              <a:rPr lang="en-US" smtClean="0"/>
+              <a:t>12/11/2016</a:t>
+            </a:fld>
+            <a:endParaRPr lang="en-US"/>
+          </a:p>
+        </p:txBody>
+      </p:sp>
+      <p:sp>
+        <p:nvSpPr>
+          <p:cNvPr id="5" name="Footer Placeholder 4"/>
+          <p:cNvSpPr>
+            <a:spLocks noGrp="1"/>
+          </p:cNvSpPr>
+          <p:nvPr>
+            <p:ph type="ftr" sz="quarter" idx="11"/>
+          </p:nvPr>
+        </p:nvSpPr>
+        <p:spPr/>
+        <p:txBody>
+          <a:bodyPr/>
+          <a:lstStyle/>
+          <a:p>
+            <a:r>
+              <a:rPr lang="en-US" smtClean="0"/>
+              <a:t>MO601 - Computer Architecture II</a:t>
+            </a:r>
+            <a:endParaRPr lang="en-US"/>
+          </a:p>
+        </p:txBody>
+      </p:sp>
+      <p:sp>
+        <p:nvSpPr>
+          <p:cNvPr id="6" name="Slide Number Placeholder 5"/>
+          <p:cNvSpPr>
+            <a:spLocks noGrp="1"/>
+          </p:cNvSpPr>
+          <p:nvPr>
+            <p:ph type="sldNum" sz="quarter" idx="12"/>
+          </p:nvPr>
+        </p:nvSpPr>
+        <p:spPr/>
+        <p:txBody>
+          <a:bodyPr/>
+          <a:lstStyle/>
+          <a:p>
+            <a:fld id="{8AD61BBD-45EF-42F9-AAAB-584D7D8CC33E}" type="slidenum">
+              <a:rPr lang="en-US" smtClean="0"/>
+              <a:t>17</a:t>
+            </a:fld>
+            <a:endParaRPr lang="en-US"/>
+          </a:p>
+        </p:txBody>
+      </p:sp>
+    </p:spTree>
+    <p:extLst>
+      <p:ext uri="{BB962C8B-B14F-4D97-AF65-F5344CB8AC3E}">
+        <p14:creationId xmlns:p14="http://schemas.microsoft.com/office/powerpoint/2010/main" val="2028337699"/>
+      </p:ext>
+    </p:extLst>
+  </p:cSld>
+  <p:clrMapOvr>
+    <a:masterClrMapping/>
+  </p:clrMapOvr>
+</p:sld>
+</file>
+
+<file path=ppt/slides/slide18.xml><?xml version="1.0" encoding="utf-8"?>
+<p:sld xmlns:a="http://schemas.openxmlformats.org/drawingml/2006/main" xmlns:r="http://schemas.openxmlformats.org/officeDocument/2006/relationships" xmlns:p="http://schemas.openxmlformats.org/presentationml/2006/main">
+  <p:cSld>
+    <p:spTree>
+      <p:nvGrpSpPr>
+        <p:cNvPr id="1" name=""/>
+        <p:cNvGrpSpPr/>
+        <p:nvPr/>
+      </p:nvGrpSpPr>
+      <p:grpSpPr>
+        <a:xfrm>
+          <a:off x="0" y="0"/>
+          <a:ext cx="0" cy="0"/>
+          <a:chOff x="0" y="0"/>
+          <a:chExt cx="0" cy="0"/>
+        </a:xfrm>
+      </p:grpSpPr>
+      <p:sp>
+        <p:nvSpPr>
           <p:cNvPr id="7" name="Title 6"/>
           <p:cNvSpPr>
             <a:spLocks noGrp="1"/>
@@ -4149,7 +5437,7 @@
           <a:p>
             <a:fld id="{DD407E00-27F0-4C14-AF3C-5C31E771A60D}" type="datetime1">
               <a:rPr lang="en-US" smtClean="0"/>
-              <a:t>10/30/2016</a:t>
+              <a:t>12/11/2016</a:t>
             </a:fld>
             <a:endParaRPr lang="en-US"/>
           </a:p>
@@ -4195,7 +5483,7 @@
           <a:p>
             <a:fld id="{8AD61BBD-45EF-42F9-AAAB-584D7D8CC33E}" type="slidenum">
               <a:rPr lang="en-US" smtClean="0"/>
-              <a:t>11</a:t>
+              <a:t>18</a:t>
             </a:fld>
             <a:endParaRPr lang="en-US"/>
           </a:p>
@@ -4248,7 +5536,14 @@
           <a:p>
             <a:r>
               <a:rPr lang="en-US" dirty="0" smtClean="0"/>
-              <a:t>Overview</a:t>
+              <a:t>LISC</a:t>
+            </a:r>
+            <a:br>
+              <a:rPr lang="en-US" dirty="0" smtClean="0"/>
+            </a:br>
+            <a:r>
+              <a:rPr lang="en-US" dirty="0" smtClean="0"/>
+              <a:t>Objective</a:t>
             </a:r>
             <a:endParaRPr lang="en-US" dirty="0"/>
           </a:p>
@@ -4271,67 +5566,23 @@
           <a:p>
             <a:r>
               <a:rPr lang="en-US" dirty="0" smtClean="0"/>
-              <a:t>Binary analysis and instrumentation</a:t>
+              <a:t>Automated modeling of instruction semantics</a:t>
+            </a:r>
+          </a:p>
+          <a:p>
+            <a:endParaRPr lang="en-US" dirty="0"/>
+          </a:p>
+          <a:p>
+            <a:r>
+              <a:rPr lang="en-US" dirty="0" smtClean="0"/>
+              <a:t>Compilers: Intermediate Language -&gt; Assembly Code</a:t>
             </a:r>
           </a:p>
           <a:p>
             <a:pPr lvl="1"/>
             <a:r>
               <a:rPr lang="en-US" dirty="0" smtClean="0"/>
-              <a:t>Program monitoring (</a:t>
-            </a:r>
-            <a:r>
-              <a:rPr lang="en-US" dirty="0" err="1" smtClean="0"/>
-              <a:t>Valgrind</a:t>
-            </a:r>
-            <a:r>
-              <a:rPr lang="en-US" dirty="0" smtClean="0"/>
-              <a:t>, Pin)</a:t>
-            </a:r>
-          </a:p>
-          <a:p>
-            <a:pPr lvl="1"/>
-            <a:r>
-              <a:rPr lang="en-US" dirty="0" smtClean="0"/>
-              <a:t>Virtualization</a:t>
-            </a:r>
-          </a:p>
-          <a:p>
-            <a:pPr lvl="1"/>
-            <a:r>
-              <a:rPr lang="en-US" dirty="0" smtClean="0"/>
-              <a:t>Malware Analysis</a:t>
-            </a:r>
-          </a:p>
-          <a:p>
-            <a:pPr lvl="1"/>
-            <a:r>
-              <a:rPr lang="en-US" dirty="0" smtClean="0"/>
-              <a:t>Etc.</a:t>
-            </a:r>
-          </a:p>
-          <a:p>
-            <a:endParaRPr lang="en-US" dirty="0"/>
-          </a:p>
-          <a:p>
-            <a:r>
-              <a:rPr lang="en-US" dirty="0" smtClean="0"/>
-              <a:t>Modeling of instruction Semantics</a:t>
-            </a:r>
-          </a:p>
-          <a:p>
-            <a:pPr lvl="1"/>
-            <a:r>
-              <a:rPr lang="en-US" dirty="0" smtClean="0"/>
-              <a:t>Translation of assembly to intermediate </a:t>
-            </a:r>
-            <a:r>
-              <a:rPr lang="en-US" dirty="0"/>
-              <a:t>l</a:t>
-            </a:r>
-            <a:r>
-              <a:rPr lang="en-US" dirty="0" smtClean="0"/>
-              <a:t>anguage representation</a:t>
+              <a:t>GCC, LLVM, etc.</a:t>
             </a:r>
           </a:p>
           <a:p>
@@ -4341,15 +5592,30 @@
           <a:p>
             <a:r>
               <a:rPr lang="en-US" dirty="0" smtClean="0"/>
-              <a:t>Requires previously existing models, created manually</a:t>
+              <a:t>LISC:</a:t>
             </a:r>
           </a:p>
           <a:p>
             <a:pPr lvl="1"/>
             <a:r>
               <a:rPr lang="en-US" dirty="0" smtClean="0"/>
-              <a:t>Limited Support of new architectures</a:t>
-            </a:r>
+              <a:t>Learn from code generators</a:t>
+            </a:r>
+          </a:p>
+          <a:p>
+            <a:pPr lvl="1"/>
+            <a:r>
+              <a:rPr lang="en-US" dirty="0" smtClean="0"/>
+              <a:t>Automatically extract semantics</a:t>
+            </a:r>
+          </a:p>
+          <a:p>
+            <a:pPr lvl="1"/>
+            <a:r>
+              <a:rPr lang="en-US" dirty="0" smtClean="0"/>
+              <a:t>Test extracted semantics</a:t>
+            </a:r>
+            <a:endParaRPr lang="en-US" dirty="0"/>
           </a:p>
         </p:txBody>
       </p:sp>
@@ -4370,7 +5636,7 @@
           <a:p>
             <a:fld id="{DD407E00-27F0-4C14-AF3C-5C31E771A60D}" type="datetime1">
               <a:rPr lang="en-US" smtClean="0"/>
-              <a:t>10/30/2016</a:t>
+              <a:t>12/11/2016</a:t>
             </a:fld>
             <a:endParaRPr lang="en-US"/>
           </a:p>
@@ -4425,7 +5691,7 @@
     </p:spTree>
     <p:extLst>
       <p:ext uri="{BB962C8B-B14F-4D97-AF65-F5344CB8AC3E}">
-        <p14:creationId xmlns:p14="http://schemas.microsoft.com/office/powerpoint/2010/main" val="866063333"/>
+        <p14:creationId xmlns:p14="http://schemas.microsoft.com/office/powerpoint/2010/main" val="3269840487"/>
       </p:ext>
     </p:extLst>
   </p:cSld>
@@ -4469,7 +5735,15 @@
           <a:p>
             <a:r>
               <a:rPr lang="en-US" dirty="0" smtClean="0"/>
-              <a:t>LISC</a:t>
+              <a:t>Project </a:t>
+            </a:r>
+            <a:r>
+              <a:rPr lang="en-US" dirty="0" smtClean="0"/>
+              <a:t>4</a:t>
+            </a:r>
+            <a:r>
+              <a:rPr lang="en-US" dirty="0" smtClean="0"/>
+              <a:t/>
             </a:r>
             <a:br>
               <a:rPr lang="en-US" dirty="0" smtClean="0"/>
@@ -4499,23 +5773,14 @@
           <a:p>
             <a:r>
               <a:rPr lang="en-US" dirty="0" smtClean="0"/>
-              <a:t>Automated modeling of instruction semantics</a:t>
-            </a:r>
-          </a:p>
-          <a:p>
-            <a:endParaRPr lang="en-US" dirty="0"/>
-          </a:p>
-          <a:p>
+              <a:t>Reproduce the completeness experiment (Table 4) of reference [1]</a:t>
+            </a:r>
+          </a:p>
+          <a:p>
+            <a:pPr lvl="1"/>
             <a:r>
               <a:rPr lang="en-US" dirty="0" smtClean="0"/>
-              <a:t>Compilers: Intermediate Language -&gt; Assembly Code</a:t>
-            </a:r>
-          </a:p>
-          <a:p>
-            <a:pPr lvl="1"/>
-            <a:r>
-              <a:rPr lang="en-US" dirty="0" smtClean="0"/>
-              <a:t>GCC, LLVM, etc.</a:t>
+              <a:t>Project 3 Objective</a:t>
             </a:r>
           </a:p>
           <a:p>
@@ -4525,31 +5790,34 @@
           <a:p>
             <a:r>
               <a:rPr lang="en-US" dirty="0" smtClean="0"/>
-              <a:t>LISC:</a:t>
+              <a:t>Evaluate the instruction lifting performance of LISC</a:t>
             </a:r>
           </a:p>
           <a:p>
             <a:pPr lvl="1"/>
             <a:r>
               <a:rPr lang="en-US" dirty="0" smtClean="0"/>
-              <a:t>Learn from code generators</a:t>
+              <a:t>Is the performance reported by [1] accurate?</a:t>
             </a:r>
           </a:p>
           <a:p>
             <a:pPr lvl="1"/>
             <a:r>
               <a:rPr lang="en-US" dirty="0" smtClean="0"/>
-              <a:t>Automatically extract semantics</a:t>
+              <a:t>How does the program size affects lifting performance?</a:t>
             </a:r>
           </a:p>
           <a:p>
             <a:pPr lvl="1"/>
             <a:r>
               <a:rPr lang="en-US" dirty="0" smtClean="0"/>
-              <a:t>Test extracted semantics</a:t>
+              <a:t>Does the automata used impacts lifting performance?</a:t>
             </a:r>
             <a:endParaRPr lang="en-US" dirty="0"/>
           </a:p>
+          <a:p>
+            <a:endParaRPr lang="en-US" dirty="0" smtClean="0"/>
+          </a:p>
         </p:txBody>
       </p:sp>
       <p:sp>
@@ -4569,7 +5837,7 @@
           <a:p>
             <a:fld id="{DD407E00-27F0-4C14-AF3C-5C31E771A60D}" type="datetime1">
               <a:rPr lang="en-US" smtClean="0"/>
-              <a:t>10/30/2016</a:t>
+              <a:t>12/11/2016</a:t>
             </a:fld>
             <a:endParaRPr lang="en-US"/>
           </a:p>
@@ -4618,13 +5886,95 @@
               <a:t>3</a:t>
             </a:fld>
             <a:endParaRPr lang="en-US"/>
+          </a:p>
+        </p:txBody>
+      </p:sp>
+      <p:sp>
+        <p:nvSpPr>
+          <p:cNvPr id="7" name="TextBox 6"/>
+          <p:cNvSpPr txBox="1"/>
+          <p:nvPr/>
+        </p:nvSpPr>
+        <p:spPr>
+          <a:xfrm>
+            <a:off x="457200" y="5867400"/>
+            <a:ext cx="7936788" cy="553998"/>
+          </a:xfrm>
+          <a:prstGeom prst="rect">
+            <a:avLst/>
+          </a:prstGeom>
+          <a:noFill/>
+        </p:spPr>
+        <p:txBody>
+          <a:bodyPr wrap="none" rtlCol="0">
+            <a:spAutoFit/>
+          </a:bodyPr>
+          <a:lstStyle/>
+          <a:p>
+            <a:r>
+              <a:rPr lang="en-US" sz="1000" dirty="0" smtClean="0"/>
+              <a:t>[1] </a:t>
+            </a:r>
+            <a:r>
+              <a:rPr lang="en-US" sz="1000" dirty="0" err="1"/>
+              <a:t>Niranjan</a:t>
+            </a:r>
+            <a:r>
+              <a:rPr lang="en-US" sz="1000" dirty="0"/>
+              <a:t> </a:t>
+            </a:r>
+            <a:r>
+              <a:rPr lang="en-US" sz="1000" dirty="0" err="1"/>
+              <a:t>Hasabnis</a:t>
+            </a:r>
+            <a:r>
+              <a:rPr lang="en-US" sz="1000" dirty="0"/>
+              <a:t> and R. </a:t>
+            </a:r>
+            <a:r>
+              <a:rPr lang="en-US" sz="1000" dirty="0" err="1"/>
+              <a:t>Sekar</a:t>
+            </a:r>
+            <a:r>
+              <a:rPr lang="en-US" sz="1000" dirty="0"/>
+              <a:t>. 2016. Lifting Assembly to Intermediate Representation: A Novel Approach Leveraging Compilers. </a:t>
+            </a:r>
+            <a:r>
+              <a:rPr lang="en-US" sz="1000" dirty="0" smtClean="0"/>
+              <a:t>In</a:t>
+            </a:r>
+          </a:p>
+          <a:p>
+            <a:r>
+              <a:rPr lang="en-US" sz="1000" dirty="0"/>
+              <a:t> </a:t>
+            </a:r>
+            <a:r>
+              <a:rPr lang="en-US" sz="1000" i="1" dirty="0"/>
+              <a:t>Proceedings of the Twenty-First International Conference on Architectural Support for Programming Languages and Operating Systems</a:t>
+            </a:r>
+            <a:r>
+              <a:rPr lang="en-US" sz="1000" dirty="0"/>
+              <a:t> (ASPLOS '16). </a:t>
+            </a:r>
+            <a:endParaRPr lang="en-US" sz="1000" dirty="0" smtClean="0"/>
+          </a:p>
+          <a:p>
+            <a:r>
+              <a:rPr lang="en-US" sz="1000" dirty="0" smtClean="0"/>
+              <a:t>ACM</a:t>
+            </a:r>
+            <a:r>
+              <a:rPr lang="en-US" sz="1000" dirty="0"/>
+              <a:t>, New York, NY, USA, 311-324. </a:t>
+            </a:r>
           </a:p>
         </p:txBody>
       </p:sp>
     </p:spTree>
     <p:extLst>
       <p:ext uri="{BB962C8B-B14F-4D97-AF65-F5344CB8AC3E}">
-        <p14:creationId xmlns:p14="http://schemas.microsoft.com/office/powerpoint/2010/main" val="3269840487"/>
+        <p14:creationId xmlns:p14="http://schemas.microsoft.com/office/powerpoint/2010/main" val="2926040568"/>
       </p:ext>
     </p:extLst>
   </p:cSld>
@@ -4668,426 +6018,6 @@
           <a:p>
             <a:r>
               <a:rPr lang="en-US" dirty="0" smtClean="0"/>
-              <a:t>LISC</a:t>
-            </a:r>
-            <a:br>
-              <a:rPr lang="en-US" dirty="0" smtClean="0"/>
-            </a:br>
-            <a:r>
-              <a:rPr lang="en-US" dirty="0" smtClean="0"/>
-              <a:t>Benefits</a:t>
-            </a:r>
-            <a:endParaRPr lang="en-US" dirty="0"/>
-          </a:p>
-        </p:txBody>
-      </p:sp>
-      <p:sp>
-        <p:nvSpPr>
-          <p:cNvPr id="3" name="Content Placeholder 2"/>
-          <p:cNvSpPr>
-            <a:spLocks noGrp="1"/>
-          </p:cNvSpPr>
-          <p:nvPr>
-            <p:ph idx="1"/>
-          </p:nvPr>
-        </p:nvSpPr>
-        <p:spPr/>
-        <p:txBody>
-          <a:bodyPr/>
-          <a:lstStyle/>
-          <a:p>
-            <a:r>
-              <a:rPr lang="en-US" dirty="0" smtClean="0"/>
-              <a:t>Automated instruction semantics modeling</a:t>
-            </a:r>
-          </a:p>
-          <a:p>
-            <a:pPr lvl="1"/>
-            <a:r>
-              <a:rPr lang="en-US" dirty="0" smtClean="0"/>
-              <a:t>Machine Learning Approach</a:t>
-            </a:r>
-          </a:p>
-          <a:p>
-            <a:pPr lvl="1"/>
-            <a:r>
-              <a:rPr lang="en-US" dirty="0" smtClean="0"/>
-              <a:t>Reduce manual efforts</a:t>
-            </a:r>
-          </a:p>
-          <a:p>
-            <a:pPr lvl="1"/>
-            <a:r>
-              <a:rPr lang="en-US" dirty="0" smtClean="0"/>
-              <a:t>Broaden Architecture Support</a:t>
-            </a:r>
-          </a:p>
-          <a:p>
-            <a:pPr lvl="1"/>
-            <a:endParaRPr lang="en-US" dirty="0"/>
-          </a:p>
-          <a:p>
-            <a:r>
-              <a:rPr lang="en-US" dirty="0" smtClean="0"/>
-              <a:t>Architecture Neutrality</a:t>
-            </a:r>
-          </a:p>
-          <a:p>
-            <a:pPr lvl="1"/>
-            <a:r>
-              <a:rPr lang="en-US" dirty="0" smtClean="0"/>
-              <a:t>Code Generators</a:t>
-            </a:r>
-          </a:p>
-          <a:p>
-            <a:endParaRPr lang="en-US" dirty="0"/>
-          </a:p>
-          <a:p>
-            <a:r>
-              <a:rPr lang="en-US" dirty="0" smtClean="0"/>
-              <a:t>Well tested compiler code</a:t>
-            </a:r>
-          </a:p>
-          <a:p>
-            <a:pPr lvl="1"/>
-            <a:r>
-              <a:rPr lang="en-US" dirty="0" smtClean="0"/>
-              <a:t>Among the most tested code</a:t>
-            </a:r>
-            <a:endParaRPr lang="en-US" dirty="0"/>
-          </a:p>
-          <a:p>
-            <a:endParaRPr lang="en-US" dirty="0" smtClean="0"/>
-          </a:p>
-        </p:txBody>
-      </p:sp>
-      <p:sp>
-        <p:nvSpPr>
-          <p:cNvPr id="4" name="Date Placeholder 3"/>
-          <p:cNvSpPr>
-            <a:spLocks noGrp="1"/>
-          </p:cNvSpPr>
-          <p:nvPr>
-            <p:ph type="dt" sz="half" idx="10"/>
-          </p:nvPr>
-        </p:nvSpPr>
-        <p:spPr/>
-        <p:txBody>
-          <a:bodyPr/>
-          <a:lstStyle/>
-          <a:p>
-            <a:fld id="{DD407E00-27F0-4C14-AF3C-5C31E771A60D}" type="datetime1">
-              <a:rPr lang="en-US" smtClean="0"/>
-              <a:t>10/30/2016</a:t>
-            </a:fld>
-            <a:endParaRPr lang="en-US"/>
-          </a:p>
-        </p:txBody>
-      </p:sp>
-      <p:sp>
-        <p:nvSpPr>
-          <p:cNvPr id="5" name="Footer Placeholder 4"/>
-          <p:cNvSpPr>
-            <a:spLocks noGrp="1"/>
-          </p:cNvSpPr>
-          <p:nvPr>
-            <p:ph type="ftr" sz="quarter" idx="11"/>
-          </p:nvPr>
-        </p:nvSpPr>
-        <p:spPr/>
-        <p:txBody>
-          <a:bodyPr/>
-          <a:lstStyle/>
-          <a:p>
-            <a:r>
-              <a:rPr lang="en-US" smtClean="0"/>
-              <a:t>MO601 - Computer Architecture II</a:t>
-            </a:r>
-            <a:endParaRPr lang="en-US"/>
-          </a:p>
-        </p:txBody>
-      </p:sp>
-      <p:sp>
-        <p:nvSpPr>
-          <p:cNvPr id="6" name="Slide Number Placeholder 5"/>
-          <p:cNvSpPr>
-            <a:spLocks noGrp="1"/>
-          </p:cNvSpPr>
-          <p:nvPr>
-            <p:ph type="sldNum" sz="quarter" idx="12"/>
-          </p:nvPr>
-        </p:nvSpPr>
-        <p:spPr/>
-        <p:txBody>
-          <a:bodyPr/>
-          <a:lstStyle/>
-          <a:p>
-            <a:fld id="{8AD61BBD-45EF-42F9-AAAB-584D7D8CC33E}" type="slidenum">
-              <a:rPr lang="en-US" smtClean="0"/>
-              <a:t>4</a:t>
-            </a:fld>
-            <a:endParaRPr lang="en-US"/>
-          </a:p>
-        </p:txBody>
-      </p:sp>
-    </p:spTree>
-    <p:extLst>
-      <p:ext uri="{BB962C8B-B14F-4D97-AF65-F5344CB8AC3E}">
-        <p14:creationId xmlns:p14="http://schemas.microsoft.com/office/powerpoint/2010/main" val="1366677587"/>
-      </p:ext>
-    </p:extLst>
-  </p:cSld>
-  <p:clrMapOvr>
-    <a:masterClrMapping/>
-  </p:clrMapOvr>
-</p:sld>
-</file>
-
-<file path=ppt/slides/slide5.xml><?xml version="1.0" encoding="utf-8"?>
-<p:sld xmlns:a="http://schemas.openxmlformats.org/drawingml/2006/main" xmlns:r="http://schemas.openxmlformats.org/officeDocument/2006/relationships" xmlns:p="http://schemas.openxmlformats.org/presentationml/2006/main">
-  <p:cSld>
-    <p:spTree>
-      <p:nvGrpSpPr>
-        <p:cNvPr id="1" name=""/>
-        <p:cNvGrpSpPr/>
-        <p:nvPr/>
-      </p:nvGrpSpPr>
-      <p:grpSpPr>
-        <a:xfrm>
-          <a:off x="0" y="0"/>
-          <a:ext cx="0" cy="0"/>
-          <a:chOff x="0" y="0"/>
-          <a:chExt cx="0" cy="0"/>
-        </a:xfrm>
-      </p:grpSpPr>
-      <p:sp>
-        <p:nvSpPr>
-          <p:cNvPr id="2" name="Title 1"/>
-          <p:cNvSpPr>
-            <a:spLocks noGrp="1"/>
-          </p:cNvSpPr>
-          <p:nvPr>
-            <p:ph type="title"/>
-          </p:nvPr>
-        </p:nvSpPr>
-        <p:spPr/>
-        <p:txBody>
-          <a:bodyPr/>
-          <a:lstStyle/>
-          <a:p>
-            <a:r>
-              <a:rPr lang="en-US" dirty="0" smtClean="0"/>
-              <a:t>Project 3</a:t>
-            </a:r>
-            <a:br>
-              <a:rPr lang="en-US" dirty="0" smtClean="0"/>
-            </a:br>
-            <a:r>
-              <a:rPr lang="en-US" dirty="0" smtClean="0"/>
-              <a:t>Objective</a:t>
-            </a:r>
-            <a:endParaRPr lang="en-US" dirty="0"/>
-          </a:p>
-        </p:txBody>
-      </p:sp>
-      <p:sp>
-        <p:nvSpPr>
-          <p:cNvPr id="3" name="Content Placeholder 2"/>
-          <p:cNvSpPr>
-            <a:spLocks noGrp="1"/>
-          </p:cNvSpPr>
-          <p:nvPr>
-            <p:ph idx="1"/>
-          </p:nvPr>
-        </p:nvSpPr>
-        <p:spPr/>
-        <p:txBody>
-          <a:bodyPr/>
-          <a:lstStyle/>
-          <a:p>
-            <a:r>
-              <a:rPr lang="en-US" dirty="0" smtClean="0"/>
-              <a:t>Test LISC in a already used architecture of choice</a:t>
-            </a:r>
-          </a:p>
-          <a:p>
-            <a:pPr lvl="1"/>
-            <a:r>
-              <a:rPr lang="en-US" dirty="0" smtClean="0"/>
-              <a:t>x86, ARM, AVR</a:t>
-            </a:r>
-          </a:p>
-          <a:p>
-            <a:pPr lvl="1"/>
-            <a:endParaRPr lang="en-US" dirty="0"/>
-          </a:p>
-          <a:p>
-            <a:r>
-              <a:rPr lang="en-US" dirty="0" smtClean="0"/>
-              <a:t>Reproduce </a:t>
-            </a:r>
-            <a:r>
-              <a:rPr lang="en-US" b="1" dirty="0" smtClean="0"/>
-              <a:t>at least one </a:t>
-            </a:r>
-            <a:r>
-              <a:rPr lang="en-US" dirty="0" smtClean="0"/>
-              <a:t>of LISC’s evaluation approaches:</a:t>
-            </a:r>
-          </a:p>
-          <a:p>
-            <a:pPr lvl="1"/>
-            <a:r>
-              <a:rPr lang="en-US" dirty="0" smtClean="0"/>
-              <a:t>Completeness</a:t>
-            </a:r>
-          </a:p>
-          <a:p>
-            <a:pPr lvl="1"/>
-            <a:r>
-              <a:rPr lang="en-US" dirty="0" smtClean="0"/>
-              <a:t>Architecture-Neutrality</a:t>
-            </a:r>
-          </a:p>
-          <a:p>
-            <a:pPr lvl="1"/>
-            <a:r>
-              <a:rPr lang="en-US" dirty="0" smtClean="0"/>
-              <a:t>Performance</a:t>
-            </a:r>
-          </a:p>
-          <a:p>
-            <a:pPr lvl="1"/>
-            <a:r>
-              <a:rPr lang="en-US" dirty="0" smtClean="0"/>
-              <a:t>Correctness</a:t>
-            </a:r>
-          </a:p>
-          <a:p>
-            <a:pPr lvl="1"/>
-            <a:endParaRPr lang="en-US" dirty="0"/>
-          </a:p>
-          <a:p>
-            <a:endParaRPr lang="en-US" dirty="0" smtClean="0"/>
-          </a:p>
-        </p:txBody>
-      </p:sp>
-      <p:sp>
-        <p:nvSpPr>
-          <p:cNvPr id="4" name="Date Placeholder 3"/>
-          <p:cNvSpPr>
-            <a:spLocks noGrp="1"/>
-          </p:cNvSpPr>
-          <p:nvPr>
-            <p:ph type="dt" sz="half" idx="10"/>
-          </p:nvPr>
-        </p:nvSpPr>
-        <p:spPr/>
-        <p:txBody>
-          <a:bodyPr/>
-          <a:lstStyle/>
-          <a:p>
-            <a:fld id="{DD407E00-27F0-4C14-AF3C-5C31E771A60D}" type="datetime1">
-              <a:rPr lang="en-US" smtClean="0"/>
-              <a:t>10/30/2016</a:t>
-            </a:fld>
-            <a:endParaRPr lang="en-US"/>
-          </a:p>
-        </p:txBody>
-      </p:sp>
-      <p:sp>
-        <p:nvSpPr>
-          <p:cNvPr id="5" name="Footer Placeholder 4"/>
-          <p:cNvSpPr>
-            <a:spLocks noGrp="1"/>
-          </p:cNvSpPr>
-          <p:nvPr>
-            <p:ph type="ftr" sz="quarter" idx="11"/>
-          </p:nvPr>
-        </p:nvSpPr>
-        <p:spPr/>
-        <p:txBody>
-          <a:bodyPr/>
-          <a:lstStyle/>
-          <a:p>
-            <a:r>
-              <a:rPr lang="en-US" smtClean="0"/>
-              <a:t>MO601 - Computer Architecture II</a:t>
-            </a:r>
-            <a:endParaRPr lang="en-US"/>
-          </a:p>
-        </p:txBody>
-      </p:sp>
-      <p:sp>
-        <p:nvSpPr>
-          <p:cNvPr id="6" name="Slide Number Placeholder 5"/>
-          <p:cNvSpPr>
-            <a:spLocks noGrp="1"/>
-          </p:cNvSpPr>
-          <p:nvPr>
-            <p:ph type="sldNum" sz="quarter" idx="12"/>
-          </p:nvPr>
-        </p:nvSpPr>
-        <p:spPr/>
-        <p:txBody>
-          <a:bodyPr/>
-          <a:lstStyle/>
-          <a:p>
-            <a:fld id="{8AD61BBD-45EF-42F9-AAAB-584D7D8CC33E}" type="slidenum">
-              <a:rPr lang="en-US" smtClean="0"/>
-              <a:t>5</a:t>
-            </a:fld>
-            <a:endParaRPr lang="en-US"/>
-          </a:p>
-        </p:txBody>
-      </p:sp>
-    </p:spTree>
-    <p:extLst>
-      <p:ext uri="{BB962C8B-B14F-4D97-AF65-F5344CB8AC3E}">
-        <p14:creationId xmlns:p14="http://schemas.microsoft.com/office/powerpoint/2010/main" val="2926040568"/>
-      </p:ext>
-    </p:extLst>
-  </p:cSld>
-  <p:clrMapOvr>
-    <a:masterClrMapping/>
-  </p:clrMapOvr>
-</p:sld>
-</file>
-
-<file path=ppt/slides/slide6.xml><?xml version="1.0" encoding="utf-8"?>
-<p:sld xmlns:a="http://schemas.openxmlformats.org/drawingml/2006/main" xmlns:r="http://schemas.openxmlformats.org/officeDocument/2006/relationships" xmlns:p="http://schemas.openxmlformats.org/presentationml/2006/main">
-  <p:cSld>
-    <p:spTree>
-      <p:nvGrpSpPr>
-        <p:cNvPr id="1" name=""/>
-        <p:cNvGrpSpPr/>
-        <p:nvPr/>
-      </p:nvGrpSpPr>
-      <p:grpSpPr>
-        <a:xfrm>
-          <a:off x="0" y="0"/>
-          <a:ext cx="0" cy="0"/>
-          <a:chOff x="0" y="0"/>
-          <a:chExt cx="0" cy="0"/>
-        </a:xfrm>
-      </p:grpSpPr>
-      <p:sp>
-        <p:nvSpPr>
-          <p:cNvPr id="2" name="Title 1"/>
-          <p:cNvSpPr>
-            <a:spLocks noGrp="1"/>
-          </p:cNvSpPr>
-          <p:nvPr>
-            <p:ph type="title"/>
-          </p:nvPr>
-        </p:nvSpPr>
-        <p:spPr/>
-        <p:txBody>
-          <a:bodyPr/>
-          <a:lstStyle/>
-          <a:p>
-            <a:r>
-              <a:rPr lang="en-US" dirty="0" smtClean="0"/>
               <a:t>LISC Evaluation</a:t>
             </a:r>
             <a:br>
@@ -5115,47 +6045,16 @@
             </p:nvSpPr>
             <p:spPr/>
             <p:txBody>
-              <a:bodyPr/>
+              <a:bodyPr>
+                <a:normAutofit/>
+              </a:bodyPr>
               <a:lstStyle/>
               <a:p>
                 <a:r>
                   <a:rPr lang="en-US" dirty="0" smtClean="0"/>
-                  <a:t>Are all the instructions lifted correctly?</a:t>
+                  <a:t>Original Methodology:</a:t>
                 </a:r>
-              </a:p>
-              <a:p>
-                <a:endParaRPr lang="en-US" dirty="0"/>
-              </a:p>
-              <a:p>
-                <a:r>
-                  <a:rPr lang="en-US" dirty="0" smtClean="0"/>
-                  <a:t>99.5% of Ubuntu/x86 and 99.8% of </a:t>
-                </a:r>
-                <a:r>
-                  <a:rPr lang="en-US" dirty="0" err="1" smtClean="0"/>
-                  <a:t>Debian</a:t>
-                </a:r>
-                <a:r>
-                  <a:rPr lang="en-US" dirty="0" smtClean="0"/>
-                  <a:t>/ARM binaries</a:t>
-                </a:r>
-              </a:p>
-              <a:p>
-                <a:pPr lvl="1"/>
-                <a:r>
-                  <a:rPr lang="en-US" dirty="0" smtClean="0"/>
-                  <a:t>Missed Instructions are mostly NOPS</a:t>
-                </a:r>
-              </a:p>
-              <a:p>
-                <a:pPr lvl="1"/>
-                <a:endParaRPr lang="en-US" dirty="0"/>
-              </a:p>
-              <a:p>
-                <a:r>
-                  <a:rPr lang="en-US" dirty="0" smtClean="0"/>
-                  <a:t>Evaluation:</a:t>
-                </a:r>
+                <a:endParaRPr lang="en-US" dirty="0" smtClean="0"/>
               </a:p>
               <a:p>
                 <a:pPr lvl="1"/>
@@ -5340,23 +6239,1117 @@
               </a:p>
               <a:p>
                 <a:pPr lvl="1"/>
+                <a:endParaRPr lang="en-US" dirty="0"/>
+              </a:p>
+              <a:p>
+                <a:r>
+                  <a:rPr lang="en-US" dirty="0"/>
+                  <a:t>How was </a:t>
+                </a:r>
+                <a14:m>
+                  <m:oMath xmlns:m="http://schemas.openxmlformats.org/officeDocument/2006/math">
+                    <m:sSub>
+                      <m:sSubPr>
+                        <m:ctrlPr>
+                          <a:rPr lang="en-US" i="1">
+                            <a:latin typeface="Cambria Math"/>
+                          </a:rPr>
+                        </m:ctrlPr>
+                      </m:sSubPr>
+                      <m:e>
+                        <m:r>
+                          <a:rPr lang="en-US" i="1">
+                            <a:latin typeface="Cambria Math"/>
+                          </a:rPr>
+                          <m:t>𝑃</m:t>
+                        </m:r>
+                      </m:e>
+                      <m:sub>
+                        <m:r>
+                          <a:rPr lang="en-US" i="1">
+                            <a:latin typeface="Cambria Math"/>
+                          </a:rPr>
+                          <m:t>𝑡𝑒𝑠𝑡</m:t>
+                        </m:r>
+                      </m:sub>
+                    </m:sSub>
+                  </m:oMath>
+                </a14:m>
+                <a:r>
+                  <a:rPr lang="en-US" dirty="0"/>
+                  <a:t> chosen?</a:t>
+                </a:r>
+              </a:p>
+              <a:p>
+                <a:pPr lvl="1"/>
+                <a:r>
+                  <a:rPr lang="en-US" dirty="0"/>
+                  <a:t>All x86 binaries, including kernel modules, found on Ubuntu-14.04 desktop </a:t>
+                </a:r>
                 <a:r>
                   <a:rPr lang="en-US" dirty="0" smtClean="0"/>
-                  <a:t>Metrics:</a:t>
+                  <a:t>(around 38M </a:t>
+                </a:r>
+                <a:r>
+                  <a:rPr lang="en-US" dirty="0"/>
+                  <a:t>unique instructions)</a:t>
+                </a:r>
+              </a:p>
+              <a:p>
+                <a:pPr marL="411480" lvl="1" indent="0">
+                  <a:buNone/>
+                </a:pPr>
+                <a:endParaRPr lang="en-US" dirty="0"/>
+              </a:p>
+              <a:p>
+                <a:r>
+                  <a:rPr lang="en-US" dirty="0"/>
+                  <a:t>How was </a:t>
+                </a:r>
+                <a14:m>
+                  <m:oMath xmlns:m="http://schemas.openxmlformats.org/officeDocument/2006/math">
+                    <m:sSub>
+                      <m:sSubPr>
+                        <m:ctrlPr>
+                          <a:rPr lang="en-US" i="1">
+                            <a:latin typeface="Cambria Math"/>
+                          </a:rPr>
+                        </m:ctrlPr>
+                      </m:sSubPr>
+                      <m:e>
+                        <m:r>
+                          <a:rPr lang="en-US" i="1">
+                            <a:latin typeface="Cambria Math"/>
+                          </a:rPr>
+                          <m:t>𝑃</m:t>
+                        </m:r>
+                      </m:e>
+                      <m:sub>
+                        <m:r>
+                          <a:rPr lang="en-US" i="1">
+                            <a:latin typeface="Cambria Math"/>
+                          </a:rPr>
+                          <m:t>𝑡</m:t>
+                        </m:r>
+                        <m:r>
+                          <a:rPr lang="en-US" i="1">
+                            <a:latin typeface="Cambria Math"/>
+                          </a:rPr>
+                          <m:t>𝑟𝑎𝑖𝑛</m:t>
+                        </m:r>
+                      </m:sub>
+                    </m:sSub>
+                  </m:oMath>
+                </a14:m>
+                <a:r>
+                  <a:rPr lang="en-US" dirty="0"/>
+                  <a:t> chosen?</a:t>
+                </a:r>
+              </a:p>
+              <a:p>
+                <a:pPr lvl="1"/>
+                <a:r>
+                  <a:rPr lang="en-US" dirty="0"/>
+                  <a:t>Started as </a:t>
+                </a:r>
+                <a:r>
+                  <a:rPr lang="en-US" i="1" dirty="0"/>
+                  <a:t>openssl-1.0.1f</a:t>
+                </a:r>
+                <a:r>
+                  <a:rPr lang="en-US" dirty="0"/>
+                  <a:t> + </a:t>
+                </a:r>
+                <a:r>
+                  <a:rPr lang="en-US" i="1" dirty="0"/>
+                  <a:t>binutils-2.22 </a:t>
+                </a:r>
+                <a:r>
+                  <a:rPr lang="en-US" dirty="0" smtClean="0"/>
+                  <a:t>binaries</a:t>
+                </a:r>
+                <a:endParaRPr lang="en-US" dirty="0"/>
+              </a:p>
+              <a:p>
+                <a:pPr lvl="1"/>
+                <a:r>
+                  <a:rPr lang="en-US" dirty="0"/>
+                  <a:t>Each round added a new </a:t>
+                </a:r>
+                <a:r>
+                  <a:rPr lang="en-US" dirty="0" smtClean="0"/>
+                  <a:t>binary</a:t>
+                </a:r>
+                <a:endParaRPr lang="en-US" dirty="0" smtClean="0"/>
+              </a:p>
+            </p:txBody>
+          </p:sp>
+        </mc:Choice>
+        <mc:Fallback>
+          <p:sp>
+            <p:nvSpPr>
+              <p:cNvPr id="3" name="Content Placeholder 2"/>
+              <p:cNvSpPr>
+                <a:spLocks noGrp="1" noRot="1" noChangeAspect="1" noMove="1" noResize="1" noEditPoints="1" noAdjustHandles="1" noChangeArrowheads="1" noChangeShapeType="1" noTextEdit="1"/>
+              </p:cNvSpPr>
+              <p:nvPr>
+                <p:ph idx="1"/>
+              </p:nvPr>
+            </p:nvSpPr>
+            <p:spPr>
+              <a:blipFill rotWithShape="1">
+                <a:blip r:embed="rId2"/>
+                <a:stretch>
+                  <a:fillRect t="-762"/>
+                </a:stretch>
+              </a:blipFill>
+            </p:spPr>
+            <p:txBody>
+              <a:bodyPr/>
+              <a:lstStyle/>
+              <a:p>
+                <a:r>
+                  <a:rPr lang="en-US">
+                    <a:noFill/>
+                  </a:rPr>
+                  <a:t> </a:t>
+                </a:r>
+              </a:p>
+            </p:txBody>
+          </p:sp>
+        </mc:Fallback>
+      </mc:AlternateContent>
+      <p:sp>
+        <p:nvSpPr>
+          <p:cNvPr id="4" name="Date Placeholder 3"/>
+          <p:cNvSpPr>
+            <a:spLocks noGrp="1"/>
+          </p:cNvSpPr>
+          <p:nvPr>
+            <p:ph type="dt" sz="half" idx="10"/>
+          </p:nvPr>
+        </p:nvSpPr>
+        <p:spPr/>
+        <p:txBody>
+          <a:bodyPr/>
+          <a:lstStyle/>
+          <a:p>
+            <a:fld id="{DD407E00-27F0-4C14-AF3C-5C31E771A60D}" type="datetime1">
+              <a:rPr lang="en-US" smtClean="0"/>
+              <a:t>12/11/2016</a:t>
+            </a:fld>
+            <a:endParaRPr lang="en-US"/>
+          </a:p>
+        </p:txBody>
+      </p:sp>
+      <p:sp>
+        <p:nvSpPr>
+          <p:cNvPr id="5" name="Footer Placeholder 4"/>
+          <p:cNvSpPr>
+            <a:spLocks noGrp="1"/>
+          </p:cNvSpPr>
+          <p:nvPr>
+            <p:ph type="ftr" sz="quarter" idx="11"/>
+          </p:nvPr>
+        </p:nvSpPr>
+        <p:spPr/>
+        <p:txBody>
+          <a:bodyPr/>
+          <a:lstStyle/>
+          <a:p>
+            <a:r>
+              <a:rPr lang="en-US" smtClean="0"/>
+              <a:t>MO601 - Computer Architecture II</a:t>
+            </a:r>
+            <a:endParaRPr lang="en-US"/>
+          </a:p>
+        </p:txBody>
+      </p:sp>
+      <p:sp>
+        <p:nvSpPr>
+          <p:cNvPr id="6" name="Slide Number Placeholder 5"/>
+          <p:cNvSpPr>
+            <a:spLocks noGrp="1"/>
+          </p:cNvSpPr>
+          <p:nvPr>
+            <p:ph type="sldNum" sz="quarter" idx="12"/>
+          </p:nvPr>
+        </p:nvSpPr>
+        <p:spPr/>
+        <p:txBody>
+          <a:bodyPr/>
+          <a:lstStyle/>
+          <a:p>
+            <a:fld id="{8AD61BBD-45EF-42F9-AAAB-584D7D8CC33E}" type="slidenum">
+              <a:rPr lang="en-US" smtClean="0"/>
+              <a:t>4</a:t>
+            </a:fld>
+            <a:endParaRPr lang="en-US"/>
+          </a:p>
+        </p:txBody>
+      </p:sp>
+    </p:spTree>
+    <p:extLst>
+      <p:ext uri="{BB962C8B-B14F-4D97-AF65-F5344CB8AC3E}">
+        <p14:creationId xmlns:p14="http://schemas.microsoft.com/office/powerpoint/2010/main" val="4214879618"/>
+      </p:ext>
+    </p:extLst>
+  </p:cSld>
+  <p:clrMapOvr>
+    <a:masterClrMapping/>
+  </p:clrMapOvr>
+</p:sld>
+</file>
+
+<file path=ppt/slides/slide5.xml><?xml version="1.0" encoding="utf-8"?>
+<p:sld xmlns:a="http://schemas.openxmlformats.org/drawingml/2006/main" xmlns:r="http://schemas.openxmlformats.org/officeDocument/2006/relationships" xmlns:p="http://schemas.openxmlformats.org/presentationml/2006/main">
+  <p:cSld>
+    <p:spTree>
+      <p:nvGrpSpPr>
+        <p:cNvPr id="1" name=""/>
+        <p:cNvGrpSpPr/>
+        <p:nvPr/>
+      </p:nvGrpSpPr>
+      <p:grpSpPr>
+        <a:xfrm>
+          <a:off x="0" y="0"/>
+          <a:ext cx="0" cy="0"/>
+          <a:chOff x="0" y="0"/>
+          <a:chExt cx="0" cy="0"/>
+        </a:xfrm>
+      </p:grpSpPr>
+      <p:sp>
+        <p:nvSpPr>
+          <p:cNvPr id="2" name="Title 1"/>
+          <p:cNvSpPr>
+            <a:spLocks noGrp="1"/>
+          </p:cNvSpPr>
+          <p:nvPr>
+            <p:ph type="title"/>
+          </p:nvPr>
+        </p:nvSpPr>
+        <p:spPr/>
+        <p:txBody>
+          <a:bodyPr/>
+          <a:lstStyle/>
+          <a:p>
+            <a:r>
+              <a:rPr lang="en-US" dirty="0" smtClean="0"/>
+              <a:t>LISC Evaluation</a:t>
+            </a:r>
+            <a:br>
+              <a:rPr lang="en-US" dirty="0" smtClean="0"/>
+            </a:br>
+            <a:r>
+              <a:rPr lang="en-US" dirty="0" smtClean="0"/>
+              <a:t>Completeness</a:t>
+            </a:r>
+            <a:endParaRPr lang="en-US" dirty="0"/>
+          </a:p>
+        </p:txBody>
+      </p:sp>
+      <mc:AlternateContent xmlns:mc="http://schemas.openxmlformats.org/markup-compatibility/2006">
+        <mc:Choice xmlns:a14="http://schemas.microsoft.com/office/drawing/2010/main" Requires="a14">
+          <p:sp>
+            <p:nvSpPr>
+              <p:cNvPr id="3" name="Content Placeholder 2"/>
+              <p:cNvSpPr>
+                <a:spLocks noGrp="1"/>
+              </p:cNvSpPr>
+              <p:nvPr>
+                <p:ph idx="1"/>
+              </p:nvPr>
+            </p:nvSpPr>
+            <p:spPr/>
+            <p:txBody>
+              <a:bodyPr/>
+              <a:lstStyle/>
+              <a:p>
+                <a:r>
+                  <a:rPr lang="en-US" dirty="0" smtClean="0"/>
+                  <a:t>How was </a:t>
+                </a:r>
+                <a14:m>
+                  <m:oMath xmlns:m="http://schemas.openxmlformats.org/officeDocument/2006/math">
+                    <m:sSub>
+                      <m:sSubPr>
+                        <m:ctrlPr>
+                          <a:rPr lang="en-US" i="1">
+                            <a:latin typeface="Cambria Math"/>
+                          </a:rPr>
+                        </m:ctrlPr>
+                      </m:sSubPr>
+                      <m:e>
+                        <m:r>
+                          <a:rPr lang="en-US" i="1">
+                            <a:latin typeface="Cambria Math"/>
+                          </a:rPr>
+                          <m:t>𝑃</m:t>
+                        </m:r>
+                      </m:e>
+                      <m:sub>
+                        <m:r>
+                          <a:rPr lang="en-US" i="1">
+                            <a:latin typeface="Cambria Math"/>
+                          </a:rPr>
+                          <m:t>𝑡𝑒𝑠𝑡</m:t>
+                        </m:r>
+                      </m:sub>
+                    </m:sSub>
+                  </m:oMath>
+                </a14:m>
+                <a:r>
+                  <a:rPr lang="en-US" dirty="0" smtClean="0"/>
+                  <a:t> chosen?</a:t>
+                </a:r>
+              </a:p>
+              <a:p>
+                <a:pPr lvl="1"/>
+                <a:r>
+                  <a:rPr lang="en-US" dirty="0" smtClean="0"/>
+                  <a:t>All x86 binaries, including kernel modules, found on Ubuntu-14.04 </a:t>
+                </a:r>
+                <a:r>
+                  <a:rPr lang="en-US" dirty="0" smtClean="0"/>
+                  <a:t>desktop (38M unique instructions)</a:t>
+                </a:r>
+                <a:endParaRPr lang="en-US" dirty="0" smtClean="0"/>
+              </a:p>
+              <a:p>
+                <a:pPr marL="411480" lvl="1" indent="0">
+                  <a:buNone/>
+                </a:pPr>
+                <a:endParaRPr lang="en-US" dirty="0"/>
+              </a:p>
+              <a:p>
+                <a:r>
+                  <a:rPr lang="en-US" dirty="0" smtClean="0"/>
+                  <a:t>How was </a:t>
+                </a:r>
+                <a14:m>
+                  <m:oMath xmlns:m="http://schemas.openxmlformats.org/officeDocument/2006/math">
+                    <m:sSub>
+                      <m:sSubPr>
+                        <m:ctrlPr>
+                          <a:rPr lang="en-US" i="1">
+                            <a:latin typeface="Cambria Math"/>
+                          </a:rPr>
+                        </m:ctrlPr>
+                      </m:sSubPr>
+                      <m:e>
+                        <m:r>
+                          <a:rPr lang="en-US" i="1">
+                            <a:latin typeface="Cambria Math"/>
+                          </a:rPr>
+                          <m:t>𝑃</m:t>
+                        </m:r>
+                      </m:e>
+                      <m:sub>
+                        <m:r>
+                          <a:rPr lang="en-US" i="1">
+                            <a:latin typeface="Cambria Math"/>
+                          </a:rPr>
+                          <m:t>𝑡</m:t>
+                        </m:r>
+                        <m:r>
+                          <a:rPr lang="en-US" b="0" i="1" smtClean="0">
+                            <a:latin typeface="Cambria Math"/>
+                          </a:rPr>
+                          <m:t>𝑟𝑎𝑖𝑛</m:t>
+                        </m:r>
+                      </m:sub>
+                    </m:sSub>
+                  </m:oMath>
+                </a14:m>
+                <a:r>
+                  <a:rPr lang="en-US" dirty="0" smtClean="0"/>
+                  <a:t> chosen?</a:t>
+                </a:r>
+              </a:p>
+              <a:p>
+                <a:pPr lvl="1"/>
+                <a:r>
+                  <a:rPr lang="en-US" dirty="0" smtClean="0"/>
+                  <a:t>Started as </a:t>
+                </a:r>
+                <a:r>
+                  <a:rPr lang="en-US" i="1" dirty="0" smtClean="0"/>
+                  <a:t>openssl-1.0.1f</a:t>
+                </a:r>
+                <a:r>
+                  <a:rPr lang="en-US" dirty="0" smtClean="0"/>
+                  <a:t> + </a:t>
+                </a:r>
+                <a:r>
+                  <a:rPr lang="en-US" i="1" dirty="0" smtClean="0"/>
+                  <a:t>binutils-2.22 </a:t>
+                </a:r>
+                <a:r>
+                  <a:rPr lang="en-US" dirty="0" smtClean="0"/>
+                  <a:t>binaries;</a:t>
+                </a:r>
+              </a:p>
+              <a:p>
+                <a:pPr lvl="1"/>
+                <a:r>
+                  <a:rPr lang="en-US" dirty="0" smtClean="0"/>
+                  <a:t>Each round added a new binary, in order: </a:t>
+                </a:r>
+                <a:r>
+                  <a:rPr lang="en-US" i="1" dirty="0" smtClean="0"/>
+                  <a:t>ffmpeg-2.3.3 </a:t>
+                </a:r>
+                <a:r>
+                  <a:rPr lang="en-US" dirty="0" smtClean="0"/>
+                  <a:t>(With no </a:t>
+                </a:r>
+                <a:r>
+                  <a:rPr lang="en-US" dirty="0" err="1" smtClean="0"/>
+                  <a:t>optmizations</a:t>
+                </a:r>
+                <a:r>
+                  <a:rPr lang="en-US" dirty="0" smtClean="0"/>
+                  <a:t>), </a:t>
+                </a:r>
+                <a:r>
+                  <a:rPr lang="en-US" i="1" dirty="0" smtClean="0"/>
+                  <a:t>glibc-2.21</a:t>
+                </a:r>
+                <a:r>
+                  <a:rPr lang="en-US" dirty="0" smtClean="0"/>
+                  <a:t>, </a:t>
+                </a:r>
+                <a:r>
+                  <a:rPr lang="en-US" i="1" dirty="0" smtClean="0"/>
+                  <a:t>ffmpeg-2-3-3(With </a:t>
+                </a:r>
+                <a:r>
+                  <a:rPr lang="en-US" i="1" dirty="0" err="1" smtClean="0"/>
+                  <a:t>optmizations</a:t>
+                </a:r>
+                <a:r>
+                  <a:rPr lang="en-US" i="1" dirty="0" smtClean="0"/>
+                  <a:t>), gstreamer-1.4.5, qt-5.4.1, linux-kernel-3.19, Manual instructions</a:t>
+                </a:r>
+                <a:r>
+                  <a:rPr lang="en-US" dirty="0" smtClean="0"/>
+                  <a:t>.</a:t>
+                </a:r>
+              </a:p>
+            </p:txBody>
+          </p:sp>
+        </mc:Choice>
+        <mc:Fallback>
+          <p:sp>
+            <p:nvSpPr>
+              <p:cNvPr id="3" name="Content Placeholder 2"/>
+              <p:cNvSpPr>
+                <a:spLocks noGrp="1" noRot="1" noChangeAspect="1" noMove="1" noResize="1" noEditPoints="1" noAdjustHandles="1" noChangeArrowheads="1" noChangeShapeType="1" noTextEdit="1"/>
+              </p:cNvSpPr>
+              <p:nvPr>
+                <p:ph idx="1"/>
+              </p:nvPr>
+            </p:nvSpPr>
+            <p:spPr>
+              <a:blipFill rotWithShape="1">
+                <a:blip r:embed="rId2"/>
+                <a:stretch>
+                  <a:fillRect t="-762"/>
+                </a:stretch>
+              </a:blipFill>
+            </p:spPr>
+            <p:txBody>
+              <a:bodyPr/>
+              <a:lstStyle/>
+              <a:p>
+                <a:r>
+                  <a:rPr lang="en-US">
+                    <a:noFill/>
+                  </a:rPr>
+                  <a:t> </a:t>
+                </a:r>
+              </a:p>
+            </p:txBody>
+          </p:sp>
+        </mc:Fallback>
+      </mc:AlternateContent>
+      <p:sp>
+        <p:nvSpPr>
+          <p:cNvPr id="4" name="Date Placeholder 3"/>
+          <p:cNvSpPr>
+            <a:spLocks noGrp="1"/>
+          </p:cNvSpPr>
+          <p:nvPr>
+            <p:ph type="dt" sz="half" idx="10"/>
+          </p:nvPr>
+        </p:nvSpPr>
+        <p:spPr/>
+        <p:txBody>
+          <a:bodyPr/>
+          <a:lstStyle/>
+          <a:p>
+            <a:fld id="{DD407E00-27F0-4C14-AF3C-5C31E771A60D}" type="datetime1">
+              <a:rPr lang="en-US" smtClean="0"/>
+              <a:t>12/11/2016</a:t>
+            </a:fld>
+            <a:endParaRPr lang="en-US"/>
+          </a:p>
+        </p:txBody>
+      </p:sp>
+      <p:sp>
+        <p:nvSpPr>
+          <p:cNvPr id="5" name="Footer Placeholder 4"/>
+          <p:cNvSpPr>
+            <a:spLocks noGrp="1"/>
+          </p:cNvSpPr>
+          <p:nvPr>
+            <p:ph type="ftr" sz="quarter" idx="11"/>
+          </p:nvPr>
+        </p:nvSpPr>
+        <p:spPr/>
+        <p:txBody>
+          <a:bodyPr/>
+          <a:lstStyle/>
+          <a:p>
+            <a:r>
+              <a:rPr lang="en-US" smtClean="0"/>
+              <a:t>MO601 - Computer Architecture II</a:t>
+            </a:r>
+            <a:endParaRPr lang="en-US"/>
+          </a:p>
+        </p:txBody>
+      </p:sp>
+      <p:sp>
+        <p:nvSpPr>
+          <p:cNvPr id="6" name="Slide Number Placeholder 5"/>
+          <p:cNvSpPr>
+            <a:spLocks noGrp="1"/>
+          </p:cNvSpPr>
+          <p:nvPr>
+            <p:ph type="sldNum" sz="quarter" idx="12"/>
+          </p:nvPr>
+        </p:nvSpPr>
+        <p:spPr/>
+        <p:txBody>
+          <a:bodyPr/>
+          <a:lstStyle/>
+          <a:p>
+            <a:fld id="{8AD61BBD-45EF-42F9-AAAB-584D7D8CC33E}" type="slidenum">
+              <a:rPr lang="en-US" smtClean="0"/>
+              <a:t>5</a:t>
+            </a:fld>
+            <a:endParaRPr lang="en-US"/>
+          </a:p>
+        </p:txBody>
+      </p:sp>
+    </p:spTree>
+    <p:extLst>
+      <p:ext uri="{BB962C8B-B14F-4D97-AF65-F5344CB8AC3E}">
+        <p14:creationId xmlns:p14="http://schemas.microsoft.com/office/powerpoint/2010/main" val="4145833349"/>
+      </p:ext>
+    </p:extLst>
+  </p:cSld>
+  <p:clrMapOvr>
+    <a:masterClrMapping/>
+  </p:clrMapOvr>
+</p:sld>
+</file>
+
+<file path=ppt/slides/slide6.xml><?xml version="1.0" encoding="utf-8"?>
+<p:sld xmlns:a="http://schemas.openxmlformats.org/drawingml/2006/main" xmlns:r="http://schemas.openxmlformats.org/officeDocument/2006/relationships" xmlns:p="http://schemas.openxmlformats.org/presentationml/2006/main">
+  <p:cSld>
+    <p:spTree>
+      <p:nvGrpSpPr>
+        <p:cNvPr id="1" name=""/>
+        <p:cNvGrpSpPr/>
+        <p:nvPr/>
+      </p:nvGrpSpPr>
+      <p:grpSpPr>
+        <a:xfrm>
+          <a:off x="0" y="0"/>
+          <a:ext cx="0" cy="0"/>
+          <a:chOff x="0" y="0"/>
+          <a:chExt cx="0" cy="0"/>
+        </a:xfrm>
+      </p:grpSpPr>
+      <p:sp>
+        <p:nvSpPr>
+          <p:cNvPr id="2" name="Title 1"/>
+          <p:cNvSpPr>
+            <a:spLocks noGrp="1"/>
+          </p:cNvSpPr>
+          <p:nvPr>
+            <p:ph type="title"/>
+          </p:nvPr>
+        </p:nvSpPr>
+        <p:spPr/>
+        <p:txBody>
+          <a:bodyPr/>
+          <a:lstStyle/>
+          <a:p>
+            <a:r>
+              <a:rPr lang="en-US" dirty="0" smtClean="0"/>
+              <a:t>LISC Evaluation</a:t>
+            </a:r>
+            <a:br>
+              <a:rPr lang="en-US" dirty="0" smtClean="0"/>
+            </a:br>
+            <a:r>
+              <a:rPr lang="en-US" dirty="0" smtClean="0"/>
+              <a:t>Completeness Metrics</a:t>
+            </a:r>
+            <a:endParaRPr lang="en-US" dirty="0"/>
+          </a:p>
+        </p:txBody>
+      </p:sp>
+      <mc:AlternateContent xmlns:mc="http://schemas.openxmlformats.org/markup-compatibility/2006" xmlns:a14="http://schemas.microsoft.com/office/drawing/2010/main">
+        <mc:Choice Requires="a14">
+          <p:sp>
+            <p:nvSpPr>
+              <p:cNvPr id="3" name="Content Placeholder 2"/>
+              <p:cNvSpPr>
+                <a:spLocks noGrp="1"/>
+              </p:cNvSpPr>
+              <p:nvPr>
+                <p:ph idx="1"/>
+              </p:nvPr>
+            </p:nvSpPr>
+            <p:spPr/>
+            <p:txBody>
+              <a:bodyPr/>
+              <a:lstStyle/>
+              <a:p>
+                <a:r>
+                  <a:rPr lang="en-US" dirty="0" smtClean="0"/>
+                  <a:t>Comparison between:</a:t>
+                </a:r>
+              </a:p>
+              <a:p>
+                <a:pPr lvl="1"/>
+                <a:r>
+                  <a:rPr lang="en-US" b="1" dirty="0" smtClean="0"/>
+                  <a:t>Exact Recall: </a:t>
+                </a:r>
+                <a:r>
+                  <a:rPr lang="en-US" dirty="0" smtClean="0"/>
+                  <a:t>an instruction from </a:t>
+                </a:r>
+                <a14:m>
+                  <m:oMath xmlns:m="http://schemas.openxmlformats.org/officeDocument/2006/math">
+                    <m:sSub>
+                      <m:sSubPr>
+                        <m:ctrlPr>
+                          <a:rPr lang="en-US" i="1">
+                            <a:latin typeface="Cambria Math"/>
+                          </a:rPr>
+                        </m:ctrlPr>
+                      </m:sSubPr>
+                      <m:e>
+                        <m:r>
+                          <a:rPr lang="en-US" i="1">
+                            <a:latin typeface="Cambria Math"/>
+                          </a:rPr>
+                          <m:t>𝑃</m:t>
+                        </m:r>
+                      </m:e>
+                      <m:sub>
+                        <m:r>
+                          <a:rPr lang="en-US" i="1">
+                            <a:latin typeface="Cambria Math"/>
+                          </a:rPr>
+                          <m:t>𝑡𝑒𝑠𝑡</m:t>
+                        </m:r>
+                      </m:sub>
+                    </m:sSub>
+                  </m:oMath>
+                </a14:m>
+                <a:r>
+                  <a:rPr lang="en-US" dirty="0" smtClean="0"/>
+                  <a:t> is lifted only if it also belongs to </a:t>
+                </a:r>
+                <a14:m>
+                  <m:oMath xmlns:m="http://schemas.openxmlformats.org/officeDocument/2006/math">
+                    <m:sSub>
+                      <m:sSubPr>
+                        <m:ctrlPr>
+                          <a:rPr lang="en-US" i="1">
+                            <a:latin typeface="Cambria Math"/>
+                          </a:rPr>
+                        </m:ctrlPr>
+                      </m:sSubPr>
+                      <m:e>
+                        <m:r>
+                          <a:rPr lang="en-US" i="1">
+                            <a:latin typeface="Cambria Math"/>
+                          </a:rPr>
+                          <m:t>𝑃</m:t>
+                        </m:r>
+                      </m:e>
+                      <m:sub>
+                        <m:r>
+                          <a:rPr lang="en-US" i="1">
+                            <a:latin typeface="Cambria Math"/>
+                          </a:rPr>
+                          <m:t>𝑡</m:t>
+                        </m:r>
+                        <m:r>
+                          <a:rPr lang="en-US" b="0" i="1" smtClean="0">
+                            <a:latin typeface="Cambria Math"/>
+                          </a:rPr>
+                          <m:t>𝑟𝑎𝑖𝑛</m:t>
+                        </m:r>
+                      </m:sub>
+                    </m:sSub>
+                  </m:oMath>
+                </a14:m>
+                <a:r>
+                  <a:rPr lang="en-US" dirty="0" smtClean="0"/>
+                  <a:t>;</a:t>
+                </a:r>
+              </a:p>
+              <a:p>
+                <a:pPr lvl="1"/>
+                <a:r>
+                  <a:rPr lang="en-US" b="1" dirty="0" smtClean="0"/>
+                  <a:t>LISC % </a:t>
+                </a:r>
+                <a:r>
+                  <a:rPr lang="en-US" dirty="0" smtClean="0"/>
+                  <a:t>of instructions lifted</a:t>
+                </a:r>
+              </a:p>
+              <a:p>
+                <a:pPr lvl="1"/>
+                <a:endParaRPr lang="en-US" dirty="0"/>
+              </a:p>
+              <a:p>
+                <a:r>
+                  <a:rPr lang="en-US" dirty="0" smtClean="0"/>
+                  <a:t>From the LISC %:</a:t>
+                </a:r>
+              </a:p>
+              <a:p>
+                <a:pPr lvl="1"/>
+                <a:r>
+                  <a:rPr lang="en-US" dirty="0" smtClean="0"/>
+                  <a:t>Number of Mnemonics missing, from the total of 1187 found in x86:</a:t>
                 </a:r>
               </a:p>
               <a:p>
                 <a:pPr lvl="2"/>
                 <a:r>
                   <a:rPr lang="en-US" dirty="0" smtClean="0"/>
-                  <a:t>Fraction of unique instructions translated</a:t>
+                  <a:t>Percentage;</a:t>
                 </a:r>
               </a:p>
               <a:p>
                 <a:pPr lvl="2"/>
                 <a:r>
                   <a:rPr lang="en-US" dirty="0" smtClean="0"/>
-                  <a:t>Total number of non-translated instructions</a:t>
+                  <a:t>Absolute Number;</a:t>
+                </a:r>
+              </a:p>
+              <a:p>
+                <a:pPr lvl="1"/>
+                <a:r>
+                  <a:rPr lang="en-US" dirty="0" smtClean="0"/>
+                  <a:t>Percentage of operands missing</a:t>
+                </a:r>
+              </a:p>
+            </p:txBody>
+          </p:sp>
+        </mc:Choice>
+        <mc:Fallback xmlns="">
+          <p:sp>
+            <p:nvSpPr>
+              <p:cNvPr id="3" name="Content Placeholder 2"/>
+              <p:cNvSpPr>
+                <a:spLocks noGrp="1" noRot="1" noChangeAspect="1" noMove="1" noResize="1" noEditPoints="1" noAdjustHandles="1" noChangeArrowheads="1" noChangeShapeType="1" noTextEdit="1"/>
+              </p:cNvSpPr>
+              <p:nvPr>
+                <p:ph idx="1"/>
+              </p:nvPr>
+            </p:nvSpPr>
+            <p:spPr>
+              <a:blipFill rotWithShape="1">
+                <a:blip r:embed="rId2"/>
+                <a:stretch>
+                  <a:fillRect t="-762"/>
+                </a:stretch>
+              </a:blipFill>
+            </p:spPr>
+            <p:txBody>
+              <a:bodyPr/>
+              <a:lstStyle/>
+              <a:p>
+                <a:r>
+                  <a:rPr lang="en-US">
+                    <a:noFill/>
+                  </a:rPr>
+                  <a:t> </a:t>
+                </a:r>
+              </a:p>
+            </p:txBody>
+          </p:sp>
+        </mc:Fallback>
+      </mc:AlternateContent>
+      <p:sp>
+        <p:nvSpPr>
+          <p:cNvPr id="4" name="Date Placeholder 3"/>
+          <p:cNvSpPr>
+            <a:spLocks noGrp="1"/>
+          </p:cNvSpPr>
+          <p:nvPr>
+            <p:ph type="dt" sz="half" idx="10"/>
+          </p:nvPr>
+        </p:nvSpPr>
+        <p:spPr/>
+        <p:txBody>
+          <a:bodyPr/>
+          <a:lstStyle/>
+          <a:p>
+            <a:fld id="{DD407E00-27F0-4C14-AF3C-5C31E771A60D}" type="datetime1">
+              <a:rPr lang="en-US" smtClean="0"/>
+              <a:t>12/11/2016</a:t>
+            </a:fld>
+            <a:endParaRPr lang="en-US"/>
+          </a:p>
+        </p:txBody>
+      </p:sp>
+      <p:sp>
+        <p:nvSpPr>
+          <p:cNvPr id="5" name="Footer Placeholder 4"/>
+          <p:cNvSpPr>
+            <a:spLocks noGrp="1"/>
+          </p:cNvSpPr>
+          <p:nvPr>
+            <p:ph type="ftr" sz="quarter" idx="11"/>
+          </p:nvPr>
+        </p:nvSpPr>
+        <p:spPr/>
+        <p:txBody>
+          <a:bodyPr/>
+          <a:lstStyle/>
+          <a:p>
+            <a:r>
+              <a:rPr lang="en-US" smtClean="0"/>
+              <a:t>MO601 - Computer Architecture II</a:t>
+            </a:r>
+            <a:endParaRPr lang="en-US"/>
+          </a:p>
+        </p:txBody>
+      </p:sp>
+      <p:sp>
+        <p:nvSpPr>
+          <p:cNvPr id="6" name="Slide Number Placeholder 5"/>
+          <p:cNvSpPr>
+            <a:spLocks noGrp="1"/>
+          </p:cNvSpPr>
+          <p:nvPr>
+            <p:ph type="sldNum" sz="quarter" idx="12"/>
+          </p:nvPr>
+        </p:nvSpPr>
+        <p:spPr/>
+        <p:txBody>
+          <a:bodyPr/>
+          <a:lstStyle/>
+          <a:p>
+            <a:fld id="{8AD61BBD-45EF-42F9-AAAB-584D7D8CC33E}" type="slidenum">
+              <a:rPr lang="en-US" smtClean="0"/>
+              <a:t>6</a:t>
+            </a:fld>
+            <a:endParaRPr lang="en-US"/>
+          </a:p>
+        </p:txBody>
+      </p:sp>
+    </p:spTree>
+    <p:extLst>
+      <p:ext uri="{BB962C8B-B14F-4D97-AF65-F5344CB8AC3E}">
+        <p14:creationId xmlns:p14="http://schemas.microsoft.com/office/powerpoint/2010/main" val="302312518"/>
+      </p:ext>
+    </p:extLst>
+  </p:cSld>
+  <p:clrMapOvr>
+    <a:masterClrMapping/>
+  </p:clrMapOvr>
+</p:sld>
+</file>
+
+<file path=ppt/slides/slide7.xml><?xml version="1.0" encoding="utf-8"?>
+<p:sld xmlns:a="http://schemas.openxmlformats.org/drawingml/2006/main" xmlns:r="http://schemas.openxmlformats.org/officeDocument/2006/relationships" xmlns:p="http://schemas.openxmlformats.org/presentationml/2006/main">
+  <p:cSld>
+    <p:spTree>
+      <p:nvGrpSpPr>
+        <p:cNvPr id="1" name=""/>
+        <p:cNvGrpSpPr/>
+        <p:nvPr/>
+      </p:nvGrpSpPr>
+      <p:grpSpPr>
+        <a:xfrm>
+          <a:off x="0" y="0"/>
+          <a:ext cx="0" cy="0"/>
+          <a:chOff x="0" y="0"/>
+          <a:chExt cx="0" cy="0"/>
+        </a:xfrm>
+      </p:grpSpPr>
+      <p:sp>
+        <p:nvSpPr>
+          <p:cNvPr id="2" name="Title 1"/>
+          <p:cNvSpPr>
+            <a:spLocks noGrp="1"/>
+          </p:cNvSpPr>
+          <p:nvPr>
+            <p:ph type="title"/>
+          </p:nvPr>
+        </p:nvSpPr>
+        <p:spPr/>
+        <p:txBody>
+          <a:bodyPr/>
+          <a:lstStyle/>
+          <a:p>
+            <a:r>
+              <a:rPr lang="en-US" dirty="0" smtClean="0"/>
+              <a:t>LISC Evaluation</a:t>
+            </a:r>
+            <a:br>
+              <a:rPr lang="en-US" dirty="0" smtClean="0"/>
+            </a:br>
+            <a:r>
+              <a:rPr lang="en-US" dirty="0" smtClean="0"/>
+              <a:t>Completeness Methodology Changes</a:t>
+            </a:r>
+            <a:endParaRPr lang="en-US" dirty="0"/>
+          </a:p>
+        </p:txBody>
+      </p:sp>
+      <mc:AlternateContent xmlns:mc="http://schemas.openxmlformats.org/markup-compatibility/2006">
+        <mc:Choice xmlns:a14="http://schemas.microsoft.com/office/drawing/2010/main" Requires="a14">
+          <p:sp>
+            <p:nvSpPr>
+              <p:cNvPr id="3" name="Content Placeholder 2"/>
+              <p:cNvSpPr>
+                <a:spLocks noGrp="1"/>
+              </p:cNvSpPr>
+              <p:nvPr>
+                <p:ph idx="1"/>
+              </p:nvPr>
+            </p:nvSpPr>
+            <p:spPr/>
+            <p:txBody>
+              <a:bodyPr/>
+              <a:lstStyle/>
+              <a:p>
+                <a:r>
+                  <a:rPr lang="en-US" dirty="0" smtClean="0"/>
+                  <a:t>Made to guarantee reproducibility of results</a:t>
+                </a:r>
+              </a:p>
+              <a:p>
+                <a:pPr lvl="1"/>
+                <a14:m>
+                  <m:oMath xmlns:m="http://schemas.openxmlformats.org/officeDocument/2006/math">
+                    <m:sSub>
+                      <m:sSubPr>
+                        <m:ctrlPr>
+                          <a:rPr lang="en-US" i="1">
+                            <a:latin typeface="Cambria Math"/>
+                          </a:rPr>
+                        </m:ctrlPr>
+                      </m:sSubPr>
+                      <m:e>
+                        <m:r>
+                          <a:rPr lang="en-US" i="1">
+                            <a:latin typeface="Cambria Math"/>
+                          </a:rPr>
+                          <m:t>𝑃</m:t>
+                        </m:r>
+                      </m:e>
+                      <m:sub>
+                        <m:r>
+                          <a:rPr lang="en-US" i="1">
+                            <a:latin typeface="Cambria Math"/>
+                          </a:rPr>
+                          <m:t>𝑡𝑟𝑎𝑖𝑛</m:t>
+                        </m:r>
+                      </m:sub>
+                    </m:sSub>
+                  </m:oMath>
+                </a14:m>
+                <a:r>
+                  <a:rPr lang="en-US" dirty="0" smtClean="0"/>
+                  <a:t> is a different set of programs (does not include QT and Linux Kernel)</a:t>
+                </a:r>
+              </a:p>
+              <a:p>
+                <a:pPr lvl="1"/>
+                <a14:m>
+                  <m:oMath xmlns:m="http://schemas.openxmlformats.org/officeDocument/2006/math">
+                    <m:sSub>
+                      <m:sSubPr>
+                        <m:ctrlPr>
+                          <a:rPr lang="en-US" i="1">
+                            <a:latin typeface="Cambria Math"/>
+                          </a:rPr>
+                        </m:ctrlPr>
+                      </m:sSubPr>
+                      <m:e>
+                        <m:r>
+                          <a:rPr lang="en-US" i="1">
+                            <a:latin typeface="Cambria Math"/>
+                          </a:rPr>
+                          <m:t>𝑃</m:t>
+                        </m:r>
+                      </m:e>
+                      <m:sub>
+                        <m:r>
+                          <a:rPr lang="en-US" i="1">
+                            <a:latin typeface="Cambria Math"/>
+                          </a:rPr>
+                          <m:t>𝑡𝑒𝑠𝑡</m:t>
+                        </m:r>
+                      </m:sub>
+                    </m:sSub>
+                  </m:oMath>
+                </a14:m>
+                <a:r>
+                  <a:rPr lang="en-US" dirty="0" smtClean="0"/>
+                  <a:t> is a limited set of Ubuntu Server 14.04 binaries. Only binaries with less than 6MB were used, because of time constraints (Around 14M instructions total)</a:t>
+                </a:r>
+              </a:p>
+              <a:p>
+                <a:pPr lvl="1"/>
+                <a:r>
+                  <a:rPr lang="en-US" dirty="0" smtClean="0"/>
+                  <a:t>Binaries were evaluated individually</a:t>
+                </a:r>
+              </a:p>
+              <a:p>
+                <a:pPr lvl="2"/>
+                <a:r>
+                  <a:rPr lang="en-US" dirty="0" smtClean="0"/>
+                  <a:t>More transparent evaluation approach</a:t>
+                </a:r>
+              </a:p>
+              <a:p>
+                <a:pPr lvl="1"/>
+                <a:r>
+                  <a:rPr lang="en-US" dirty="0" smtClean="0"/>
+                  <a:t>Average </a:t>
+                </a:r>
+                <a:r>
+                  <a:rPr lang="en-US" b="1" dirty="0" smtClean="0"/>
+                  <a:t>LISC Lifting % </a:t>
+                </a:r>
+                <a:r>
+                  <a:rPr lang="en-US" dirty="0" smtClean="0"/>
+                  <a:t>computed</a:t>
+                </a:r>
+              </a:p>
+              <a:p>
+                <a:pPr lvl="2"/>
+                <a:r>
+                  <a:rPr lang="en-US" dirty="0" smtClean="0"/>
+                  <a:t>Exact Recall could not be computed</a:t>
                 </a:r>
                 <a:endParaRPr lang="en-US" dirty="0"/>
               </a:p>
@@ -5414,7 +7407,7 @@
           <a:p>
             <a:fld id="{DD407E00-27F0-4C14-AF3C-5C31E771A60D}" type="datetime1">
               <a:rPr lang="en-US" smtClean="0"/>
-              <a:t>10/30/2016</a:t>
+              <a:t>12/11/2016</a:t>
             </a:fld>
             <a:endParaRPr lang="en-US"/>
           </a:p>
@@ -5460,7 +7453,7 @@
           <a:p>
             <a:fld id="{8AD61BBD-45EF-42F9-AAAB-584D7D8CC33E}" type="slidenum">
               <a:rPr lang="en-US" smtClean="0"/>
-              <a:t>6</a:t>
+              <a:t>7</a:t>
             </a:fld>
             <a:endParaRPr lang="en-US"/>
           </a:p>
@@ -5469,198 +7462,7 @@
     </p:spTree>
     <p:extLst>
       <p:ext uri="{BB962C8B-B14F-4D97-AF65-F5344CB8AC3E}">
-        <p14:creationId xmlns:p14="http://schemas.microsoft.com/office/powerpoint/2010/main" val="4214879618"/>
-      </p:ext>
-    </p:extLst>
-  </p:cSld>
-  <p:clrMapOvr>
-    <a:masterClrMapping/>
-  </p:clrMapOvr>
-</p:sld>
-</file>
-
-<file path=ppt/slides/slide7.xml><?xml version="1.0" encoding="utf-8"?>
-<p:sld xmlns:a="http://schemas.openxmlformats.org/drawingml/2006/main" xmlns:r="http://schemas.openxmlformats.org/officeDocument/2006/relationships" xmlns:p="http://schemas.openxmlformats.org/presentationml/2006/main">
-  <p:cSld>
-    <p:spTree>
-      <p:nvGrpSpPr>
-        <p:cNvPr id="1" name=""/>
-        <p:cNvGrpSpPr/>
-        <p:nvPr/>
-      </p:nvGrpSpPr>
-      <p:grpSpPr>
-        <a:xfrm>
-          <a:off x="0" y="0"/>
-          <a:ext cx="0" cy="0"/>
-          <a:chOff x="0" y="0"/>
-          <a:chExt cx="0" cy="0"/>
-        </a:xfrm>
-      </p:grpSpPr>
-      <p:sp>
-        <p:nvSpPr>
-          <p:cNvPr id="2" name="Title 1"/>
-          <p:cNvSpPr>
-            <a:spLocks noGrp="1"/>
-          </p:cNvSpPr>
-          <p:nvPr>
-            <p:ph type="title"/>
-          </p:nvPr>
-        </p:nvSpPr>
-        <p:spPr/>
-        <p:txBody>
-          <a:bodyPr/>
-          <a:lstStyle/>
-          <a:p>
-            <a:r>
-              <a:rPr lang="en-US" dirty="0" smtClean="0"/>
-              <a:t>LISC Evaluation</a:t>
-            </a:r>
-            <a:br>
-              <a:rPr lang="en-US" dirty="0" smtClean="0"/>
-            </a:br>
-            <a:r>
-              <a:rPr lang="en-US" dirty="0" smtClean="0"/>
-              <a:t>Architecture Neutrality</a:t>
-            </a:r>
-            <a:endParaRPr lang="en-US" dirty="0"/>
-          </a:p>
-        </p:txBody>
-      </p:sp>
-      <p:sp>
-        <p:nvSpPr>
-          <p:cNvPr id="3" name="Content Placeholder 2"/>
-          <p:cNvSpPr>
-            <a:spLocks noGrp="1"/>
-          </p:cNvSpPr>
-          <p:nvPr>
-            <p:ph idx="1"/>
-          </p:nvPr>
-        </p:nvSpPr>
-        <p:spPr/>
-        <p:txBody>
-          <a:bodyPr/>
-          <a:lstStyle/>
-          <a:p>
-            <a:r>
-              <a:rPr lang="en-US" dirty="0" smtClean="0"/>
-              <a:t>Can the system be easily adapted to a new architecture?</a:t>
-            </a:r>
-          </a:p>
-          <a:p>
-            <a:endParaRPr lang="en-US" dirty="0"/>
-          </a:p>
-          <a:p>
-            <a:r>
-              <a:rPr lang="en-US" dirty="0" smtClean="0"/>
-              <a:t>9 person-hours to support ARM and 3 person-hours to support AVR</a:t>
-            </a:r>
-          </a:p>
-          <a:p>
-            <a:endParaRPr lang="en-US" dirty="0" smtClean="0"/>
-          </a:p>
-          <a:p>
-            <a:r>
-              <a:rPr lang="en-US" b="1" dirty="0" smtClean="0"/>
-              <a:t>Evaluation:</a:t>
-            </a:r>
-          </a:p>
-          <a:p>
-            <a:pPr lvl="1"/>
-            <a:r>
-              <a:rPr lang="en-US" b="1" dirty="0" smtClean="0"/>
-              <a:t>Code that is architecture specific</a:t>
-            </a:r>
-            <a:endParaRPr lang="en-US" b="1" dirty="0"/>
-          </a:p>
-          <a:p>
-            <a:endParaRPr lang="en-US" dirty="0"/>
-          </a:p>
-          <a:p>
-            <a:r>
-              <a:rPr lang="en-US" b="1" dirty="0" smtClean="0"/>
-              <a:t>Project 4: </a:t>
-            </a:r>
-            <a:r>
-              <a:rPr lang="en-US" dirty="0" smtClean="0"/>
-              <a:t>Support a new architecture!</a:t>
-            </a:r>
-            <a:endParaRPr lang="en-US" b="1" dirty="0"/>
-          </a:p>
-        </p:txBody>
-      </p:sp>
-      <p:sp>
-        <p:nvSpPr>
-          <p:cNvPr id="4" name="Date Placeholder 3"/>
-          <p:cNvSpPr>
-            <a:spLocks noGrp="1"/>
-          </p:cNvSpPr>
-          <p:nvPr>
-            <p:ph type="dt" sz="half" idx="10"/>
-          </p:nvPr>
-        </p:nvSpPr>
-        <p:spPr/>
-        <p:txBody>
-          <a:bodyPr/>
-          <a:lstStyle/>
-          <a:p>
-            <a:fld id="{DD407E00-27F0-4C14-AF3C-5C31E771A60D}" type="datetime1">
-              <a:rPr lang="en-US" smtClean="0"/>
-              <a:t>10/30/2016</a:t>
-            </a:fld>
-            <a:endParaRPr lang="en-US"/>
-          </a:p>
-        </p:txBody>
-      </p:sp>
-      <p:sp>
-        <p:nvSpPr>
-          <p:cNvPr id="5" name="Footer Placeholder 4"/>
-          <p:cNvSpPr>
-            <a:spLocks noGrp="1"/>
-          </p:cNvSpPr>
-          <p:nvPr>
-            <p:ph type="ftr" sz="quarter" idx="11"/>
-          </p:nvPr>
-        </p:nvSpPr>
-        <p:spPr/>
-        <p:txBody>
-          <a:bodyPr/>
-          <a:lstStyle/>
-          <a:p>
-            <a:r>
-              <a:rPr lang="en-US" smtClean="0"/>
-              <a:t>MO601 - Computer Architecture II</a:t>
-            </a:r>
-            <a:endParaRPr lang="en-US"/>
-          </a:p>
-        </p:txBody>
-      </p:sp>
-      <p:sp>
-        <p:nvSpPr>
-          <p:cNvPr id="6" name="Slide Number Placeholder 5"/>
-          <p:cNvSpPr>
-            <a:spLocks noGrp="1"/>
-          </p:cNvSpPr>
-          <p:nvPr>
-            <p:ph type="sldNum" sz="quarter" idx="12"/>
-          </p:nvPr>
-        </p:nvSpPr>
-        <p:spPr/>
-        <p:txBody>
-          <a:bodyPr/>
-          <a:lstStyle/>
-          <a:p>
-            <a:fld id="{8AD61BBD-45EF-42F9-AAAB-584D7D8CC33E}" type="slidenum">
-              <a:rPr lang="en-US" smtClean="0"/>
-              <a:t>7</a:t>
-            </a:fld>
-            <a:endParaRPr lang="en-US"/>
-          </a:p>
-        </p:txBody>
-      </p:sp>
-    </p:spTree>
-    <p:extLst>
-      <p:ext uri="{BB962C8B-B14F-4D97-AF65-F5344CB8AC3E}">
-        <p14:creationId xmlns:p14="http://schemas.microsoft.com/office/powerpoint/2010/main" val="4038948828"/>
+        <p14:creationId xmlns:p14="http://schemas.microsoft.com/office/powerpoint/2010/main" val="3470450372"/>
       </p:ext>
     </p:extLst>
   </p:cSld>
@@ -5703,104 +7505,1433 @@
           <a:lstStyle/>
           <a:p>
             <a:r>
+              <a:rPr lang="en-US" dirty="0"/>
+              <a:t>LISC Evaluation</a:t>
+            </a:r>
+            <a:br>
+              <a:rPr lang="en-US" dirty="0"/>
+            </a:br>
+            <a:r>
               <a:rPr lang="en-US" dirty="0" smtClean="0"/>
-              <a:t>LISC Evaluation</a:t>
-            </a:r>
-            <a:br>
-              <a:rPr lang="en-US" dirty="0" smtClean="0"/>
-            </a:br>
-            <a:r>
-              <a:rPr lang="en-US" dirty="0" smtClean="0"/>
-              <a:t>Performance</a:t>
+              <a:t>Completeness Original Results</a:t>
             </a:r>
             <a:endParaRPr lang="en-US" dirty="0"/>
           </a:p>
         </p:txBody>
       </p:sp>
-      <p:sp>
-        <p:nvSpPr>
-          <p:cNvPr id="3" name="Content Placeholder 2"/>
-          <p:cNvSpPr>
-            <a:spLocks noGrp="1"/>
-          </p:cNvSpPr>
+      <p:graphicFrame>
+        <p:nvGraphicFramePr>
+          <p:cNvPr id="7" name="Content Placeholder 6"/>
+          <p:cNvGraphicFramePr>
+            <a:graphicFrameLocks noGrp="1"/>
+          </p:cNvGraphicFramePr>
           <p:nvPr>
             <p:ph idx="1"/>
-          </p:nvPr>
-        </p:nvSpPr>
-        <p:spPr/>
-        <p:txBody>
-          <a:bodyPr/>
-          <a:lstStyle/>
-          <a:p>
-            <a:r>
-              <a:rPr lang="en-US" dirty="0" smtClean="0"/>
-              <a:t>How long does training/testing takes?</a:t>
-            </a:r>
-          </a:p>
-          <a:p>
-            <a:endParaRPr lang="en-US" dirty="0"/>
-          </a:p>
-          <a:p>
-            <a:r>
-              <a:rPr lang="en-US" dirty="0" smtClean="0"/>
-              <a:t>10 minutes training</a:t>
-            </a:r>
-          </a:p>
-          <a:p>
-            <a:pPr lvl="1"/>
-            <a:r>
-              <a:rPr lang="en-US" dirty="0" smtClean="0"/>
-              <a:t>1.4GB of code generator logs</a:t>
-            </a:r>
-          </a:p>
-          <a:p>
-            <a:pPr lvl="1"/>
-            <a:r>
-              <a:rPr lang="en-US" dirty="0" smtClean="0"/>
-              <a:t>4830 transducer states</a:t>
-            </a:r>
-          </a:p>
-          <a:p>
-            <a:pPr lvl="1"/>
-            <a:endParaRPr lang="en-US" dirty="0"/>
-          </a:p>
-          <a:p>
-            <a:r>
-              <a:rPr lang="en-US" dirty="0" smtClean="0"/>
-              <a:t>Lifting binaries from Ubuntu/x86 and </a:t>
-            </a:r>
-            <a:r>
-              <a:rPr lang="en-US" dirty="0" err="1" smtClean="0"/>
-              <a:t>Debian</a:t>
-            </a:r>
-            <a:r>
-              <a:rPr lang="en-US" dirty="0" smtClean="0"/>
-              <a:t>/ARM </a:t>
-            </a:r>
-            <a:r>
-              <a:rPr lang="en-US" dirty="0" err="1" smtClean="0"/>
-              <a:t>archiectures</a:t>
-            </a:r>
-            <a:r>
-              <a:rPr lang="en-US" dirty="0"/>
-              <a:t> </a:t>
-            </a:r>
-            <a:r>
-              <a:rPr lang="en-US" dirty="0" smtClean="0"/>
-              <a:t>(around 100M instructions): around 8 hours</a:t>
-            </a:r>
-          </a:p>
-          <a:p>
-            <a:endParaRPr lang="en-US" dirty="0"/>
-          </a:p>
-          <a:p>
-            <a:r>
-              <a:rPr lang="en-US" dirty="0" smtClean="0"/>
-              <a:t>Linear-time algorithm for lifting binaries</a:t>
-            </a:r>
-          </a:p>
-        </p:txBody>
-      </p:sp>
+            <p:extLst>
+              <p:ext uri="{D42A27DB-BD31-4B8C-83A1-F6EECF244321}">
+                <p14:modId xmlns:p14="http://schemas.microsoft.com/office/powerpoint/2010/main" val="2657457862"/>
+              </p:ext>
+            </p:extLst>
+          </p:nvPr>
+        </p:nvGraphicFramePr>
+        <p:xfrm>
+          <a:off x="381000" y="2209800"/>
+          <a:ext cx="7619999" cy="1906438"/>
+        </p:xfrm>
+        <a:graphic>
+          <a:graphicData uri="http://schemas.openxmlformats.org/drawingml/2006/table">
+            <a:tbl>
+              <a:tblPr firstRow="1" firstCol="1">
+                <a:tableStyleId>{073A0DAA-6AF3-43AB-8588-CEC1D06C72B9}</a:tableStyleId>
+              </a:tblPr>
+              <a:tblGrid>
+                <a:gridCol w="1866691"/>
+                <a:gridCol w="1136731"/>
+                <a:gridCol w="534932"/>
+                <a:gridCol w="1078223"/>
+                <a:gridCol w="1098423"/>
+                <a:gridCol w="1904999"/>
+              </a:tblGrid>
+              <a:tr h="178710">
+                <a:tc rowSpan="2">
+                  <a:txBody>
+                    <a:bodyPr/>
+                    <a:lstStyle/>
+                    <a:p>
+                      <a:pPr algn="ctr" fontAlgn="ctr"/>
+                      <a:r>
+                        <a:rPr lang="en-US" sz="1100" u="none" strike="noStrike" dirty="0" err="1">
+                          <a:effectLst/>
+                        </a:rPr>
+                        <a:t>P_train</a:t>
+                      </a:r>
+                      <a:endParaRPr lang="en-US" sz="1100" b="1" i="0" u="none" strike="noStrike" dirty="0">
+                        <a:solidFill>
+                          <a:srgbClr val="000000"/>
+                        </a:solidFill>
+                        <a:effectLst/>
+                        <a:latin typeface="Calibri"/>
+                      </a:endParaRPr>
+                    </a:p>
+                  </a:txBody>
+                  <a:tcPr marL="7446" marR="7446" marT="7446" marB="0" anchor="ctr"/>
+                </a:tc>
+                <a:tc gridSpan="2">
+                  <a:txBody>
+                    <a:bodyPr/>
+                    <a:lstStyle/>
+                    <a:p>
+                      <a:pPr algn="ctr" fontAlgn="b"/>
+                      <a:r>
+                        <a:rPr lang="en-US" sz="1000" u="none" strike="noStrike" dirty="0">
+                          <a:effectLst/>
+                        </a:rPr>
+                        <a:t>% Instructions Lifted</a:t>
+                      </a:r>
+                      <a:endParaRPr lang="en-US" sz="1000" b="1" i="0" u="none" strike="noStrike" dirty="0">
+                        <a:solidFill>
+                          <a:srgbClr val="333333"/>
+                        </a:solidFill>
+                        <a:effectLst/>
+                        <a:latin typeface="Times New Roman"/>
+                      </a:endParaRPr>
+                    </a:p>
+                  </a:txBody>
+                  <a:tcPr marL="7446" marR="7446" marT="7446" marB="0" anchor="b"/>
+                </a:tc>
+                <a:tc hMerge="1">
+                  <a:txBody>
+                    <a:bodyPr/>
+                    <a:lstStyle/>
+                    <a:p>
+                      <a:endParaRPr lang="en-US"/>
+                    </a:p>
+                  </a:txBody>
+                  <a:tcPr/>
+                </a:tc>
+                <a:tc gridSpan="2">
+                  <a:txBody>
+                    <a:bodyPr/>
+                    <a:lstStyle/>
+                    <a:p>
+                      <a:pPr algn="ctr" fontAlgn="b"/>
+                      <a:r>
+                        <a:rPr lang="en-US" sz="1000" u="none" strike="noStrike" dirty="0">
+                          <a:effectLst/>
+                        </a:rPr>
+                        <a:t>LISC (%)</a:t>
+                      </a:r>
+                      <a:endParaRPr lang="en-US" sz="1000" b="1" i="0" u="none" strike="noStrike" dirty="0">
+                        <a:solidFill>
+                          <a:srgbClr val="333333"/>
+                        </a:solidFill>
+                        <a:effectLst/>
+                        <a:latin typeface="Times New Roman"/>
+                      </a:endParaRPr>
+                    </a:p>
+                  </a:txBody>
+                  <a:tcPr marL="7446" marR="7446" marT="7446" marB="0" anchor="b"/>
+                </a:tc>
+                <a:tc hMerge="1">
+                  <a:txBody>
+                    <a:bodyPr/>
+                    <a:lstStyle/>
+                    <a:p>
+                      <a:endParaRPr lang="en-US"/>
+                    </a:p>
+                  </a:txBody>
+                  <a:tcPr/>
+                </a:tc>
+                <a:tc rowSpan="2">
+                  <a:txBody>
+                    <a:bodyPr/>
+                    <a:lstStyle/>
+                    <a:p>
+                      <a:pPr algn="ctr" fontAlgn="ctr"/>
+                      <a:r>
+                        <a:rPr lang="en-US" sz="1000" u="none" strike="noStrike" dirty="0">
+                          <a:effectLst/>
+                        </a:rPr>
+                        <a:t>Missing Mnemonics (Absolute)</a:t>
+                      </a:r>
+                      <a:endParaRPr lang="en-US" sz="1000" b="1" i="0" u="none" strike="noStrike" dirty="0">
+                        <a:solidFill>
+                          <a:srgbClr val="333333"/>
+                        </a:solidFill>
+                        <a:effectLst/>
+                        <a:latin typeface="Times New Roman"/>
+                      </a:endParaRPr>
+                    </a:p>
+                  </a:txBody>
+                  <a:tcPr marL="7446" marR="7446" marT="7446" marB="0" anchor="ctr"/>
+                </a:tc>
+              </a:tr>
+              <a:tr h="305296">
+                <a:tc vMerge="1">
+                  <a:txBody>
+                    <a:bodyPr/>
+                    <a:lstStyle/>
+                    <a:p>
+                      <a:endParaRPr lang="en-US"/>
+                    </a:p>
+                  </a:txBody>
+                  <a:tcPr/>
+                </a:tc>
+                <a:tc>
+                  <a:txBody>
+                    <a:bodyPr/>
+                    <a:lstStyle/>
+                    <a:p>
+                      <a:pPr algn="ctr" fontAlgn="b"/>
+                      <a:r>
+                        <a:rPr lang="en-US" sz="1000" b="1" u="none" strike="noStrike" dirty="0">
+                          <a:solidFill>
+                            <a:schemeClr val="bg1"/>
+                          </a:solidFill>
+                          <a:effectLst/>
+                        </a:rPr>
+                        <a:t>Exact Recall</a:t>
+                      </a:r>
+                      <a:endParaRPr lang="en-US" sz="1000" b="1" i="0" u="none" strike="noStrike" dirty="0">
+                        <a:solidFill>
+                          <a:schemeClr val="bg1"/>
+                        </a:solidFill>
+                        <a:effectLst/>
+                        <a:latin typeface="Times New Roman"/>
+                      </a:endParaRPr>
+                    </a:p>
+                  </a:txBody>
+                  <a:tcPr marL="7446" marR="7446" marT="7446" marB="0" anchor="b">
+                    <a:solidFill>
+                      <a:schemeClr val="tx1"/>
+                    </a:solidFill>
+                  </a:tcPr>
+                </a:tc>
+                <a:tc>
+                  <a:txBody>
+                    <a:bodyPr/>
+                    <a:lstStyle/>
+                    <a:p>
+                      <a:pPr algn="ctr" fontAlgn="b"/>
+                      <a:r>
+                        <a:rPr lang="en-US" sz="1000" b="1" u="none" strike="noStrike" dirty="0">
+                          <a:solidFill>
+                            <a:schemeClr val="bg1"/>
+                          </a:solidFill>
+                          <a:effectLst/>
+                        </a:rPr>
+                        <a:t>LISC</a:t>
+                      </a:r>
+                      <a:endParaRPr lang="en-US" sz="1000" b="1" i="0" u="none" strike="noStrike" dirty="0">
+                        <a:solidFill>
+                          <a:schemeClr val="bg1"/>
+                        </a:solidFill>
+                        <a:effectLst/>
+                        <a:latin typeface="Times New Roman"/>
+                      </a:endParaRPr>
+                    </a:p>
+                  </a:txBody>
+                  <a:tcPr marL="7446" marR="7446" marT="7446" marB="0" anchor="b">
+                    <a:solidFill>
+                      <a:schemeClr val="tx1"/>
+                    </a:solidFill>
+                  </a:tcPr>
+                </a:tc>
+                <a:tc>
+                  <a:txBody>
+                    <a:bodyPr/>
+                    <a:lstStyle/>
+                    <a:p>
+                      <a:pPr algn="ctr" fontAlgn="b"/>
+                      <a:r>
+                        <a:rPr lang="en-US" sz="1000" b="1" u="none" strike="noStrike" dirty="0">
+                          <a:solidFill>
+                            <a:schemeClr val="bg1"/>
+                          </a:solidFill>
+                          <a:effectLst/>
+                        </a:rPr>
+                        <a:t>Missing Mnemonics</a:t>
+                      </a:r>
+                      <a:endParaRPr lang="en-US" sz="1000" b="1" i="0" u="none" strike="noStrike" dirty="0">
+                        <a:solidFill>
+                          <a:schemeClr val="bg1"/>
+                        </a:solidFill>
+                        <a:effectLst/>
+                        <a:latin typeface="Times New Roman"/>
+                      </a:endParaRPr>
+                    </a:p>
+                  </a:txBody>
+                  <a:tcPr marL="7446" marR="7446" marT="7446" marB="0" anchor="b">
+                    <a:solidFill>
+                      <a:schemeClr val="tx1"/>
+                    </a:solidFill>
+                  </a:tcPr>
+                </a:tc>
+                <a:tc>
+                  <a:txBody>
+                    <a:bodyPr/>
+                    <a:lstStyle/>
+                    <a:p>
+                      <a:pPr algn="ctr" fontAlgn="b"/>
+                      <a:r>
+                        <a:rPr lang="en-US" sz="1000" b="1" u="none" strike="noStrike" dirty="0">
+                          <a:solidFill>
+                            <a:schemeClr val="bg1"/>
+                          </a:solidFill>
+                          <a:effectLst/>
+                        </a:rPr>
+                        <a:t>Missing Operands</a:t>
+                      </a:r>
+                      <a:endParaRPr lang="en-US" sz="1000" b="1" i="0" u="none" strike="noStrike" dirty="0">
+                        <a:solidFill>
+                          <a:schemeClr val="bg1"/>
+                        </a:solidFill>
+                        <a:effectLst/>
+                        <a:latin typeface="Times New Roman"/>
+                      </a:endParaRPr>
+                    </a:p>
+                  </a:txBody>
+                  <a:tcPr marL="7446" marR="7446" marT="7446" marB="0" anchor="b">
+                    <a:solidFill>
+                      <a:schemeClr val="tx1"/>
+                    </a:solidFill>
+                  </a:tcPr>
+                </a:tc>
+                <a:tc vMerge="1">
+                  <a:txBody>
+                    <a:bodyPr/>
+                    <a:lstStyle/>
+                    <a:p>
+                      <a:endParaRPr lang="en-US"/>
+                    </a:p>
+                  </a:txBody>
+                  <a:tcPr/>
+                </a:tc>
+              </a:tr>
+              <a:tr h="178710">
+                <a:tc>
+                  <a:txBody>
+                    <a:bodyPr/>
+                    <a:lstStyle/>
+                    <a:p>
+                      <a:pPr algn="l" fontAlgn="b"/>
+                      <a:r>
+                        <a:rPr lang="en-US" sz="1000" u="none" strike="noStrike">
+                          <a:effectLst/>
+                        </a:rPr>
+                        <a:t>openssl-1.0.1f + binutils-2.22</a:t>
+                      </a:r>
+                      <a:endParaRPr lang="en-US" sz="1000" b="1" i="0" u="none" strike="noStrike">
+                        <a:solidFill>
+                          <a:srgbClr val="333333"/>
+                        </a:solidFill>
+                        <a:effectLst/>
+                        <a:latin typeface="Calibri"/>
+                      </a:endParaRPr>
+                    </a:p>
+                  </a:txBody>
+                  <a:tcPr marL="7446" marR="7446" marT="7446" marB="0" anchor="b"/>
+                </a:tc>
+                <a:tc>
+                  <a:txBody>
+                    <a:bodyPr/>
+                    <a:lstStyle/>
+                    <a:p>
+                      <a:pPr algn="r" fontAlgn="b"/>
+                      <a:r>
+                        <a:rPr lang="en-US" sz="1100" u="none" strike="noStrike" dirty="0">
+                          <a:effectLst/>
+                        </a:rPr>
+                        <a:t>63.72</a:t>
+                      </a:r>
+                      <a:endParaRPr lang="en-US" sz="1100" b="0" i="0" u="none" strike="noStrike" dirty="0">
+                        <a:solidFill>
+                          <a:srgbClr val="000000"/>
+                        </a:solidFill>
+                        <a:effectLst/>
+                        <a:latin typeface="Calibri"/>
+                      </a:endParaRPr>
+                    </a:p>
+                  </a:txBody>
+                  <a:tcPr marL="7446" marR="7446" marT="7446" marB="0" anchor="b"/>
+                </a:tc>
+                <a:tc>
+                  <a:txBody>
+                    <a:bodyPr/>
+                    <a:lstStyle/>
+                    <a:p>
+                      <a:pPr algn="r" fontAlgn="b"/>
+                      <a:r>
+                        <a:rPr lang="en-US" sz="1100" u="none" strike="noStrike">
+                          <a:effectLst/>
+                        </a:rPr>
+                        <a:t>98.46</a:t>
+                      </a:r>
+                      <a:endParaRPr lang="en-US" sz="1100" b="0" i="0" u="none" strike="noStrike">
+                        <a:solidFill>
+                          <a:srgbClr val="000000"/>
+                        </a:solidFill>
+                        <a:effectLst/>
+                        <a:latin typeface="Calibri"/>
+                      </a:endParaRPr>
+                    </a:p>
+                  </a:txBody>
+                  <a:tcPr marL="7446" marR="7446" marT="7446" marB="0" anchor="b"/>
+                </a:tc>
+                <a:tc>
+                  <a:txBody>
+                    <a:bodyPr/>
+                    <a:lstStyle/>
+                    <a:p>
+                      <a:pPr algn="r" fontAlgn="b"/>
+                      <a:r>
+                        <a:rPr lang="en-US" sz="1100" u="none" strike="noStrike">
+                          <a:effectLst/>
+                        </a:rPr>
+                        <a:t>1.05</a:t>
+                      </a:r>
+                      <a:endParaRPr lang="en-US" sz="1100" b="0" i="0" u="none" strike="noStrike">
+                        <a:solidFill>
+                          <a:srgbClr val="000000"/>
+                        </a:solidFill>
+                        <a:effectLst/>
+                        <a:latin typeface="Calibri"/>
+                      </a:endParaRPr>
+                    </a:p>
+                  </a:txBody>
+                  <a:tcPr marL="7446" marR="7446" marT="7446" marB="0" anchor="b"/>
+                </a:tc>
+                <a:tc>
+                  <a:txBody>
+                    <a:bodyPr/>
+                    <a:lstStyle/>
+                    <a:p>
+                      <a:pPr algn="r" fontAlgn="b"/>
+                      <a:r>
+                        <a:rPr lang="en-US" sz="1100" u="none" strike="noStrike">
+                          <a:effectLst/>
+                        </a:rPr>
+                        <a:t>0.49</a:t>
+                      </a:r>
+                      <a:endParaRPr lang="en-US" sz="1100" b="0" i="0" u="none" strike="noStrike">
+                        <a:solidFill>
+                          <a:srgbClr val="000000"/>
+                        </a:solidFill>
+                        <a:effectLst/>
+                        <a:latin typeface="Calibri"/>
+                      </a:endParaRPr>
+                    </a:p>
+                  </a:txBody>
+                  <a:tcPr marL="7446" marR="7446" marT="7446" marB="0" anchor="b"/>
+                </a:tc>
+                <a:tc>
+                  <a:txBody>
+                    <a:bodyPr/>
+                    <a:lstStyle/>
+                    <a:p>
+                      <a:pPr algn="r" fontAlgn="b"/>
+                      <a:r>
+                        <a:rPr lang="en-US" sz="1100" u="none" strike="noStrike">
+                          <a:effectLst/>
+                        </a:rPr>
+                        <a:t>464</a:t>
+                      </a:r>
+                      <a:endParaRPr lang="en-US" sz="1100" b="0" i="0" u="none" strike="noStrike">
+                        <a:solidFill>
+                          <a:srgbClr val="000000"/>
+                        </a:solidFill>
+                        <a:effectLst/>
+                        <a:latin typeface="Calibri"/>
+                      </a:endParaRPr>
+                    </a:p>
+                  </a:txBody>
+                  <a:tcPr marL="7446" marR="7446" marT="7446" marB="0" anchor="b"/>
+                </a:tc>
+              </a:tr>
+              <a:tr h="178710">
+                <a:tc>
+                  <a:txBody>
+                    <a:bodyPr/>
+                    <a:lstStyle/>
+                    <a:p>
+                      <a:pPr algn="l" fontAlgn="b"/>
+                      <a:r>
+                        <a:rPr lang="en-US" sz="1000" u="none" strike="noStrike" dirty="0" smtClean="0">
+                          <a:effectLst/>
+                        </a:rPr>
+                        <a:t>+ffmpeg-2.3.3 (Non Opt)</a:t>
+                      </a:r>
+                      <a:endParaRPr lang="en-US" sz="1000" b="1" i="0" u="none" strike="noStrike" dirty="0">
+                        <a:solidFill>
+                          <a:srgbClr val="333333"/>
+                        </a:solidFill>
+                        <a:effectLst/>
+                        <a:latin typeface="+mn-lt"/>
+                      </a:endParaRPr>
+                    </a:p>
+                  </a:txBody>
+                  <a:tcPr marL="7446" marR="7446" marT="7446" marB="0" anchor="b"/>
+                </a:tc>
+                <a:tc>
+                  <a:txBody>
+                    <a:bodyPr/>
+                    <a:lstStyle/>
+                    <a:p>
+                      <a:pPr algn="r" fontAlgn="b"/>
+                      <a:r>
+                        <a:rPr lang="en-US" sz="1100" u="none" strike="noStrike" dirty="0">
+                          <a:effectLst/>
+                        </a:rPr>
+                        <a:t>68.21</a:t>
+                      </a:r>
+                      <a:endParaRPr lang="en-US" sz="1100" b="0" i="0" u="none" strike="noStrike" dirty="0">
+                        <a:solidFill>
+                          <a:srgbClr val="000000"/>
+                        </a:solidFill>
+                        <a:effectLst/>
+                        <a:latin typeface="Calibri"/>
+                      </a:endParaRPr>
+                    </a:p>
+                  </a:txBody>
+                  <a:tcPr marL="7446" marR="7446" marT="7446" marB="0" anchor="b"/>
+                </a:tc>
+                <a:tc>
+                  <a:txBody>
+                    <a:bodyPr/>
+                    <a:lstStyle/>
+                    <a:p>
+                      <a:pPr algn="r" fontAlgn="b"/>
+                      <a:r>
+                        <a:rPr lang="en-US" sz="1100" u="none" strike="noStrike">
+                          <a:effectLst/>
+                        </a:rPr>
+                        <a:t>98.74</a:t>
+                      </a:r>
+                      <a:endParaRPr lang="en-US" sz="1100" b="0" i="0" u="none" strike="noStrike">
+                        <a:solidFill>
+                          <a:srgbClr val="000000"/>
+                        </a:solidFill>
+                        <a:effectLst/>
+                        <a:latin typeface="Calibri"/>
+                      </a:endParaRPr>
+                    </a:p>
+                  </a:txBody>
+                  <a:tcPr marL="7446" marR="7446" marT="7446" marB="0" anchor="b"/>
+                </a:tc>
+                <a:tc>
+                  <a:txBody>
+                    <a:bodyPr/>
+                    <a:lstStyle/>
+                    <a:p>
+                      <a:pPr algn="r" fontAlgn="b"/>
+                      <a:r>
+                        <a:rPr lang="en-US" sz="1100" u="none" strike="noStrike">
+                          <a:effectLst/>
+                        </a:rPr>
+                        <a:t>1.03</a:t>
+                      </a:r>
+                      <a:endParaRPr lang="en-US" sz="1100" b="0" i="0" u="none" strike="noStrike">
+                        <a:solidFill>
+                          <a:srgbClr val="000000"/>
+                        </a:solidFill>
+                        <a:effectLst/>
+                        <a:latin typeface="Calibri"/>
+                      </a:endParaRPr>
+                    </a:p>
+                  </a:txBody>
+                  <a:tcPr marL="7446" marR="7446" marT="7446" marB="0" anchor="b"/>
+                </a:tc>
+                <a:tc>
+                  <a:txBody>
+                    <a:bodyPr/>
+                    <a:lstStyle/>
+                    <a:p>
+                      <a:pPr algn="r" fontAlgn="b"/>
+                      <a:r>
+                        <a:rPr lang="en-US" sz="1100" u="none" strike="noStrike">
+                          <a:effectLst/>
+                        </a:rPr>
+                        <a:t>0.23</a:t>
+                      </a:r>
+                      <a:endParaRPr lang="en-US" sz="1100" b="0" i="0" u="none" strike="noStrike">
+                        <a:solidFill>
+                          <a:srgbClr val="000000"/>
+                        </a:solidFill>
+                        <a:effectLst/>
+                        <a:latin typeface="Calibri"/>
+                      </a:endParaRPr>
+                    </a:p>
+                  </a:txBody>
+                  <a:tcPr marL="7446" marR="7446" marT="7446" marB="0" anchor="b"/>
+                </a:tc>
+                <a:tc>
+                  <a:txBody>
+                    <a:bodyPr/>
+                    <a:lstStyle/>
+                    <a:p>
+                      <a:pPr algn="r" fontAlgn="b"/>
+                      <a:r>
+                        <a:rPr lang="en-US" sz="1100" u="none" strike="noStrike">
+                          <a:effectLst/>
+                        </a:rPr>
+                        <a:t>377</a:t>
+                      </a:r>
+                      <a:endParaRPr lang="en-US" sz="1100" b="0" i="0" u="none" strike="noStrike">
+                        <a:solidFill>
+                          <a:srgbClr val="000000"/>
+                        </a:solidFill>
+                        <a:effectLst/>
+                        <a:latin typeface="Calibri"/>
+                      </a:endParaRPr>
+                    </a:p>
+                  </a:txBody>
+                  <a:tcPr marL="7446" marR="7446" marT="7446" marB="0" anchor="b"/>
+                </a:tc>
+              </a:tr>
+              <a:tr h="178710">
+                <a:tc>
+                  <a:txBody>
+                    <a:bodyPr/>
+                    <a:lstStyle/>
+                    <a:p>
+                      <a:pPr algn="l" fontAlgn="b"/>
+                      <a:r>
+                        <a:rPr lang="en-US" sz="1000" u="none" strike="noStrike" dirty="0">
+                          <a:effectLst/>
+                        </a:rPr>
+                        <a:t>+glibc-2.21</a:t>
+                      </a:r>
+                      <a:endParaRPr lang="en-US" sz="1000" b="1" i="0" u="none" strike="noStrike" dirty="0">
+                        <a:solidFill>
+                          <a:srgbClr val="333333"/>
+                        </a:solidFill>
+                        <a:effectLst/>
+                        <a:latin typeface="Calibri"/>
+                      </a:endParaRPr>
+                    </a:p>
+                  </a:txBody>
+                  <a:tcPr marL="7446" marR="7446" marT="7446" marB="0" anchor="b"/>
+                </a:tc>
+                <a:tc>
+                  <a:txBody>
+                    <a:bodyPr/>
+                    <a:lstStyle/>
+                    <a:p>
+                      <a:pPr algn="r" fontAlgn="b"/>
+                      <a:r>
+                        <a:rPr lang="en-US" sz="1100" u="none" strike="noStrike" dirty="0">
+                          <a:effectLst/>
+                        </a:rPr>
+                        <a:t>68.74</a:t>
+                      </a:r>
+                      <a:endParaRPr lang="en-US" sz="1100" b="0" i="0" u="none" strike="noStrike" dirty="0">
+                        <a:solidFill>
+                          <a:srgbClr val="000000"/>
+                        </a:solidFill>
+                        <a:effectLst/>
+                        <a:latin typeface="Calibri"/>
+                      </a:endParaRPr>
+                    </a:p>
+                  </a:txBody>
+                  <a:tcPr marL="7446" marR="7446" marT="7446" marB="0" anchor="b"/>
+                </a:tc>
+                <a:tc>
+                  <a:txBody>
+                    <a:bodyPr/>
+                    <a:lstStyle/>
+                    <a:p>
+                      <a:pPr algn="r" fontAlgn="b"/>
+                      <a:r>
+                        <a:rPr lang="en-US" sz="1100" u="none" strike="noStrike" dirty="0">
+                          <a:effectLst/>
+                        </a:rPr>
+                        <a:t>98.8</a:t>
+                      </a:r>
+                      <a:endParaRPr lang="en-US" sz="1100" b="0" i="0" u="none" strike="noStrike" dirty="0">
+                        <a:solidFill>
+                          <a:srgbClr val="000000"/>
+                        </a:solidFill>
+                        <a:effectLst/>
+                        <a:latin typeface="Calibri"/>
+                      </a:endParaRPr>
+                    </a:p>
+                  </a:txBody>
+                  <a:tcPr marL="7446" marR="7446" marT="7446" marB="0" anchor="b"/>
+                </a:tc>
+                <a:tc>
+                  <a:txBody>
+                    <a:bodyPr/>
+                    <a:lstStyle/>
+                    <a:p>
+                      <a:pPr algn="r" fontAlgn="b"/>
+                      <a:r>
+                        <a:rPr lang="en-US" sz="1100" u="none" strike="noStrike">
+                          <a:effectLst/>
+                        </a:rPr>
+                        <a:t>1.01</a:t>
+                      </a:r>
+                      <a:endParaRPr lang="en-US" sz="1100" b="0" i="0" u="none" strike="noStrike">
+                        <a:solidFill>
+                          <a:srgbClr val="000000"/>
+                        </a:solidFill>
+                        <a:effectLst/>
+                        <a:latin typeface="Calibri"/>
+                      </a:endParaRPr>
+                    </a:p>
+                  </a:txBody>
+                  <a:tcPr marL="7446" marR="7446" marT="7446" marB="0" anchor="b"/>
+                </a:tc>
+                <a:tc>
+                  <a:txBody>
+                    <a:bodyPr/>
+                    <a:lstStyle/>
+                    <a:p>
+                      <a:pPr algn="r" fontAlgn="b"/>
+                      <a:r>
+                        <a:rPr lang="en-US" sz="1100" u="none" strike="noStrike">
+                          <a:effectLst/>
+                        </a:rPr>
+                        <a:t>0.19</a:t>
+                      </a:r>
+                      <a:endParaRPr lang="en-US" sz="1100" b="0" i="0" u="none" strike="noStrike">
+                        <a:solidFill>
+                          <a:srgbClr val="000000"/>
+                        </a:solidFill>
+                        <a:effectLst/>
+                        <a:latin typeface="Calibri"/>
+                      </a:endParaRPr>
+                    </a:p>
+                  </a:txBody>
+                  <a:tcPr marL="7446" marR="7446" marT="7446" marB="0" anchor="b"/>
+                </a:tc>
+                <a:tc>
+                  <a:txBody>
+                    <a:bodyPr/>
+                    <a:lstStyle/>
+                    <a:p>
+                      <a:pPr algn="r" fontAlgn="b"/>
+                      <a:r>
+                        <a:rPr lang="en-US" sz="1100" u="none" strike="noStrike" dirty="0">
+                          <a:effectLst/>
+                        </a:rPr>
+                        <a:t>346</a:t>
+                      </a:r>
+                      <a:endParaRPr lang="en-US" sz="1100" b="0" i="0" u="none" strike="noStrike" dirty="0">
+                        <a:solidFill>
+                          <a:srgbClr val="000000"/>
+                        </a:solidFill>
+                        <a:effectLst/>
+                        <a:latin typeface="Calibri"/>
+                      </a:endParaRPr>
+                    </a:p>
+                  </a:txBody>
+                  <a:tcPr marL="7446" marR="7446" marT="7446" marB="0" anchor="b"/>
+                </a:tc>
+              </a:tr>
+              <a:tr h="172208">
+                <a:tc>
+                  <a:txBody>
+                    <a:bodyPr/>
+                    <a:lstStyle/>
+                    <a:p>
+                      <a:pPr algn="l" fontAlgn="b"/>
+                      <a:r>
+                        <a:rPr lang="en-US" sz="1000" u="none" strike="noStrike" dirty="0">
+                          <a:effectLst/>
+                        </a:rPr>
+                        <a:t>+ffmpeg-2.3.3 (Opt)</a:t>
+                      </a:r>
+                      <a:endParaRPr lang="en-US" sz="1000" b="1" i="0" u="none" strike="noStrike" dirty="0">
+                        <a:solidFill>
+                          <a:srgbClr val="333333"/>
+                        </a:solidFill>
+                        <a:effectLst/>
+                        <a:latin typeface="Calibri"/>
+                      </a:endParaRPr>
+                    </a:p>
+                  </a:txBody>
+                  <a:tcPr marL="7446" marR="7446" marT="7446" marB="0" anchor="b"/>
+                </a:tc>
+                <a:tc>
+                  <a:txBody>
+                    <a:bodyPr/>
+                    <a:lstStyle/>
+                    <a:p>
+                      <a:pPr algn="r" fontAlgn="b"/>
+                      <a:r>
+                        <a:rPr lang="en-US" sz="1100" u="none" strike="noStrike">
+                          <a:effectLst/>
+                        </a:rPr>
+                        <a:t>69.07</a:t>
+                      </a:r>
+                      <a:endParaRPr lang="en-US" sz="1100" b="0" i="0" u="none" strike="noStrike">
+                        <a:solidFill>
+                          <a:srgbClr val="000000"/>
+                        </a:solidFill>
+                        <a:effectLst/>
+                        <a:latin typeface="Calibri"/>
+                      </a:endParaRPr>
+                    </a:p>
+                  </a:txBody>
+                  <a:tcPr marL="7446" marR="7446" marT="7446" marB="0" anchor="b"/>
+                </a:tc>
+                <a:tc>
+                  <a:txBody>
+                    <a:bodyPr/>
+                    <a:lstStyle/>
+                    <a:p>
+                      <a:pPr algn="r" fontAlgn="b"/>
+                      <a:r>
+                        <a:rPr lang="en-US" sz="1100" u="none" strike="noStrike" dirty="0">
+                          <a:effectLst/>
+                        </a:rPr>
+                        <a:t>98.89</a:t>
+                      </a:r>
+                      <a:endParaRPr lang="en-US" sz="1100" b="0" i="0" u="none" strike="noStrike" dirty="0">
+                        <a:solidFill>
+                          <a:srgbClr val="000000"/>
+                        </a:solidFill>
+                        <a:effectLst/>
+                        <a:latin typeface="Calibri"/>
+                      </a:endParaRPr>
+                    </a:p>
+                  </a:txBody>
+                  <a:tcPr marL="7446" marR="7446" marT="7446" marB="0" anchor="b"/>
+                </a:tc>
+                <a:tc>
+                  <a:txBody>
+                    <a:bodyPr/>
+                    <a:lstStyle/>
+                    <a:p>
+                      <a:pPr algn="r" fontAlgn="b"/>
+                      <a:r>
+                        <a:rPr lang="en-US" sz="1100" u="none" strike="noStrike" dirty="0">
+                          <a:effectLst/>
+                        </a:rPr>
+                        <a:t>0.88</a:t>
+                      </a:r>
+                      <a:endParaRPr lang="en-US" sz="1100" b="0" i="0" u="none" strike="noStrike" dirty="0">
+                        <a:solidFill>
+                          <a:srgbClr val="000000"/>
+                        </a:solidFill>
+                        <a:effectLst/>
+                        <a:latin typeface="Calibri"/>
+                      </a:endParaRPr>
+                    </a:p>
+                  </a:txBody>
+                  <a:tcPr marL="7446" marR="7446" marT="7446" marB="0" anchor="b"/>
+                </a:tc>
+                <a:tc>
+                  <a:txBody>
+                    <a:bodyPr/>
+                    <a:lstStyle/>
+                    <a:p>
+                      <a:pPr algn="r" fontAlgn="b"/>
+                      <a:r>
+                        <a:rPr lang="en-US" sz="1100" u="none" strike="noStrike">
+                          <a:effectLst/>
+                        </a:rPr>
+                        <a:t>0.23</a:t>
+                      </a:r>
+                      <a:endParaRPr lang="en-US" sz="1100" b="0" i="0" u="none" strike="noStrike">
+                        <a:solidFill>
+                          <a:srgbClr val="000000"/>
+                        </a:solidFill>
+                        <a:effectLst/>
+                        <a:latin typeface="Calibri"/>
+                      </a:endParaRPr>
+                    </a:p>
+                  </a:txBody>
+                  <a:tcPr marL="7446" marR="7446" marT="7446" marB="0" anchor="b"/>
+                </a:tc>
+                <a:tc>
+                  <a:txBody>
+                    <a:bodyPr/>
+                    <a:lstStyle/>
+                    <a:p>
+                      <a:pPr algn="r" fontAlgn="b"/>
+                      <a:r>
+                        <a:rPr lang="en-US" sz="1100" u="none" strike="noStrike">
+                          <a:effectLst/>
+                        </a:rPr>
+                        <a:t>303</a:t>
+                      </a:r>
+                      <a:endParaRPr lang="en-US" sz="1100" b="0" i="0" u="none" strike="noStrike">
+                        <a:solidFill>
+                          <a:srgbClr val="000000"/>
+                        </a:solidFill>
+                        <a:effectLst/>
+                        <a:latin typeface="Calibri"/>
+                      </a:endParaRPr>
+                    </a:p>
+                  </a:txBody>
+                  <a:tcPr marL="7446" marR="7446" marT="7446" marB="0" anchor="b"/>
+                </a:tc>
+              </a:tr>
+              <a:tr h="178710">
+                <a:tc>
+                  <a:txBody>
+                    <a:bodyPr/>
+                    <a:lstStyle/>
+                    <a:p>
+                      <a:pPr algn="l" fontAlgn="b"/>
+                      <a:r>
+                        <a:rPr lang="en-US" sz="1000" u="none" strike="noStrike" dirty="0">
+                          <a:effectLst/>
+                        </a:rPr>
+                        <a:t>+gstreamer-1.4.5</a:t>
+                      </a:r>
+                      <a:endParaRPr lang="en-US" sz="1000" b="1" i="0" u="none" strike="noStrike" dirty="0">
+                        <a:solidFill>
+                          <a:srgbClr val="333333"/>
+                        </a:solidFill>
+                        <a:effectLst/>
+                        <a:latin typeface="Calibri"/>
+                      </a:endParaRPr>
+                    </a:p>
+                  </a:txBody>
+                  <a:tcPr marL="7446" marR="7446" marT="7446" marB="0" anchor="b"/>
+                </a:tc>
+                <a:tc>
+                  <a:txBody>
+                    <a:bodyPr/>
+                    <a:lstStyle/>
+                    <a:p>
+                      <a:pPr algn="r" fontAlgn="b"/>
+                      <a:r>
+                        <a:rPr lang="en-US" sz="1100" u="none" strike="noStrike">
+                          <a:effectLst/>
+                        </a:rPr>
+                        <a:t>71.07</a:t>
+                      </a:r>
+                      <a:endParaRPr lang="en-US" sz="1100" b="0" i="0" u="none" strike="noStrike">
+                        <a:solidFill>
+                          <a:srgbClr val="000000"/>
+                        </a:solidFill>
+                        <a:effectLst/>
+                        <a:latin typeface="Calibri"/>
+                      </a:endParaRPr>
+                    </a:p>
+                  </a:txBody>
+                  <a:tcPr marL="7446" marR="7446" marT="7446" marB="0" anchor="b"/>
+                </a:tc>
+                <a:tc>
+                  <a:txBody>
+                    <a:bodyPr/>
+                    <a:lstStyle/>
+                    <a:p>
+                      <a:pPr algn="r" fontAlgn="b"/>
+                      <a:r>
+                        <a:rPr lang="en-US" sz="1100" u="none" strike="noStrike">
+                          <a:effectLst/>
+                        </a:rPr>
+                        <a:t>99.1</a:t>
+                      </a:r>
+                      <a:endParaRPr lang="en-US" sz="1100" b="0" i="0" u="none" strike="noStrike">
+                        <a:solidFill>
+                          <a:srgbClr val="000000"/>
+                        </a:solidFill>
+                        <a:effectLst/>
+                        <a:latin typeface="Calibri"/>
+                      </a:endParaRPr>
+                    </a:p>
+                  </a:txBody>
+                  <a:tcPr marL="7446" marR="7446" marT="7446" marB="0" anchor="b"/>
+                </a:tc>
+                <a:tc>
+                  <a:txBody>
+                    <a:bodyPr/>
+                    <a:lstStyle/>
+                    <a:p>
+                      <a:pPr algn="r" fontAlgn="b"/>
+                      <a:r>
+                        <a:rPr lang="en-US" sz="1100" u="none" strike="noStrike" dirty="0">
+                          <a:effectLst/>
+                        </a:rPr>
+                        <a:t>0.79</a:t>
+                      </a:r>
+                      <a:endParaRPr lang="en-US" sz="1100" b="0" i="0" u="none" strike="noStrike" dirty="0">
+                        <a:solidFill>
+                          <a:srgbClr val="000000"/>
+                        </a:solidFill>
+                        <a:effectLst/>
+                        <a:latin typeface="Calibri"/>
+                      </a:endParaRPr>
+                    </a:p>
+                  </a:txBody>
+                  <a:tcPr marL="7446" marR="7446" marT="7446" marB="0" anchor="b"/>
+                </a:tc>
+                <a:tc>
+                  <a:txBody>
+                    <a:bodyPr/>
+                    <a:lstStyle/>
+                    <a:p>
+                      <a:pPr algn="r" fontAlgn="b"/>
+                      <a:r>
+                        <a:rPr lang="en-US" sz="1100" u="none" strike="noStrike">
+                          <a:effectLst/>
+                        </a:rPr>
+                        <a:t>0.11</a:t>
+                      </a:r>
+                      <a:endParaRPr lang="en-US" sz="1100" b="0" i="0" u="none" strike="noStrike">
+                        <a:solidFill>
+                          <a:srgbClr val="000000"/>
+                        </a:solidFill>
+                        <a:effectLst/>
+                        <a:latin typeface="Calibri"/>
+                      </a:endParaRPr>
+                    </a:p>
+                  </a:txBody>
+                  <a:tcPr marL="7446" marR="7446" marT="7446" marB="0" anchor="b"/>
+                </a:tc>
+                <a:tc>
+                  <a:txBody>
+                    <a:bodyPr/>
+                    <a:lstStyle/>
+                    <a:p>
+                      <a:pPr algn="r" fontAlgn="b"/>
+                      <a:r>
+                        <a:rPr lang="en-US" sz="1100" u="none" strike="noStrike" dirty="0">
+                          <a:effectLst/>
+                        </a:rPr>
+                        <a:t>221</a:t>
+                      </a:r>
+                      <a:endParaRPr lang="en-US" sz="1100" b="0" i="0" u="none" strike="noStrike" dirty="0">
+                        <a:solidFill>
+                          <a:srgbClr val="000000"/>
+                        </a:solidFill>
+                        <a:effectLst/>
+                        <a:latin typeface="Calibri"/>
+                      </a:endParaRPr>
+                    </a:p>
+                  </a:txBody>
+                  <a:tcPr marL="7446" marR="7446" marT="7446" marB="0" anchor="b"/>
+                </a:tc>
+              </a:tr>
+              <a:tr h="178710">
+                <a:tc>
+                  <a:txBody>
+                    <a:bodyPr/>
+                    <a:lstStyle/>
+                    <a:p>
+                      <a:pPr algn="l" fontAlgn="b"/>
+                      <a:r>
+                        <a:rPr lang="en-US" sz="1000" u="none" strike="noStrike">
+                          <a:effectLst/>
+                        </a:rPr>
+                        <a:t>+qt-5.4.1</a:t>
+                      </a:r>
+                      <a:endParaRPr lang="en-US" sz="1000" b="1" i="0" u="none" strike="noStrike">
+                        <a:solidFill>
+                          <a:srgbClr val="333333"/>
+                        </a:solidFill>
+                        <a:effectLst/>
+                        <a:latin typeface="Calibri"/>
+                      </a:endParaRPr>
+                    </a:p>
+                  </a:txBody>
+                  <a:tcPr marL="7446" marR="7446" marT="7446" marB="0" anchor="b"/>
+                </a:tc>
+                <a:tc>
+                  <a:txBody>
+                    <a:bodyPr/>
+                    <a:lstStyle/>
+                    <a:p>
+                      <a:pPr algn="r" fontAlgn="b"/>
+                      <a:r>
+                        <a:rPr lang="en-US" sz="1100" u="none" strike="noStrike">
+                          <a:effectLst/>
+                        </a:rPr>
+                        <a:t>72.45</a:t>
+                      </a:r>
+                      <a:endParaRPr lang="en-US" sz="1100" b="0" i="0" u="none" strike="noStrike">
+                        <a:solidFill>
+                          <a:srgbClr val="000000"/>
+                        </a:solidFill>
+                        <a:effectLst/>
+                        <a:latin typeface="Calibri"/>
+                      </a:endParaRPr>
+                    </a:p>
+                  </a:txBody>
+                  <a:tcPr marL="7446" marR="7446" marT="7446" marB="0" anchor="b"/>
+                </a:tc>
+                <a:tc>
+                  <a:txBody>
+                    <a:bodyPr/>
+                    <a:lstStyle/>
+                    <a:p>
+                      <a:pPr algn="r" fontAlgn="b"/>
+                      <a:r>
+                        <a:rPr lang="en-US" sz="1100" u="none" strike="noStrike">
+                          <a:effectLst/>
+                        </a:rPr>
+                        <a:t>99.21</a:t>
+                      </a:r>
+                      <a:endParaRPr lang="en-US" sz="1100" b="0" i="0" u="none" strike="noStrike">
+                        <a:solidFill>
+                          <a:srgbClr val="000000"/>
+                        </a:solidFill>
+                        <a:effectLst/>
+                        <a:latin typeface="Calibri"/>
+                      </a:endParaRPr>
+                    </a:p>
+                  </a:txBody>
+                  <a:tcPr marL="7446" marR="7446" marT="7446" marB="0" anchor="b"/>
+                </a:tc>
+                <a:tc>
+                  <a:txBody>
+                    <a:bodyPr/>
+                    <a:lstStyle/>
+                    <a:p>
+                      <a:pPr algn="r" fontAlgn="b"/>
+                      <a:r>
+                        <a:rPr lang="en-US" sz="1100" u="none" strike="noStrike" dirty="0">
+                          <a:effectLst/>
+                        </a:rPr>
+                        <a:t>0.69</a:t>
+                      </a:r>
+                      <a:endParaRPr lang="en-US" sz="1100" b="0" i="0" u="none" strike="noStrike" dirty="0">
+                        <a:solidFill>
+                          <a:srgbClr val="000000"/>
+                        </a:solidFill>
+                        <a:effectLst/>
+                        <a:latin typeface="Calibri"/>
+                      </a:endParaRPr>
+                    </a:p>
+                  </a:txBody>
+                  <a:tcPr marL="7446" marR="7446" marT="7446" marB="0" anchor="b"/>
+                </a:tc>
+                <a:tc>
+                  <a:txBody>
+                    <a:bodyPr/>
+                    <a:lstStyle/>
+                    <a:p>
+                      <a:pPr algn="r" fontAlgn="b"/>
+                      <a:r>
+                        <a:rPr lang="en-US" sz="1100" u="none" strike="noStrike" dirty="0">
+                          <a:effectLst/>
+                        </a:rPr>
+                        <a:t>0.09</a:t>
+                      </a:r>
+                      <a:endParaRPr lang="en-US" sz="1100" b="0" i="0" u="none" strike="noStrike" dirty="0">
+                        <a:solidFill>
+                          <a:srgbClr val="000000"/>
+                        </a:solidFill>
+                        <a:effectLst/>
+                        <a:latin typeface="Calibri"/>
+                      </a:endParaRPr>
+                    </a:p>
+                  </a:txBody>
+                  <a:tcPr marL="7446" marR="7446" marT="7446" marB="0" anchor="b"/>
+                </a:tc>
+                <a:tc>
+                  <a:txBody>
+                    <a:bodyPr/>
+                    <a:lstStyle/>
+                    <a:p>
+                      <a:pPr algn="r" fontAlgn="b"/>
+                      <a:r>
+                        <a:rPr lang="en-US" sz="1100" u="none" strike="noStrike">
+                          <a:effectLst/>
+                        </a:rPr>
+                        <a:t>161</a:t>
+                      </a:r>
+                      <a:endParaRPr lang="en-US" sz="1100" b="0" i="0" u="none" strike="noStrike">
+                        <a:solidFill>
+                          <a:srgbClr val="000000"/>
+                        </a:solidFill>
+                        <a:effectLst/>
+                        <a:latin typeface="Calibri"/>
+                      </a:endParaRPr>
+                    </a:p>
+                  </a:txBody>
+                  <a:tcPr marL="7446" marR="7446" marT="7446" marB="0" anchor="b"/>
+                </a:tc>
+              </a:tr>
+              <a:tr h="43934">
+                <a:tc>
+                  <a:txBody>
+                    <a:bodyPr/>
+                    <a:lstStyle/>
+                    <a:p>
+                      <a:pPr algn="l" fontAlgn="b"/>
+                      <a:r>
+                        <a:rPr lang="en-US" sz="1000" u="none" strike="noStrike">
+                          <a:effectLst/>
+                        </a:rPr>
+                        <a:t>+linuxkern-3.19</a:t>
+                      </a:r>
+                      <a:endParaRPr lang="en-US" sz="1000" b="1" i="0" u="none" strike="noStrike">
+                        <a:solidFill>
+                          <a:srgbClr val="333333"/>
+                        </a:solidFill>
+                        <a:effectLst/>
+                        <a:latin typeface="Calibri"/>
+                      </a:endParaRPr>
+                    </a:p>
+                  </a:txBody>
+                  <a:tcPr marL="7446" marR="7446" marT="7446" marB="0" anchor="b"/>
+                </a:tc>
+                <a:tc>
+                  <a:txBody>
+                    <a:bodyPr/>
+                    <a:lstStyle/>
+                    <a:p>
+                      <a:pPr algn="r" fontAlgn="b"/>
+                      <a:r>
+                        <a:rPr lang="en-US" sz="1100" u="none" strike="noStrike" dirty="0">
+                          <a:effectLst/>
+                        </a:rPr>
+                        <a:t>73.97</a:t>
+                      </a:r>
+                      <a:endParaRPr lang="en-US" sz="1100" b="0" i="0" u="none" strike="noStrike" dirty="0">
+                        <a:solidFill>
+                          <a:srgbClr val="000000"/>
+                        </a:solidFill>
+                        <a:effectLst/>
+                        <a:latin typeface="Calibri"/>
+                      </a:endParaRPr>
+                    </a:p>
+                  </a:txBody>
+                  <a:tcPr marL="7446" marR="7446" marT="7446" marB="0" anchor="b"/>
+                </a:tc>
+                <a:tc>
+                  <a:txBody>
+                    <a:bodyPr/>
+                    <a:lstStyle/>
+                    <a:p>
+                      <a:pPr algn="r" fontAlgn="b"/>
+                      <a:r>
+                        <a:rPr lang="en-US" sz="1100" u="none" strike="noStrike">
+                          <a:effectLst/>
+                        </a:rPr>
+                        <a:t>99.49</a:t>
+                      </a:r>
+                      <a:endParaRPr lang="en-US" sz="1100" b="0" i="0" u="none" strike="noStrike">
+                        <a:solidFill>
+                          <a:srgbClr val="000000"/>
+                        </a:solidFill>
+                        <a:effectLst/>
+                        <a:latin typeface="Calibri"/>
+                      </a:endParaRPr>
+                    </a:p>
+                  </a:txBody>
+                  <a:tcPr marL="7446" marR="7446" marT="7446" marB="0" anchor="b"/>
+                </a:tc>
+                <a:tc>
+                  <a:txBody>
+                    <a:bodyPr/>
+                    <a:lstStyle/>
+                    <a:p>
+                      <a:pPr algn="r" fontAlgn="b"/>
+                      <a:r>
+                        <a:rPr lang="en-US" sz="1100" u="none" strike="noStrike">
+                          <a:effectLst/>
+                        </a:rPr>
+                        <a:t>0.44</a:t>
+                      </a:r>
+                      <a:endParaRPr lang="en-US" sz="1100" b="0" i="0" u="none" strike="noStrike">
+                        <a:solidFill>
+                          <a:srgbClr val="000000"/>
+                        </a:solidFill>
+                        <a:effectLst/>
+                        <a:latin typeface="Calibri"/>
+                      </a:endParaRPr>
+                    </a:p>
+                  </a:txBody>
+                  <a:tcPr marL="7446" marR="7446" marT="7446" marB="0" anchor="b"/>
+                </a:tc>
+                <a:tc>
+                  <a:txBody>
+                    <a:bodyPr/>
+                    <a:lstStyle/>
+                    <a:p>
+                      <a:pPr algn="r" fontAlgn="b"/>
+                      <a:r>
+                        <a:rPr lang="en-US" sz="1100" u="none" strike="noStrike" dirty="0">
+                          <a:effectLst/>
+                        </a:rPr>
+                        <a:t>0.07</a:t>
+                      </a:r>
+                      <a:endParaRPr lang="en-US" sz="1100" b="0" i="0" u="none" strike="noStrike" dirty="0">
+                        <a:solidFill>
+                          <a:srgbClr val="000000"/>
+                        </a:solidFill>
+                        <a:effectLst/>
+                        <a:latin typeface="Calibri"/>
+                      </a:endParaRPr>
+                    </a:p>
+                  </a:txBody>
+                  <a:tcPr marL="7446" marR="7446" marT="7446" marB="0" anchor="b"/>
+                </a:tc>
+                <a:tc>
+                  <a:txBody>
+                    <a:bodyPr/>
+                    <a:lstStyle/>
+                    <a:p>
+                      <a:pPr algn="r" fontAlgn="b"/>
+                      <a:r>
+                        <a:rPr lang="en-US" sz="1100" u="none" strike="noStrike">
+                          <a:effectLst/>
+                        </a:rPr>
+                        <a:t>49</a:t>
+                      </a:r>
+                      <a:endParaRPr lang="en-US" sz="1100" b="0" i="0" u="none" strike="noStrike">
+                        <a:solidFill>
+                          <a:srgbClr val="000000"/>
+                        </a:solidFill>
+                        <a:effectLst/>
+                        <a:latin typeface="Calibri"/>
+                      </a:endParaRPr>
+                    </a:p>
+                  </a:txBody>
+                  <a:tcPr marL="7446" marR="7446" marT="7446" marB="0" anchor="b"/>
+                </a:tc>
+              </a:tr>
+              <a:tr h="178710">
+                <a:tc>
+                  <a:txBody>
+                    <a:bodyPr/>
+                    <a:lstStyle/>
+                    <a:p>
+                      <a:pPr algn="l" fontAlgn="b"/>
+                      <a:r>
+                        <a:rPr lang="en-US" sz="1000" u="none" strike="noStrike" dirty="0">
+                          <a:effectLst/>
+                        </a:rPr>
+                        <a:t>+Manual</a:t>
+                      </a:r>
+                      <a:endParaRPr lang="en-US" sz="1000" b="1" i="0" u="none" strike="noStrike" dirty="0">
+                        <a:solidFill>
+                          <a:srgbClr val="333333"/>
+                        </a:solidFill>
+                        <a:effectLst/>
+                        <a:latin typeface="Calibri"/>
+                      </a:endParaRPr>
+                    </a:p>
+                  </a:txBody>
+                  <a:tcPr marL="7446" marR="7446" marT="7446" marB="0" anchor="b"/>
+                </a:tc>
+                <a:tc>
+                  <a:txBody>
+                    <a:bodyPr/>
+                    <a:lstStyle/>
+                    <a:p>
+                      <a:pPr algn="r" fontAlgn="b"/>
+                      <a:r>
+                        <a:rPr lang="en-US" sz="1100" u="none" strike="noStrike">
+                          <a:effectLst/>
+                        </a:rPr>
+                        <a:t>74.04</a:t>
+                      </a:r>
+                      <a:endParaRPr lang="en-US" sz="1100" b="0" i="0" u="none" strike="noStrike">
+                        <a:solidFill>
+                          <a:srgbClr val="000000"/>
+                        </a:solidFill>
+                        <a:effectLst/>
+                        <a:latin typeface="Calibri"/>
+                      </a:endParaRPr>
+                    </a:p>
+                  </a:txBody>
+                  <a:tcPr marL="7446" marR="7446" marT="7446" marB="0" anchor="b"/>
+                </a:tc>
+                <a:tc>
+                  <a:txBody>
+                    <a:bodyPr/>
+                    <a:lstStyle/>
+                    <a:p>
+                      <a:pPr algn="r" fontAlgn="b"/>
+                      <a:r>
+                        <a:rPr lang="en-US" sz="1100" u="none" strike="noStrike">
+                          <a:effectLst/>
+                        </a:rPr>
+                        <a:t>100</a:t>
+                      </a:r>
+                      <a:endParaRPr lang="en-US" sz="1100" b="0" i="0" u="none" strike="noStrike">
+                        <a:solidFill>
+                          <a:srgbClr val="000000"/>
+                        </a:solidFill>
+                        <a:effectLst/>
+                        <a:latin typeface="Calibri"/>
+                      </a:endParaRPr>
+                    </a:p>
+                  </a:txBody>
+                  <a:tcPr marL="7446" marR="7446" marT="7446" marB="0" anchor="b"/>
+                </a:tc>
+                <a:tc>
+                  <a:txBody>
+                    <a:bodyPr/>
+                    <a:lstStyle/>
+                    <a:p>
+                      <a:pPr algn="r" fontAlgn="b"/>
+                      <a:r>
+                        <a:rPr lang="en-US" sz="1100" u="none" strike="noStrike">
+                          <a:effectLst/>
+                        </a:rPr>
+                        <a:t>0</a:t>
+                      </a:r>
+                      <a:endParaRPr lang="en-US" sz="1100" b="0" i="0" u="none" strike="noStrike">
+                        <a:solidFill>
+                          <a:srgbClr val="000000"/>
+                        </a:solidFill>
+                        <a:effectLst/>
+                        <a:latin typeface="Calibri"/>
+                      </a:endParaRPr>
+                    </a:p>
+                  </a:txBody>
+                  <a:tcPr marL="7446" marR="7446" marT="7446" marB="0" anchor="b"/>
+                </a:tc>
+                <a:tc>
+                  <a:txBody>
+                    <a:bodyPr/>
+                    <a:lstStyle/>
+                    <a:p>
+                      <a:pPr algn="r" fontAlgn="b"/>
+                      <a:r>
+                        <a:rPr lang="en-US" sz="1100" u="none" strike="noStrike" dirty="0">
+                          <a:effectLst/>
+                        </a:rPr>
+                        <a:t>0</a:t>
+                      </a:r>
+                      <a:endParaRPr lang="en-US" sz="1100" b="0" i="0" u="none" strike="noStrike" dirty="0">
+                        <a:solidFill>
+                          <a:srgbClr val="000000"/>
+                        </a:solidFill>
+                        <a:effectLst/>
+                        <a:latin typeface="Calibri"/>
+                      </a:endParaRPr>
+                    </a:p>
+                  </a:txBody>
+                  <a:tcPr marL="7446" marR="7446" marT="7446" marB="0" anchor="b"/>
+                </a:tc>
+                <a:tc>
+                  <a:txBody>
+                    <a:bodyPr/>
+                    <a:lstStyle/>
+                    <a:p>
+                      <a:pPr algn="r" fontAlgn="b"/>
+                      <a:r>
+                        <a:rPr lang="en-US" sz="1100" u="none" strike="noStrike" dirty="0">
+                          <a:effectLst/>
+                        </a:rPr>
+                        <a:t>0</a:t>
+                      </a:r>
+                      <a:endParaRPr lang="en-US" sz="1100" b="0" i="0" u="none" strike="noStrike" dirty="0">
+                        <a:solidFill>
+                          <a:srgbClr val="000000"/>
+                        </a:solidFill>
+                        <a:effectLst/>
+                        <a:latin typeface="Calibri"/>
+                      </a:endParaRPr>
+                    </a:p>
+                  </a:txBody>
+                  <a:tcPr marL="7446" marR="7446" marT="7446" marB="0" anchor="b"/>
+                </a:tc>
+              </a:tr>
+            </a:tbl>
+          </a:graphicData>
+        </a:graphic>
+      </p:graphicFrame>
       <p:sp>
         <p:nvSpPr>
           <p:cNvPr id="4" name="Date Placeholder 3"/>
@@ -5818,7 +8949,7 @@
           <a:p>
             <a:fld id="{DD407E00-27F0-4C14-AF3C-5C31E771A60D}" type="datetime1">
               <a:rPr lang="en-US" smtClean="0"/>
-              <a:t>10/30/2016</a:t>
+              <a:t>12/11/2016</a:t>
             </a:fld>
             <a:endParaRPr lang="en-US"/>
           </a:p>
@@ -5873,7 +9004,7 @@
     </p:spTree>
     <p:extLst>
       <p:ext uri="{BB962C8B-B14F-4D97-AF65-F5344CB8AC3E}">
-        <p14:creationId xmlns:p14="http://schemas.microsoft.com/office/powerpoint/2010/main" val="1146880022"/>
+        <p14:creationId xmlns:p14="http://schemas.microsoft.com/office/powerpoint/2010/main" val="2318722400"/>
       </p:ext>
     </p:extLst>
   </p:cSld>
@@ -5916,277 +9047,53 @@
           <a:lstStyle/>
           <a:p>
             <a:r>
+              <a:rPr lang="en-US" dirty="0"/>
+              <a:t>LISC Evaluation</a:t>
+            </a:r>
+            <a:br>
+              <a:rPr lang="en-US" dirty="0"/>
+            </a:br>
+            <a:r>
+              <a:rPr lang="en-US" dirty="0"/>
+              <a:t>Completeness </a:t>
+            </a:r>
+            <a:r>
               <a:rPr lang="en-US" dirty="0" smtClean="0"/>
-              <a:t>LISC Evaluation</a:t>
-            </a:r>
-            <a:br>
-              <a:rPr lang="en-US" dirty="0" smtClean="0"/>
-            </a:br>
-            <a:r>
-              <a:rPr lang="en-US" dirty="0" smtClean="0"/>
-              <a:t>Correctness</a:t>
+              <a:t>New Results</a:t>
             </a:r>
             <a:endParaRPr lang="en-US" dirty="0"/>
           </a:p>
         </p:txBody>
       </p:sp>
-      <mc:AlternateContent xmlns:mc="http://schemas.openxmlformats.org/markup-compatibility/2006">
-        <mc:Choice xmlns:a14="http://schemas.microsoft.com/office/drawing/2010/main" Requires="a14">
-          <p:sp>
-            <p:nvSpPr>
-              <p:cNvPr id="3" name="Content Placeholder 2"/>
-              <p:cNvSpPr>
-                <a:spLocks noGrp="1"/>
-              </p:cNvSpPr>
-              <p:nvPr>
-                <p:ph idx="1"/>
-              </p:nvPr>
-            </p:nvSpPr>
-            <p:spPr/>
-            <p:txBody>
-              <a:bodyPr/>
-              <a:lstStyle/>
-              <a:p>
-                <a:r>
-                  <a:rPr lang="en-US" dirty="0" smtClean="0"/>
-                  <a:t>Semantic equivalence test</a:t>
-                </a:r>
-              </a:p>
-              <a:p>
-                <a:pPr lvl="1"/>
-                <a:r>
-                  <a:rPr lang="en-US" i="1" dirty="0" err="1" smtClean="0"/>
-                  <a:t>ArCheck</a:t>
-                </a:r>
-                <a:endParaRPr lang="en-US" i="1" dirty="0" smtClean="0"/>
-              </a:p>
-              <a:p>
-                <a:pPr lvl="1"/>
-                <a:endParaRPr lang="en-US" i="1" dirty="0"/>
-              </a:p>
-              <a:p>
-                <a:r>
-                  <a:rPr lang="en-US" dirty="0" smtClean="0"/>
-                  <a:t>Consistency Check</a:t>
-                </a:r>
-              </a:p>
-              <a:p>
-                <a:pPr lvl="1"/>
-                <a:r>
-                  <a:rPr lang="en-US" dirty="0" smtClean="0"/>
-                  <a:t>Distinct Intermediate Language Snippets -&gt; Same Assembly Instruction </a:t>
-                </a:r>
-                <a:r>
-                  <a:rPr lang="en-US" i="1" dirty="0" smtClean="0"/>
-                  <a:t>A</a:t>
-                </a:r>
-                <a:endParaRPr lang="en-US" dirty="0" smtClean="0"/>
-              </a:p>
-              <a:p>
-                <a:pPr lvl="1"/>
-                <a:r>
-                  <a:rPr lang="en-US" i="1" dirty="0" smtClean="0"/>
-                  <a:t>A </a:t>
-                </a:r>
-                <a:r>
-                  <a:rPr lang="en-US" dirty="0" smtClean="0"/>
-                  <a:t>may translate to two different snippets</a:t>
-                </a:r>
-              </a:p>
-              <a:p>
-                <a:pPr lvl="1"/>
-                <a:endParaRPr lang="en-US" i="1" dirty="0"/>
-              </a:p>
-              <a:p>
-                <a:r>
-                  <a:rPr lang="en-US" dirty="0" smtClean="0"/>
-                  <a:t>Loopback Test: Given a binary with a list of instructions </a:t>
-                </a:r>
-                <a14:m>
-                  <m:oMath xmlns:m="http://schemas.openxmlformats.org/officeDocument/2006/math">
-                    <m:r>
-                      <a:rPr lang="en-US" i="1" smtClean="0">
-                        <a:latin typeface="Cambria Math"/>
-                        <a:ea typeface="Cambria Math"/>
-                      </a:rPr>
-                      <m:t>𝛼</m:t>
-                    </m:r>
-                  </m:oMath>
-                </a14:m>
-                <a:endParaRPr lang="en-US" dirty="0" smtClean="0"/>
-              </a:p>
-              <a:p>
-                <a:pPr lvl="1"/>
-                <a:r>
-                  <a:rPr lang="en-US" dirty="0" smtClean="0"/>
-                  <a:t>Lift </a:t>
-                </a:r>
-                <a14:m>
-                  <m:oMath xmlns:m="http://schemas.openxmlformats.org/officeDocument/2006/math">
-                    <m:r>
-                      <a:rPr lang="en-US" i="1" smtClean="0">
-                        <a:latin typeface="Cambria Math"/>
-                        <a:ea typeface="Cambria Math"/>
-                      </a:rPr>
-                      <m:t>𝛼</m:t>
-                    </m:r>
-                  </m:oMath>
-                </a14:m>
-                <a:r>
-                  <a:rPr lang="en-US" dirty="0" smtClean="0">
-                    <a:ea typeface="Cambria Math"/>
-                  </a:rPr>
-                  <a:t> to Intermediate language </a:t>
-                </a:r>
-                <a14:m>
-                  <m:oMath xmlns:m="http://schemas.openxmlformats.org/officeDocument/2006/math">
-                    <m:r>
-                      <a:rPr lang="en-US" i="1" smtClean="0">
-                        <a:latin typeface="Cambria Math"/>
-                        <a:ea typeface="Cambria Math"/>
-                      </a:rPr>
-                      <m:t>𝛾</m:t>
-                    </m:r>
-                  </m:oMath>
-                </a14:m>
-                <a:r>
-                  <a:rPr lang="en-US" dirty="0" smtClean="0">
-                    <a:ea typeface="Cambria Math"/>
-                  </a:rPr>
-                  <a:t> using LISC</a:t>
-                </a:r>
-              </a:p>
-              <a:p>
-                <a:pPr lvl="1"/>
-                <a:r>
-                  <a:rPr lang="en-US" dirty="0" smtClean="0">
-                    <a:ea typeface="Cambria Math"/>
-                  </a:rPr>
-                  <a:t>Use GCC to generate code </a:t>
-                </a:r>
-                <a14:m>
-                  <m:oMath xmlns:m="http://schemas.openxmlformats.org/officeDocument/2006/math">
-                    <m:r>
-                      <a:rPr lang="en-US" i="1" smtClean="0">
-                        <a:latin typeface="Cambria Math"/>
-                        <a:ea typeface="Cambria Math"/>
-                      </a:rPr>
-                      <m:t>𝛼</m:t>
-                    </m:r>
-                    <m:r>
-                      <a:rPr lang="en-US" b="0" i="1" smtClean="0">
-                        <a:latin typeface="Cambria Math"/>
-                        <a:ea typeface="Cambria Math"/>
-                      </a:rPr>
-                      <m:t>′</m:t>
-                    </m:r>
-                  </m:oMath>
-                </a14:m>
-                <a:r>
-                  <a:rPr lang="en-US" dirty="0" smtClean="0">
-                    <a:ea typeface="Cambria Math"/>
-                  </a:rPr>
-                  <a:t> for </a:t>
-                </a:r>
-                <a14:m>
-                  <m:oMath xmlns:m="http://schemas.openxmlformats.org/officeDocument/2006/math">
-                    <m:r>
-                      <a:rPr lang="en-US" i="1" smtClean="0">
-                        <a:latin typeface="Cambria Math"/>
-                        <a:ea typeface="Cambria Math"/>
-                      </a:rPr>
-                      <m:t>𝛾</m:t>
-                    </m:r>
-                  </m:oMath>
-                </a14:m>
-                <a:endParaRPr lang="en-US" dirty="0" smtClean="0">
-                  <a:ea typeface="Cambria Math"/>
-                </a:endParaRPr>
-              </a:p>
-              <a:p>
-                <a:pPr lvl="1"/>
-                <a:r>
-                  <a:rPr lang="en-US" dirty="0" smtClean="0">
-                    <a:ea typeface="Cambria Math"/>
-                  </a:rPr>
-                  <a:t>Check if </a:t>
-                </a:r>
-                <a14:m>
-                  <m:oMath xmlns:m="http://schemas.openxmlformats.org/officeDocument/2006/math">
-                    <m:r>
-                      <a:rPr lang="en-US" i="1" smtClean="0">
-                        <a:latin typeface="Cambria Math"/>
-                        <a:ea typeface="Cambria Math"/>
-                      </a:rPr>
-                      <m:t>𝛼</m:t>
-                    </m:r>
-                    <m:r>
-                      <a:rPr lang="en-US" b="0" i="1" smtClean="0">
-                        <a:latin typeface="Cambria Math"/>
-                        <a:ea typeface="Cambria Math"/>
-                      </a:rPr>
-                      <m:t>′</m:t>
-                    </m:r>
-                  </m:oMath>
-                </a14:m>
-                <a:r>
-                  <a:rPr lang="en-US" dirty="0" smtClean="0">
-                    <a:ea typeface="Cambria Math"/>
-                  </a:rPr>
-                  <a:t> is consistent with </a:t>
-                </a:r>
-                <a14:m>
-                  <m:oMath xmlns:m="http://schemas.openxmlformats.org/officeDocument/2006/math">
-                    <m:r>
-                      <a:rPr lang="en-US" i="1" smtClean="0">
-                        <a:latin typeface="Cambria Math"/>
-                        <a:ea typeface="Cambria Math"/>
-                      </a:rPr>
-                      <m:t>𝛼</m:t>
-                    </m:r>
-                  </m:oMath>
-                </a14:m>
-                <a:endParaRPr lang="en-US" dirty="0" smtClean="0">
-                  <a:ea typeface="Cambria Math"/>
-                </a:endParaRPr>
-              </a:p>
-            </p:txBody>
-          </p:sp>
-        </mc:Choice>
-        <mc:Fallback>
-          <p:sp>
-            <p:nvSpPr>
-              <p:cNvPr id="3" name="Content Placeholder 2"/>
-              <p:cNvSpPr>
-                <a:spLocks noGrp="1" noRot="1" noChangeAspect="1" noMove="1" noResize="1" noEditPoints="1" noAdjustHandles="1" noChangeArrowheads="1" noChangeShapeType="1" noTextEdit="1"/>
-              </p:cNvSpPr>
-              <p:nvPr>
-                <p:ph idx="1"/>
-              </p:nvPr>
-            </p:nvSpPr>
-            <p:spPr>
-              <a:blipFill rotWithShape="1">
-                <a:blip r:embed="rId2"/>
-                <a:stretch>
-                  <a:fillRect t="-762"/>
-                </a:stretch>
-              </a:blipFill>
-            </p:spPr>
-            <p:txBody>
-              <a:bodyPr/>
-              <a:lstStyle/>
-              <a:p>
-                <a:r>
-                  <a:rPr lang="en-US">
-                    <a:noFill/>
-                  </a:rPr>
-                  <a:t> </a:t>
-                </a:r>
-              </a:p>
-            </p:txBody>
-          </p:sp>
-        </mc:Fallback>
-      </mc:AlternateContent>
+      <p:pic>
+        <p:nvPicPr>
+          <p:cNvPr id="7" name="Content Placeholder 6"/>
+          <p:cNvPicPr>
+            <a:picLocks noGrp="1" noChangeAspect="1"/>
+          </p:cNvPicPr>
+          <p:nvPr>
+            <p:ph idx="1"/>
+          </p:nvPr>
+        </p:nvPicPr>
+        <p:blipFill>
+          <a:blip r:embed="rId2">
+            <a:extLst>
+              <a:ext uri="{28A0092B-C50C-407E-A947-70E740481C1C}">
+                <a14:useLocalDpi xmlns:a14="http://schemas.microsoft.com/office/drawing/2010/main" val="0"/>
+              </a:ext>
+            </a:extLst>
+          </a:blip>
+          <a:stretch>
+            <a:fillRect/>
+          </a:stretch>
+        </p:blipFill>
+        <p:spPr>
+          <a:xfrm>
+            <a:off x="457200" y="2491166"/>
+            <a:ext cx="7620000" cy="3018668"/>
+          </a:xfrm>
+        </p:spPr>
+      </p:pic>
       <p:sp>
         <p:nvSpPr>
           <p:cNvPr id="4" name="Date Placeholder 3"/>
@@ -6204,7 +9111,7 @@
           <a:p>
             <a:fld id="{DD407E00-27F0-4C14-AF3C-5C31E771A60D}" type="datetime1">
               <a:rPr lang="en-US" smtClean="0"/>
-              <a:t>10/30/2016</a:t>
+              <a:t>12/11/2016</a:t>
             </a:fld>
             <a:endParaRPr lang="en-US"/>
           </a:p>
@@ -6259,7 +9166,7 @@
     </p:spTree>
     <p:extLst>
       <p:ext uri="{BB962C8B-B14F-4D97-AF65-F5344CB8AC3E}">
-        <p14:creationId xmlns:p14="http://schemas.microsoft.com/office/powerpoint/2010/main" val="3961145372"/>
+        <p14:creationId xmlns:p14="http://schemas.microsoft.com/office/powerpoint/2010/main" val="569864470"/>
       </p:ext>
     </p:extLst>
   </p:cSld>
